--- a/PP/PresentationDD.pptx
+++ b/PP/PresentationDD.pptx
@@ -5,19 +5,23 @@
     <p:sldMasterId id="2147483648" r:id="rId1"/>
   </p:sldMasterIdLst>
   <p:notesMasterIdLst>
-    <p:notesMasterId r:id="rId12"/>
+    <p:notesMasterId r:id="rId16"/>
   </p:notesMasterIdLst>
   <p:sldIdLst>
     <p:sldId id="256" r:id="rId2"/>
     <p:sldId id="258" r:id="rId3"/>
     <p:sldId id="259" r:id="rId4"/>
-    <p:sldId id="260" r:id="rId5"/>
-    <p:sldId id="261" r:id="rId6"/>
-    <p:sldId id="262" r:id="rId7"/>
-    <p:sldId id="264" r:id="rId8"/>
-    <p:sldId id="265" r:id="rId9"/>
-    <p:sldId id="266" r:id="rId10"/>
-    <p:sldId id="267" r:id="rId11"/>
+    <p:sldId id="270" r:id="rId5"/>
+    <p:sldId id="260" r:id="rId6"/>
+    <p:sldId id="261" r:id="rId7"/>
+    <p:sldId id="262" r:id="rId8"/>
+    <p:sldId id="264" r:id="rId9"/>
+    <p:sldId id="265" r:id="rId10"/>
+    <p:sldId id="266" r:id="rId11"/>
+    <p:sldId id="267" r:id="rId12"/>
+    <p:sldId id="268" r:id="rId13"/>
+    <p:sldId id="269" r:id="rId14"/>
+    <p:sldId id="271" r:id="rId15"/>
   </p:sldIdLst>
   <p:sldSz cx="9144000" cy="6858000" type="screen4x3"/>
   <p:notesSz cx="6858000" cy="9144000"/>
@@ -7943,6 +7947,13 @@
         </dgm:presLayoutVars>
       </dgm:prSet>
       <dgm:spPr/>
+      <dgm:t>
+        <a:bodyPr/>
+        <a:lstStyle/>
+        <a:p>
+          <a:endParaRPr lang="en-US"/>
+        </a:p>
+      </dgm:t>
     </dgm:pt>
     <dgm:pt modelId="{03A889DC-0025-C744-A2B2-DF69C0C8591E}" type="pres">
       <dgm:prSet presAssocID="{E78DD7FF-9676-7348-821C-D84C17230E44}" presName="node" presStyleLbl="node1" presStyleIdx="0" presStyleCnt="1" custLinFactNeighborY="-39877">
@@ -9299,6 +9310,13 @@
         </dgm:presLayoutVars>
       </dgm:prSet>
       <dgm:spPr/>
+      <dgm:t>
+        <a:bodyPr/>
+        <a:lstStyle/>
+        <a:p>
+          <a:endParaRPr lang="en-US"/>
+        </a:p>
+      </dgm:t>
     </dgm:pt>
     <dgm:pt modelId="{4E46F655-BA82-4146-A8DD-4FDEB7D64980}" type="pres">
       <dgm:prSet presAssocID="{074E5BCC-29BD-9241-A3D7-FB491E8BA42C}" presName="composite" presStyleCnt="0"/>
@@ -9338,10 +9356,10 @@
     </dgm:pt>
   </dgm:ptLst>
   <dgm:cxnLst>
-    <dgm:cxn modelId="{D00F129E-9AFA-734D-9CA3-4D2F7DA695AF}" type="presOf" srcId="{E2A889CF-79D1-334B-B0E4-A006BEDBF035}" destId="{17D422D3-CCD8-6A4B-A7C1-92D8B5F6ED34}" srcOrd="0" destOrd="0" presId="urn:microsoft.com/office/officeart/2005/8/layout/hList1"/>
     <dgm:cxn modelId="{816B0196-D22A-4142-911D-BEB442F86C68}" type="presOf" srcId="{099C18D5-CBED-5C4D-95D6-AFCA8A3E8148}" destId="{213351FF-7347-3849-8B92-AD1DFF358DCF}" srcOrd="0" destOrd="0" presId="urn:microsoft.com/office/officeart/2005/8/layout/hList1"/>
     <dgm:cxn modelId="{C7F53EBF-DB6D-EC4D-8017-8BE18A54545B}" type="presOf" srcId="{074E5BCC-29BD-9241-A3D7-FB491E8BA42C}" destId="{E2BF2076-6287-1040-8F3C-B478B3ED5BFA}" srcOrd="0" destOrd="0" presId="urn:microsoft.com/office/officeart/2005/8/layout/hList1"/>
     <dgm:cxn modelId="{1838AD2B-C9E1-4A4A-8E4C-13A6CB93FC84}" srcId="{E2A889CF-79D1-334B-B0E4-A006BEDBF035}" destId="{074E5BCC-29BD-9241-A3D7-FB491E8BA42C}" srcOrd="0" destOrd="0" parTransId="{FE5C01C8-727F-9C4B-B418-E6E57642B8A0}" sibTransId="{B26C946E-B6DD-4E47-838A-648C43F94A11}"/>
+    <dgm:cxn modelId="{D00F129E-9AFA-734D-9CA3-4D2F7DA695AF}" type="presOf" srcId="{E2A889CF-79D1-334B-B0E4-A006BEDBF035}" destId="{17D422D3-CCD8-6A4B-A7C1-92D8B5F6ED34}" srcOrd="0" destOrd="0" presId="urn:microsoft.com/office/officeart/2005/8/layout/hList1"/>
     <dgm:cxn modelId="{093E8BFF-4BD4-2E4D-A368-A90A81C80D3A}" srcId="{074E5BCC-29BD-9241-A3D7-FB491E8BA42C}" destId="{099C18D5-CBED-5C4D-95D6-AFCA8A3E8148}" srcOrd="0" destOrd="0" parTransId="{34148DF5-D155-3848-B566-6579FA42BD81}" sibTransId="{8CD47CA1-A21F-BD4F-804B-0A4099AB8B0D}"/>
     <dgm:cxn modelId="{FF566307-5727-0243-8B68-76540F17027C}" type="presParOf" srcId="{17D422D3-CCD8-6A4B-A7C1-92D8B5F6ED34}" destId="{4E46F655-BA82-4146-A8DD-4FDEB7D64980}" srcOrd="0" destOrd="0" presId="urn:microsoft.com/office/officeart/2005/8/layout/hList1"/>
     <dgm:cxn modelId="{4E4B3A1E-9908-D449-BB09-88EC739469B7}" type="presParOf" srcId="{4E46F655-BA82-4146-A8DD-4FDEB7D64980}" destId="{E2BF2076-6287-1040-8F3C-B478B3ED5BFA}" srcOrd="0" destOrd="0" presId="urn:microsoft.com/office/officeart/2005/8/layout/hList1"/>
@@ -9423,6 +9441,13 @@
         </dgm:presLayoutVars>
       </dgm:prSet>
       <dgm:spPr/>
+      <dgm:t>
+        <a:bodyPr/>
+        <a:lstStyle/>
+        <a:p>
+          <a:endParaRPr lang="en-US"/>
+        </a:p>
+      </dgm:t>
     </dgm:pt>
     <dgm:pt modelId="{03A889DC-0025-C744-A2B2-DF69C0C8591E}" type="pres">
       <dgm:prSet presAssocID="{E78DD7FF-9676-7348-821C-D84C17230E44}" presName="node" presStyleLbl="node1" presStyleIdx="0" presStyleCnt="1" custLinFactNeighborY="-39877">
@@ -9445,8 +9470,8 @@
     </dgm:pt>
   </dgm:ptLst>
   <dgm:cxnLst>
+    <dgm:cxn modelId="{0AFE95D3-62D3-0843-802B-D22A6116F384}" type="presOf" srcId="{4AA59BCB-DCD6-3D4D-AF53-F6FEED9C29A5}" destId="{88037C77-4931-6A4E-933C-E0845386D246}" srcOrd="0" destOrd="0" presId="urn:microsoft.com/office/officeart/2005/8/layout/default"/>
     <dgm:cxn modelId="{F693DC15-580E-A249-A069-8920B36A222B}" type="presOf" srcId="{E78DD7FF-9676-7348-821C-D84C17230E44}" destId="{03A889DC-0025-C744-A2B2-DF69C0C8591E}" srcOrd="0" destOrd="0" presId="urn:microsoft.com/office/officeart/2005/8/layout/default"/>
-    <dgm:cxn modelId="{0AFE95D3-62D3-0843-802B-D22A6116F384}" type="presOf" srcId="{4AA59BCB-DCD6-3D4D-AF53-F6FEED9C29A5}" destId="{88037C77-4931-6A4E-933C-E0845386D246}" srcOrd="0" destOrd="0" presId="urn:microsoft.com/office/officeart/2005/8/layout/default"/>
     <dgm:cxn modelId="{B3B06621-AD97-7543-8DB8-4316B1ABA150}" srcId="{4AA59BCB-DCD6-3D4D-AF53-F6FEED9C29A5}" destId="{E78DD7FF-9676-7348-821C-D84C17230E44}" srcOrd="0" destOrd="0" parTransId="{8209B4A5-6B75-E64F-9A25-C7D076DC2A21}" sibTransId="{4BE9AA92-012B-6E46-ADDA-3870018DE39F}"/>
     <dgm:cxn modelId="{D1BF5C7C-A1B4-614F-A4BC-C2B8FC983F47}" type="presParOf" srcId="{88037C77-4931-6A4E-933C-E0845386D246}" destId="{03A889DC-0025-C744-A2B2-DF69C0C8591E}" srcOrd="0" destOrd="0" presId="urn:microsoft.com/office/officeart/2005/8/layout/default"/>
   </dgm:cxnLst>
@@ -9556,6 +9581,13 @@
         </dgm:presLayoutVars>
       </dgm:prSet>
       <dgm:spPr/>
+      <dgm:t>
+        <a:bodyPr/>
+        <a:lstStyle/>
+        <a:p>
+          <a:endParaRPr lang="en-US"/>
+        </a:p>
+      </dgm:t>
     </dgm:pt>
     <dgm:pt modelId="{4E46F655-BA82-4146-A8DD-4FDEB7D64980}" type="pres">
       <dgm:prSet presAssocID="{074E5BCC-29BD-9241-A3D7-FB491E8BA42C}" presName="composite" presStyleCnt="0"/>
@@ -9710,6 +9742,13 @@
         </dgm:presLayoutVars>
       </dgm:prSet>
       <dgm:spPr/>
+      <dgm:t>
+        <a:bodyPr/>
+        <a:lstStyle/>
+        <a:p>
+          <a:endParaRPr lang="en-US"/>
+        </a:p>
+      </dgm:t>
     </dgm:pt>
     <dgm:pt modelId="{4E46F655-BA82-4146-A8DD-4FDEB7D64980}" type="pres">
       <dgm:prSet presAssocID="{074E5BCC-29BD-9241-A3D7-FB491E8BA42C}" presName="composite" presStyleCnt="0"/>
@@ -9750,9 +9789,9 @@
   </dgm:ptLst>
   <dgm:cxnLst>
     <dgm:cxn modelId="{9B5E0698-BBAE-D044-B4F1-E13C2FF8AFCF}" type="presOf" srcId="{099C18D5-CBED-5C4D-95D6-AFCA8A3E8148}" destId="{213351FF-7347-3849-8B92-AD1DFF358DCF}" srcOrd="0" destOrd="0" presId="urn:microsoft.com/office/officeart/2005/8/layout/hList1"/>
+    <dgm:cxn modelId="{1838AD2B-C9E1-4A4A-8E4C-13A6CB93FC84}" srcId="{E2A889CF-79D1-334B-B0E4-A006BEDBF035}" destId="{074E5BCC-29BD-9241-A3D7-FB491E8BA42C}" srcOrd="0" destOrd="0" parTransId="{FE5C01C8-727F-9C4B-B418-E6E57642B8A0}" sibTransId="{B26C946E-B6DD-4E47-838A-648C43F94A11}"/>
     <dgm:cxn modelId="{3993D7C8-9A94-0948-BBC0-70E6D21A8159}" type="presOf" srcId="{074E5BCC-29BD-9241-A3D7-FB491E8BA42C}" destId="{E2BF2076-6287-1040-8F3C-B478B3ED5BFA}" srcOrd="0" destOrd="0" presId="urn:microsoft.com/office/officeart/2005/8/layout/hList1"/>
     <dgm:cxn modelId="{1864EE0C-7D40-ED46-A163-5C0B23E5D2C5}" type="presOf" srcId="{E2A889CF-79D1-334B-B0E4-A006BEDBF035}" destId="{17D422D3-CCD8-6A4B-A7C1-92D8B5F6ED34}" srcOrd="0" destOrd="0" presId="urn:microsoft.com/office/officeart/2005/8/layout/hList1"/>
-    <dgm:cxn modelId="{1838AD2B-C9E1-4A4A-8E4C-13A6CB93FC84}" srcId="{E2A889CF-79D1-334B-B0E4-A006BEDBF035}" destId="{074E5BCC-29BD-9241-A3D7-FB491E8BA42C}" srcOrd="0" destOrd="0" parTransId="{FE5C01C8-727F-9C4B-B418-E6E57642B8A0}" sibTransId="{B26C946E-B6DD-4E47-838A-648C43F94A11}"/>
     <dgm:cxn modelId="{093E8BFF-4BD4-2E4D-A368-A90A81C80D3A}" srcId="{074E5BCC-29BD-9241-A3D7-FB491E8BA42C}" destId="{099C18D5-CBED-5C4D-95D6-AFCA8A3E8148}" srcOrd="0" destOrd="0" parTransId="{34148DF5-D155-3848-B566-6579FA42BD81}" sibTransId="{8CD47CA1-A21F-BD4F-804B-0A4099AB8B0D}"/>
     <dgm:cxn modelId="{D04BAA08-A86F-634D-868C-4D0DDCC06EEF}" type="presParOf" srcId="{17D422D3-CCD8-6A4B-A7C1-92D8B5F6ED34}" destId="{4E46F655-BA82-4146-A8DD-4FDEB7D64980}" srcOrd="0" destOrd="0" presId="urn:microsoft.com/office/officeart/2005/8/layout/hList1"/>
     <dgm:cxn modelId="{2714E83B-18A2-A54C-A603-7B6FBF06FEB7}" type="presParOf" srcId="{4E46F655-BA82-4146-A8DD-4FDEB7D64980}" destId="{E2BF2076-6287-1040-8F3C-B478B3ED5BFA}" srcOrd="0" destOrd="0" presId="urn:microsoft.com/office/officeart/2005/8/layout/hList1"/>
@@ -9833,6 +9872,13 @@
         </dgm:presLayoutVars>
       </dgm:prSet>
       <dgm:spPr/>
+      <dgm:t>
+        <a:bodyPr/>
+        <a:lstStyle/>
+        <a:p>
+          <a:endParaRPr lang="en-US"/>
+        </a:p>
+      </dgm:t>
     </dgm:pt>
     <dgm:pt modelId="{03A889DC-0025-C744-A2B2-DF69C0C8591E}" type="pres">
       <dgm:prSet presAssocID="{E78DD7FF-9676-7348-821C-D84C17230E44}" presName="node" presStyleLbl="node1" presStyleIdx="0" presStyleCnt="1" custLinFactNeighborY="-39877">
@@ -10040,6 +10086,13 @@
         </dgm:presLayoutVars>
       </dgm:prSet>
       <dgm:spPr/>
+      <dgm:t>
+        <a:bodyPr/>
+        <a:lstStyle/>
+        <a:p>
+          <a:endParaRPr lang="en-US"/>
+        </a:p>
+      </dgm:t>
     </dgm:pt>
     <dgm:pt modelId="{4E46F655-BA82-4146-A8DD-4FDEB7D64980}" type="pres">
       <dgm:prSet presAssocID="{074E5BCC-29BD-9241-A3D7-FB491E8BA42C}" presName="composite" presStyleCnt="0"/>
@@ -26073,7 +26126,7 @@
           <a:p>
             <a:fld id="{66F377A5-8B66-D046-8209-8877181D17B4}" type="slidenum">
               <a:rPr lang="en-US" smtClean="0"/>
-              <a:t>9</a:t>
+              <a:t>10</a:t>
             </a:fld>
             <a:endParaRPr lang="en-US"/>
           </a:p>
@@ -29627,2404 +29680,7 @@
                   </a:schemeClr>
                 </a:solidFill>
               </a:rPr>
-              <a:t>2</a:t>
-            </a:r>
-            <a:r>
-              <a:rPr lang="en-US" sz="3500" u="sng" dirty="0" smtClean="0">
-                <a:solidFill>
-                  <a:schemeClr val="tx1">
-                    <a:lumMod val="65000"/>
-                    <a:lumOff val="35000"/>
-                  </a:schemeClr>
-                </a:solidFill>
-              </a:rPr>
-              <a:t>.</a:t>
-            </a:r>
-            <a:r>
-              <a:rPr lang="en-US" sz="3500" dirty="0" smtClean="0">
-                <a:solidFill>
-                  <a:schemeClr val="tx1">
-                    <a:lumMod val="65000"/>
-                    <a:lumOff val="35000"/>
-                  </a:schemeClr>
-                </a:solidFill>
-              </a:rPr>
-              <a:t> </a:t>
-            </a:r>
-            <a:r>
-              <a:rPr lang="en-US" sz="3500" u="sng" dirty="0" smtClean="0">
-                <a:solidFill>
-                  <a:schemeClr val="tx1">
-                    <a:lumMod val="65000"/>
-                    <a:lumOff val="35000"/>
-                  </a:schemeClr>
-                </a:solidFill>
-              </a:rPr>
-              <a:t>Server Application</a:t>
-            </a:r>
-            <a:endParaRPr lang="en-US" sz="3500" u="sng" dirty="0">
-              <a:solidFill>
-                <a:schemeClr val="tx1">
-                  <a:lumMod val="65000"/>
-                  <a:lumOff val="35000"/>
-                </a:schemeClr>
-              </a:solidFill>
-            </a:endParaRPr>
-          </a:p>
-        </p:txBody>
-      </p:sp>
-      <p:pic>
-        <p:nvPicPr>
-          <p:cNvPr id="5" name="Picture 4" descr="Logo.png"/>
-          <p:cNvPicPr>
-            <a:picLocks noChangeAspect="1"/>
-          </p:cNvPicPr>
-          <p:nvPr/>
-        </p:nvPicPr>
-        <p:blipFill>
-          <a:blip r:embed="rId2" cstate="print">
-            <a:extLst>
-              <a:ext uri="{28A0092B-C50C-407E-A947-70E740481C1C}">
-                <a14:useLocalDpi xmlns:a14="http://schemas.microsoft.com/office/drawing/2010/main" val="0"/>
-              </a:ext>
-            </a:extLst>
-          </a:blip>
-          <a:stretch>
-            <a:fillRect/>
-          </a:stretch>
-        </p:blipFill>
-        <p:spPr>
-          <a:xfrm>
-            <a:off x="3475205" y="6143475"/>
-            <a:ext cx="2432304" cy="573024"/>
-          </a:xfrm>
-          <a:prstGeom prst="rect">
-            <a:avLst/>
-          </a:prstGeom>
-        </p:spPr>
-      </p:pic>
-      <p:sp>
-        <p:nvSpPr>
-          <p:cNvPr id="6" name="TextBox 5"/>
-          <p:cNvSpPr txBox="1"/>
-          <p:nvPr/>
-        </p:nvSpPr>
-        <p:spPr>
-          <a:xfrm>
-            <a:off x="1175418" y="1263859"/>
-            <a:ext cx="6765575" cy="1246495"/>
-          </a:xfrm>
-          <a:prstGeom prst="rect">
-            <a:avLst/>
-          </a:prstGeom>
-          <a:noFill/>
-        </p:spPr>
-        <p:txBody>
-          <a:bodyPr wrap="square" rtlCol="0">
-            <a:spAutoFit/>
-          </a:bodyPr>
-          <a:lstStyle/>
-          <a:p>
-            <a:r>
-              <a:rPr lang="en-US" sz="2500" b="1" dirty="0" smtClean="0">
-                <a:solidFill>
-                  <a:schemeClr val="tx1">
-                    <a:lumMod val="65000"/>
-                    <a:lumOff val="35000"/>
-                  </a:schemeClr>
-                </a:solidFill>
-              </a:rPr>
-              <a:t>Back-End Application main functionalities</a:t>
-            </a:r>
-          </a:p>
-          <a:p>
-            <a:pPr marL="457200" indent="-457200">
-              <a:buFont typeface="+mj-lt"/>
-              <a:buAutoNum type="arabicPeriod"/>
-            </a:pPr>
-            <a:r>
-              <a:rPr lang="en-US" sz="2500" dirty="0" smtClean="0">
-                <a:solidFill>
-                  <a:schemeClr val="tx1">
-                    <a:lumMod val="65000"/>
-                    <a:lumOff val="35000"/>
-                  </a:schemeClr>
-                </a:solidFill>
-              </a:rPr>
-              <a:t>Request handling</a:t>
-            </a:r>
-          </a:p>
-          <a:p>
-            <a:pPr marL="457200" indent="-457200">
-              <a:buFont typeface="+mj-lt"/>
-              <a:buAutoNum type="arabicPeriod"/>
-            </a:pPr>
-            <a:r>
-              <a:rPr lang="en-US" sz="2500" dirty="0" smtClean="0">
-                <a:solidFill>
-                  <a:schemeClr val="tx1">
-                    <a:lumMod val="65000"/>
-                    <a:lumOff val="35000"/>
-                  </a:schemeClr>
-                </a:solidFill>
-              </a:rPr>
-              <a:t>Database interfacing</a:t>
-            </a:r>
-          </a:p>
-        </p:txBody>
-      </p:sp>
-      <p:graphicFrame>
-        <p:nvGraphicFramePr>
-          <p:cNvPr id="7" name="Diagram 6"/>
-          <p:cNvGraphicFramePr/>
-          <p:nvPr>
-            <p:extLst>
-              <p:ext uri="{D42A27DB-BD31-4B8C-83A1-F6EECF244321}">
-                <p14:modId xmlns:p14="http://schemas.microsoft.com/office/powerpoint/2010/main" val="3178959326"/>
-              </p:ext>
-            </p:extLst>
-          </p:nvPr>
-        </p:nvGraphicFramePr>
-        <p:xfrm>
-          <a:off x="1603860" y="2525654"/>
-          <a:ext cx="2111474" cy="1545250"/>
-        </p:xfrm>
-        <a:graphic>
-          <a:graphicData uri="http://schemas.openxmlformats.org/drawingml/2006/diagram">
-            <dgm:relIds xmlns:dgm="http://schemas.openxmlformats.org/drawingml/2006/diagram" xmlns:r="http://schemas.openxmlformats.org/officeDocument/2006/relationships" r:dm="rId3" r:lo="rId4" r:qs="rId5" r:cs="rId6"/>
-          </a:graphicData>
-        </a:graphic>
-      </p:graphicFrame>
-      <p:graphicFrame>
-        <p:nvGraphicFramePr>
-          <p:cNvPr id="11" name="Diagram 10"/>
-          <p:cNvGraphicFramePr/>
-          <p:nvPr>
-            <p:extLst>
-              <p:ext uri="{D42A27DB-BD31-4B8C-83A1-F6EECF244321}">
-                <p14:modId xmlns:p14="http://schemas.microsoft.com/office/powerpoint/2010/main" val="215052487"/>
-              </p:ext>
-            </p:extLst>
-          </p:nvPr>
-        </p:nvGraphicFramePr>
-        <p:xfrm>
-          <a:off x="5044649" y="2525654"/>
-          <a:ext cx="1704418" cy="2091286"/>
-        </p:xfrm>
-        <a:graphic>
-          <a:graphicData uri="http://schemas.openxmlformats.org/drawingml/2006/diagram">
-            <dgm:relIds xmlns:dgm="http://schemas.openxmlformats.org/drawingml/2006/diagram" xmlns:r="http://schemas.openxmlformats.org/officeDocument/2006/relationships" r:dm="rId8" r:lo="rId9" r:qs="rId10" r:cs="rId11"/>
-          </a:graphicData>
-        </a:graphic>
-      </p:graphicFrame>
-      <p:cxnSp>
-        <p:nvCxnSpPr>
-          <p:cNvPr id="4" name="Straight Arrow Connector 3"/>
-          <p:cNvCxnSpPr/>
-          <p:nvPr/>
-        </p:nvCxnSpPr>
-        <p:spPr>
-          <a:xfrm flipH="1">
-            <a:off x="3753422" y="3212907"/>
-            <a:ext cx="1242468" cy="0"/>
-          </a:xfrm>
-          <a:prstGeom prst="straightConnector1">
-            <a:avLst/>
-          </a:prstGeom>
-          <a:ln>
-            <a:tailEnd type="arrow"/>
-          </a:ln>
-        </p:spPr>
-        <p:style>
-          <a:lnRef idx="2">
-            <a:schemeClr val="accent1"/>
-          </a:lnRef>
-          <a:fillRef idx="0">
-            <a:schemeClr val="accent1"/>
-          </a:fillRef>
-          <a:effectRef idx="1">
-            <a:schemeClr val="accent1"/>
-          </a:effectRef>
-          <a:fontRef idx="minor">
-            <a:schemeClr val="tx1"/>
-          </a:fontRef>
-        </p:style>
-      </p:cxnSp>
-      <p:graphicFrame>
-        <p:nvGraphicFramePr>
-          <p:cNvPr id="12" name="Diagram 11"/>
-          <p:cNvGraphicFramePr/>
-          <p:nvPr>
-            <p:extLst>
-              <p:ext uri="{D42A27DB-BD31-4B8C-83A1-F6EECF244321}">
-                <p14:modId xmlns:p14="http://schemas.microsoft.com/office/powerpoint/2010/main" val="3477675954"/>
-              </p:ext>
-            </p:extLst>
-          </p:nvPr>
-        </p:nvGraphicFramePr>
-        <p:xfrm>
-          <a:off x="5044649" y="4362891"/>
-          <a:ext cx="2111474" cy="1389725"/>
-        </p:xfrm>
-        <a:graphic>
-          <a:graphicData uri="http://schemas.openxmlformats.org/drawingml/2006/diagram">
-            <dgm:relIds xmlns:dgm="http://schemas.openxmlformats.org/drawingml/2006/diagram" xmlns:r="http://schemas.openxmlformats.org/officeDocument/2006/relationships" r:dm="rId13" r:lo="rId14" r:qs="rId15" r:cs="rId16"/>
-          </a:graphicData>
-        </a:graphic>
-      </p:graphicFrame>
-      <p:cxnSp>
-        <p:nvCxnSpPr>
-          <p:cNvPr id="13" name="Straight Arrow Connector 12"/>
-          <p:cNvCxnSpPr/>
-          <p:nvPr/>
-        </p:nvCxnSpPr>
-        <p:spPr>
-          <a:xfrm>
-            <a:off x="5900874" y="3731390"/>
-            <a:ext cx="6635" cy="475972"/>
-          </a:xfrm>
-          <a:prstGeom prst="straightConnector1">
-            <a:avLst/>
-          </a:prstGeom>
-          <a:ln>
-            <a:tailEnd type="arrow"/>
-          </a:ln>
-        </p:spPr>
-        <p:style>
-          <a:lnRef idx="2">
-            <a:schemeClr val="accent1"/>
-          </a:lnRef>
-          <a:fillRef idx="0">
-            <a:schemeClr val="accent1"/>
-          </a:fillRef>
-          <a:effectRef idx="1">
-            <a:schemeClr val="accent1"/>
-          </a:effectRef>
-          <a:fontRef idx="minor">
-            <a:schemeClr val="tx1"/>
-          </a:fontRef>
-        </p:style>
-      </p:cxnSp>
-      <p:graphicFrame>
-        <p:nvGraphicFramePr>
-          <p:cNvPr id="18" name="Diagram 17"/>
-          <p:cNvGraphicFramePr/>
-          <p:nvPr>
-            <p:extLst>
-              <p:ext uri="{D42A27DB-BD31-4B8C-83A1-F6EECF244321}">
-                <p14:modId xmlns:p14="http://schemas.microsoft.com/office/powerpoint/2010/main" val="74795763"/>
-              </p:ext>
-            </p:extLst>
-          </p:nvPr>
-        </p:nvGraphicFramePr>
-        <p:xfrm>
-          <a:off x="1881449" y="4540445"/>
-          <a:ext cx="1704418" cy="2091286"/>
-        </p:xfrm>
-        <a:graphic>
-          <a:graphicData uri="http://schemas.openxmlformats.org/drawingml/2006/diagram">
-            <dgm:relIds xmlns:dgm="http://schemas.openxmlformats.org/drawingml/2006/diagram" xmlns:r="http://schemas.openxmlformats.org/officeDocument/2006/relationships" r:dm="rId18" r:lo="rId19" r:qs="rId20" r:cs="rId21"/>
-          </a:graphicData>
-        </a:graphic>
-      </p:graphicFrame>
-      <p:cxnSp>
-        <p:nvCxnSpPr>
-          <p:cNvPr id="20" name="Straight Connector 19"/>
-          <p:cNvCxnSpPr/>
-          <p:nvPr/>
-        </p:nvCxnSpPr>
-        <p:spPr>
-          <a:xfrm>
-            <a:off x="3585867" y="5171234"/>
-            <a:ext cx="1458782" cy="0"/>
-          </a:xfrm>
-          <a:prstGeom prst="line">
-            <a:avLst/>
-          </a:prstGeom>
-        </p:spPr>
-        <p:style>
-          <a:lnRef idx="2">
-            <a:schemeClr val="accent1"/>
-          </a:lnRef>
-          <a:fillRef idx="0">
-            <a:schemeClr val="accent1"/>
-          </a:fillRef>
-          <a:effectRef idx="1">
-            <a:schemeClr val="accent1"/>
-          </a:effectRef>
-          <a:fontRef idx="minor">
-            <a:schemeClr val="tx1"/>
-          </a:fontRef>
-        </p:style>
-      </p:cxnSp>
-    </p:spTree>
-    <p:extLst>
-      <p:ext uri="{BB962C8B-B14F-4D97-AF65-F5344CB8AC3E}">
-        <p14:creationId xmlns:p14="http://schemas.microsoft.com/office/powerpoint/2010/main" val="2575030125"/>
-      </p:ext>
-    </p:extLst>
-  </p:cSld>
-  <p:clrMapOvr>
-    <a:masterClrMapping/>
-  </p:clrMapOvr>
-  <p:timing>
-    <p:tnLst>
-      <p:par>
-        <p:cTn xmlns:p14="http://schemas.microsoft.com/office/powerpoint/2010/main" id="1" dur="indefinite" restart="never" nodeType="tmRoot"/>
-      </p:par>
-    </p:tnLst>
-  </p:timing>
-</p:sld>
-</file>
-
-<file path=ppt/slides/slide2.xml><?xml version="1.0" encoding="utf-8"?>
-<p:sld xmlns:a="http://schemas.openxmlformats.org/drawingml/2006/main" xmlns:r="http://schemas.openxmlformats.org/officeDocument/2006/relationships" xmlns:p="http://schemas.openxmlformats.org/presentationml/2006/main">
-  <p:cSld>
-    <p:spTree>
-      <p:nvGrpSpPr>
-        <p:cNvPr id="1" name=""/>
-        <p:cNvGrpSpPr/>
-        <p:nvPr/>
-      </p:nvGrpSpPr>
-      <p:grpSpPr>
-        <a:xfrm>
-          <a:off x="0" y="0"/>
-          <a:ext cx="0" cy="0"/>
-          <a:chOff x="0" y="0"/>
-          <a:chExt cx="0" cy="0"/>
-        </a:xfrm>
-      </p:grpSpPr>
-      <p:sp>
-        <p:nvSpPr>
-          <p:cNvPr id="2" name="Title 1"/>
-          <p:cNvSpPr>
-            <a:spLocks noGrp="1"/>
-          </p:cNvSpPr>
-          <p:nvPr>
-            <p:ph type="ctrTitle"/>
-          </p:nvPr>
-        </p:nvSpPr>
-        <p:spPr>
-          <a:xfrm>
-            <a:off x="685800" y="-2924583"/>
-            <a:ext cx="7772400" cy="4267200"/>
-          </a:xfrm>
-        </p:spPr>
-        <p:txBody>
-          <a:bodyPr/>
-          <a:lstStyle/>
-          <a:p>
-            <a:r>
-              <a:rPr lang="en-US" sz="6000" u="sng" dirty="0" smtClean="0">
-                <a:solidFill>
-                  <a:schemeClr val="tx1">
-                    <a:lumMod val="65000"/>
-                    <a:lumOff val="35000"/>
-                  </a:schemeClr>
-                </a:solidFill>
-              </a:rPr>
-              <a:t>Overview</a:t>
-            </a:r>
-            <a:endParaRPr lang="en-US" sz="6000" u="sng" dirty="0">
-              <a:solidFill>
-                <a:schemeClr val="tx1">
-                  <a:lumMod val="65000"/>
-                  <a:lumOff val="35000"/>
-                </a:schemeClr>
-              </a:solidFill>
-            </a:endParaRPr>
-          </a:p>
-        </p:txBody>
-      </p:sp>
-      <p:pic>
-        <p:nvPicPr>
-          <p:cNvPr id="5" name="Picture 4" descr="Logo.png"/>
-          <p:cNvPicPr>
-            <a:picLocks noChangeAspect="1"/>
-          </p:cNvPicPr>
-          <p:nvPr/>
-        </p:nvPicPr>
-        <p:blipFill>
-          <a:blip r:embed="rId2" cstate="print">
-            <a:extLst>
-              <a:ext uri="{28A0092B-C50C-407E-A947-70E740481C1C}">
-                <a14:useLocalDpi xmlns:a14="http://schemas.microsoft.com/office/drawing/2010/main" val="0"/>
-              </a:ext>
-            </a:extLst>
-          </a:blip>
-          <a:stretch>
-            <a:fillRect/>
-          </a:stretch>
-        </p:blipFill>
-        <p:spPr>
-          <a:xfrm>
-            <a:off x="3475205" y="6096580"/>
-            <a:ext cx="2432304" cy="573024"/>
-          </a:xfrm>
-          <a:prstGeom prst="rect">
-            <a:avLst/>
-          </a:prstGeom>
-        </p:spPr>
-      </p:pic>
-      <p:graphicFrame>
-        <p:nvGraphicFramePr>
-          <p:cNvPr id="8" name="Diagram 7"/>
-          <p:cNvGraphicFramePr/>
-          <p:nvPr>
-            <p:extLst>
-              <p:ext uri="{D42A27DB-BD31-4B8C-83A1-F6EECF244321}">
-                <p14:modId xmlns:p14="http://schemas.microsoft.com/office/powerpoint/2010/main" val="2645272127"/>
-              </p:ext>
-            </p:extLst>
-          </p:nvPr>
-        </p:nvGraphicFramePr>
-        <p:xfrm>
-          <a:off x="1508700" y="1714551"/>
-          <a:ext cx="6096000" cy="4064000"/>
-        </p:xfrm>
-        <a:graphic>
-          <a:graphicData uri="http://schemas.openxmlformats.org/drawingml/2006/diagram">
-            <dgm:relIds xmlns:dgm="http://schemas.openxmlformats.org/drawingml/2006/diagram" xmlns:r="http://schemas.openxmlformats.org/officeDocument/2006/relationships" r:dm="rId3" r:lo="rId4" r:qs="rId5" r:cs="rId6"/>
-          </a:graphicData>
-        </a:graphic>
-      </p:graphicFrame>
-    </p:spTree>
-    <p:extLst>
-      <p:ext uri="{BB962C8B-B14F-4D97-AF65-F5344CB8AC3E}">
-        <p14:creationId xmlns:p14="http://schemas.microsoft.com/office/powerpoint/2010/main" val="983492760"/>
-      </p:ext>
-    </p:extLst>
-  </p:cSld>
-  <p:clrMapOvr>
-    <a:masterClrMapping/>
-  </p:clrMapOvr>
-  <p:timing>
-    <p:tnLst>
-      <p:par>
-        <p:cTn xmlns:p14="http://schemas.microsoft.com/office/powerpoint/2010/main" id="1" dur="indefinite" restart="never" nodeType="tmRoot"/>
-      </p:par>
-    </p:tnLst>
-  </p:timing>
-</p:sld>
-</file>
-
-<file path=ppt/slides/slide3.xml><?xml version="1.0" encoding="utf-8"?>
-<p:sld xmlns:a="http://schemas.openxmlformats.org/drawingml/2006/main" xmlns:r="http://schemas.openxmlformats.org/officeDocument/2006/relationships" xmlns:p="http://schemas.openxmlformats.org/presentationml/2006/main">
-  <p:cSld>
-    <p:spTree>
-      <p:nvGrpSpPr>
-        <p:cNvPr id="1" name=""/>
-        <p:cNvGrpSpPr/>
-        <p:nvPr/>
-      </p:nvGrpSpPr>
-      <p:grpSpPr>
-        <a:xfrm>
-          <a:off x="0" y="0"/>
-          <a:ext cx="0" cy="0"/>
-          <a:chOff x="0" y="0"/>
-          <a:chExt cx="0" cy="0"/>
-        </a:xfrm>
-      </p:grpSpPr>
-      <p:sp>
-        <p:nvSpPr>
-          <p:cNvPr id="2" name="Title 1"/>
-          <p:cNvSpPr>
-            <a:spLocks noGrp="1"/>
-          </p:cNvSpPr>
-          <p:nvPr>
-            <p:ph type="ctrTitle"/>
-          </p:nvPr>
-        </p:nvSpPr>
-        <p:spPr>
-          <a:xfrm>
-            <a:off x="685800" y="-2924583"/>
-            <a:ext cx="7772400" cy="4267200"/>
-          </a:xfrm>
-        </p:spPr>
-        <p:txBody>
-          <a:bodyPr/>
-          <a:lstStyle/>
-          <a:p>
-            <a:r>
-              <a:rPr lang="en-US" sz="4500" u="sng" dirty="0" smtClean="0">
-                <a:solidFill>
-                  <a:schemeClr val="tx1">
-                    <a:lumMod val="65000"/>
-                    <a:lumOff val="35000"/>
-                  </a:schemeClr>
-                </a:solidFill>
-              </a:rPr>
-              <a:t>High Level Architecture</a:t>
-            </a:r>
-            <a:endParaRPr lang="en-US" sz="4500" u="sng" dirty="0">
-              <a:solidFill>
-                <a:schemeClr val="tx1">
-                  <a:lumMod val="65000"/>
-                  <a:lumOff val="35000"/>
-                </a:schemeClr>
-              </a:solidFill>
-            </a:endParaRPr>
-          </a:p>
-        </p:txBody>
-      </p:sp>
-      <p:pic>
-        <p:nvPicPr>
-          <p:cNvPr id="5" name="Picture 4" descr="Logo.png"/>
-          <p:cNvPicPr>
-            <a:picLocks noChangeAspect="1"/>
-          </p:cNvPicPr>
-          <p:nvPr/>
-        </p:nvPicPr>
-        <p:blipFill>
-          <a:blip r:embed="rId2" cstate="print">
-            <a:extLst>
-              <a:ext uri="{28A0092B-C50C-407E-A947-70E740481C1C}">
-                <a14:useLocalDpi xmlns:a14="http://schemas.microsoft.com/office/drawing/2010/main" val="0"/>
-              </a:ext>
-            </a:extLst>
-          </a:blip>
-          <a:stretch>
-            <a:fillRect/>
-          </a:stretch>
-        </p:blipFill>
-        <p:spPr>
-          <a:xfrm>
-            <a:off x="3475205" y="6096580"/>
-            <a:ext cx="2432304" cy="573024"/>
-          </a:xfrm>
-          <a:prstGeom prst="rect">
-            <a:avLst/>
-          </a:prstGeom>
-        </p:spPr>
-      </p:pic>
-      <p:sp>
-        <p:nvSpPr>
-          <p:cNvPr id="4" name="TextBox 3"/>
-          <p:cNvSpPr txBox="1"/>
-          <p:nvPr/>
-        </p:nvSpPr>
-        <p:spPr>
-          <a:xfrm>
-            <a:off x="816995" y="2332093"/>
-            <a:ext cx="7746331" cy="2785378"/>
-          </a:xfrm>
-          <a:prstGeom prst="rect">
-            <a:avLst/>
-          </a:prstGeom>
-          <a:noFill/>
-        </p:spPr>
-        <p:txBody>
-          <a:bodyPr wrap="none" rtlCol="0">
-            <a:spAutoFit/>
-          </a:bodyPr>
-          <a:lstStyle/>
-          <a:p>
-            <a:pPr algn="ctr"/>
-            <a:r>
-              <a:rPr lang="en-US" sz="2500" b="1" u="sng" dirty="0" smtClean="0">
-                <a:solidFill>
-                  <a:srgbClr val="595959"/>
-                </a:solidFill>
-              </a:rPr>
-              <a:t>Main problems:</a:t>
-            </a:r>
-          </a:p>
-          <a:p>
-            <a:pPr algn="ctr"/>
-            <a:endParaRPr lang="en-US" sz="2500" b="1" u="sng" dirty="0">
-              <a:solidFill>
-                <a:srgbClr val="595959"/>
-              </a:solidFill>
-            </a:endParaRPr>
-          </a:p>
-          <a:p>
-            <a:r>
-              <a:rPr lang="en-US" sz="2500" dirty="0" smtClean="0">
-                <a:solidFill>
-                  <a:srgbClr val="595959"/>
-                </a:solidFill>
-              </a:rPr>
-              <a:t>1.How many tiers and layers?</a:t>
-            </a:r>
-          </a:p>
-          <a:p>
-            <a:pPr marL="342900" indent="-342900">
-              <a:buFontTx/>
-              <a:buChar char="-"/>
-            </a:pPr>
-            <a:endParaRPr lang="en-US" sz="2500" dirty="0" smtClean="0">
-              <a:solidFill>
-                <a:srgbClr val="595959"/>
-              </a:solidFill>
-            </a:endParaRPr>
-          </a:p>
-          <a:p>
-            <a:r>
-              <a:rPr lang="en-US" sz="2500" dirty="0" smtClean="0">
-                <a:solidFill>
-                  <a:srgbClr val="595959"/>
-                </a:solidFill>
-              </a:rPr>
-              <a:t>2.Which actions can each component perform?</a:t>
-            </a:r>
-          </a:p>
-          <a:p>
-            <a:pPr marL="342900" indent="-342900">
-              <a:buFontTx/>
-              <a:buChar char="-"/>
-            </a:pPr>
-            <a:endParaRPr lang="en-US" sz="2500" dirty="0" smtClean="0">
-              <a:solidFill>
-                <a:srgbClr val="595959"/>
-              </a:solidFill>
-            </a:endParaRPr>
-          </a:p>
-          <a:p>
-            <a:r>
-              <a:rPr lang="en-US" sz="2500" dirty="0" smtClean="0">
-                <a:solidFill>
-                  <a:srgbClr val="595959"/>
-                </a:solidFill>
-              </a:rPr>
-              <a:t>3. How do components interact?</a:t>
-            </a:r>
-            <a:endParaRPr lang="en-US" sz="2500" dirty="0">
-              <a:solidFill>
-                <a:srgbClr val="595959"/>
-              </a:solidFill>
-            </a:endParaRPr>
-          </a:p>
-        </p:txBody>
-      </p:sp>
-    </p:spTree>
-    <p:extLst>
-      <p:ext uri="{BB962C8B-B14F-4D97-AF65-F5344CB8AC3E}">
-        <p14:creationId xmlns:p14="http://schemas.microsoft.com/office/powerpoint/2010/main" val="1066882221"/>
-      </p:ext>
-    </p:extLst>
-  </p:cSld>
-  <p:clrMapOvr>
-    <a:masterClrMapping/>
-  </p:clrMapOvr>
-  <p:timing>
-    <p:tnLst>
-      <p:par>
-        <p:cTn xmlns:p14="http://schemas.microsoft.com/office/powerpoint/2010/main" id="1" dur="indefinite" restart="never" nodeType="tmRoot"/>
-      </p:par>
-    </p:tnLst>
-  </p:timing>
-</p:sld>
-</file>
-
-<file path=ppt/slides/slide4.xml><?xml version="1.0" encoding="utf-8"?>
-<p:sld xmlns:a="http://schemas.openxmlformats.org/drawingml/2006/main" xmlns:r="http://schemas.openxmlformats.org/officeDocument/2006/relationships" xmlns:p="http://schemas.openxmlformats.org/presentationml/2006/main">
-  <p:cSld>
-    <p:spTree>
-      <p:nvGrpSpPr>
-        <p:cNvPr id="1" name=""/>
-        <p:cNvGrpSpPr/>
-        <p:nvPr/>
-      </p:nvGrpSpPr>
-      <p:grpSpPr>
-        <a:xfrm>
-          <a:off x="0" y="0"/>
-          <a:ext cx="0" cy="0"/>
-          <a:chOff x="0" y="0"/>
-          <a:chExt cx="0" cy="0"/>
-        </a:xfrm>
-      </p:grpSpPr>
-      <p:sp>
-        <p:nvSpPr>
-          <p:cNvPr id="2" name="Title 1"/>
-          <p:cNvSpPr>
-            <a:spLocks noGrp="1"/>
-          </p:cNvSpPr>
-          <p:nvPr>
-            <p:ph type="ctrTitle"/>
-          </p:nvPr>
-        </p:nvSpPr>
-        <p:spPr>
-          <a:xfrm>
-            <a:off x="685800" y="-2924583"/>
-            <a:ext cx="7772400" cy="4267200"/>
-          </a:xfrm>
-        </p:spPr>
-        <p:txBody>
-          <a:bodyPr/>
-          <a:lstStyle/>
-          <a:p>
-            <a:r>
-              <a:rPr lang="en-US" sz="4500" u="sng" dirty="0" smtClean="0">
-                <a:solidFill>
-                  <a:schemeClr val="tx1">
-                    <a:lumMod val="65000"/>
-                    <a:lumOff val="35000"/>
-                  </a:schemeClr>
-                </a:solidFill>
-              </a:rPr>
-              <a:t>1.</a:t>
-            </a:r>
-            <a:r>
-              <a:rPr lang="en-US" sz="4500" dirty="0" smtClean="0">
-                <a:solidFill>
-                  <a:schemeClr val="tx1">
-                    <a:lumMod val="65000"/>
-                    <a:lumOff val="35000"/>
-                  </a:schemeClr>
-                </a:solidFill>
-              </a:rPr>
-              <a:t> </a:t>
-            </a:r>
-            <a:r>
-              <a:rPr lang="en-US" sz="4500" u="sng" dirty="0" smtClean="0">
-                <a:solidFill>
-                  <a:schemeClr val="tx1">
-                    <a:lumMod val="65000"/>
-                    <a:lumOff val="35000"/>
-                  </a:schemeClr>
-                </a:solidFill>
-              </a:rPr>
-              <a:t>Architecture: 3-Tiers</a:t>
-            </a:r>
-            <a:endParaRPr lang="en-US" sz="4500" u="sng" dirty="0">
-              <a:solidFill>
-                <a:schemeClr val="tx1">
-                  <a:lumMod val="65000"/>
-                  <a:lumOff val="35000"/>
-                </a:schemeClr>
-              </a:solidFill>
-            </a:endParaRPr>
-          </a:p>
-        </p:txBody>
-      </p:sp>
-      <p:pic>
-        <p:nvPicPr>
-          <p:cNvPr id="5" name="Picture 4" descr="Logo.png"/>
-          <p:cNvPicPr>
-            <a:picLocks noChangeAspect="1"/>
-          </p:cNvPicPr>
-          <p:nvPr/>
-        </p:nvPicPr>
-        <p:blipFill>
-          <a:blip r:embed="rId2" cstate="print">
-            <a:extLst>
-              <a:ext uri="{28A0092B-C50C-407E-A947-70E740481C1C}">
-                <a14:useLocalDpi xmlns:a14="http://schemas.microsoft.com/office/drawing/2010/main" val="0"/>
-              </a:ext>
-            </a:extLst>
-          </a:blip>
-          <a:stretch>
-            <a:fillRect/>
-          </a:stretch>
-        </p:blipFill>
-        <p:spPr>
-          <a:xfrm>
-            <a:off x="3475205" y="6096580"/>
-            <a:ext cx="2432304" cy="573024"/>
-          </a:xfrm>
-          <a:prstGeom prst="rect">
-            <a:avLst/>
-          </a:prstGeom>
-        </p:spPr>
-      </p:pic>
-      <p:graphicFrame>
-        <p:nvGraphicFramePr>
-          <p:cNvPr id="17" name="Diagram 16"/>
-          <p:cNvGraphicFramePr/>
-          <p:nvPr>
-            <p:extLst>
-              <p:ext uri="{D42A27DB-BD31-4B8C-83A1-F6EECF244321}">
-                <p14:modId xmlns:p14="http://schemas.microsoft.com/office/powerpoint/2010/main" val="1204800110"/>
-              </p:ext>
-            </p:extLst>
-          </p:nvPr>
-        </p:nvGraphicFramePr>
-        <p:xfrm>
-          <a:off x="1217989" y="1488797"/>
-          <a:ext cx="6723004" cy="4447408"/>
-        </p:xfrm>
-        <a:graphic>
-          <a:graphicData uri="http://schemas.openxmlformats.org/drawingml/2006/diagram">
-            <dgm:relIds xmlns:dgm="http://schemas.openxmlformats.org/drawingml/2006/diagram" xmlns:r="http://schemas.openxmlformats.org/officeDocument/2006/relationships" r:dm="rId3" r:lo="rId4" r:qs="rId5" r:cs="rId6"/>
-          </a:graphicData>
-        </a:graphic>
-      </p:graphicFrame>
-    </p:spTree>
-    <p:extLst>
-      <p:ext uri="{BB962C8B-B14F-4D97-AF65-F5344CB8AC3E}">
-        <p14:creationId xmlns:p14="http://schemas.microsoft.com/office/powerpoint/2010/main" val="1066882221"/>
-      </p:ext>
-    </p:extLst>
-  </p:cSld>
-  <p:clrMapOvr>
-    <a:masterClrMapping/>
-  </p:clrMapOvr>
-  <p:timing>
-    <p:tnLst>
-      <p:par>
-        <p:cTn xmlns:p14="http://schemas.microsoft.com/office/powerpoint/2010/main" id="1" dur="indefinite" restart="never" nodeType="tmRoot"/>
-      </p:par>
-    </p:tnLst>
-  </p:timing>
-</p:sld>
-</file>
-
-<file path=ppt/slides/slide5.xml><?xml version="1.0" encoding="utf-8"?>
-<p:sld xmlns:a="http://schemas.openxmlformats.org/drawingml/2006/main" xmlns:r="http://schemas.openxmlformats.org/officeDocument/2006/relationships" xmlns:p="http://schemas.openxmlformats.org/presentationml/2006/main">
-  <p:cSld>
-    <p:spTree>
-      <p:nvGrpSpPr>
-        <p:cNvPr id="1" name=""/>
-        <p:cNvGrpSpPr/>
-        <p:nvPr/>
-      </p:nvGrpSpPr>
-      <p:grpSpPr>
-        <a:xfrm>
-          <a:off x="0" y="0"/>
-          <a:ext cx="0" cy="0"/>
-          <a:chOff x="0" y="0"/>
-          <a:chExt cx="0" cy="0"/>
-        </a:xfrm>
-      </p:grpSpPr>
-      <p:sp>
-        <p:nvSpPr>
-          <p:cNvPr id="2" name="Title 1"/>
-          <p:cNvSpPr>
-            <a:spLocks noGrp="1"/>
-          </p:cNvSpPr>
-          <p:nvPr>
-            <p:ph type="ctrTitle"/>
-          </p:nvPr>
-        </p:nvSpPr>
-        <p:spPr>
-          <a:xfrm>
-            <a:off x="685800" y="-2924583"/>
-            <a:ext cx="7772400" cy="4267200"/>
-          </a:xfrm>
-        </p:spPr>
-        <p:txBody>
-          <a:bodyPr/>
-          <a:lstStyle/>
-          <a:p>
-            <a:r>
-              <a:rPr lang="en-US" sz="4500" u="sng" dirty="0" smtClean="0">
-                <a:solidFill>
-                  <a:schemeClr val="tx1">
-                    <a:lumMod val="65000"/>
-                    <a:lumOff val="35000"/>
-                  </a:schemeClr>
-                </a:solidFill>
-              </a:rPr>
-              <a:t>1.</a:t>
-            </a:r>
-            <a:r>
-              <a:rPr lang="en-US" sz="4500" dirty="0" smtClean="0">
-                <a:solidFill>
-                  <a:schemeClr val="tx1">
-                    <a:lumMod val="65000"/>
-                    <a:lumOff val="35000"/>
-                  </a:schemeClr>
-                </a:solidFill>
-              </a:rPr>
-              <a:t> </a:t>
-            </a:r>
-            <a:r>
-              <a:rPr lang="en-US" sz="4500" u="sng" dirty="0" smtClean="0">
-                <a:solidFill>
-                  <a:schemeClr val="tx1">
-                    <a:lumMod val="65000"/>
-                    <a:lumOff val="35000"/>
-                  </a:schemeClr>
-                </a:solidFill>
-              </a:rPr>
-              <a:t>Architecture: 3-Tiers</a:t>
-            </a:r>
-            <a:endParaRPr lang="en-US" sz="4500" u="sng" dirty="0">
-              <a:solidFill>
-                <a:schemeClr val="tx1">
-                  <a:lumMod val="65000"/>
-                  <a:lumOff val="35000"/>
-                </a:schemeClr>
-              </a:solidFill>
-            </a:endParaRPr>
-          </a:p>
-        </p:txBody>
-      </p:sp>
-      <p:pic>
-        <p:nvPicPr>
-          <p:cNvPr id="5" name="Picture 4" descr="Logo.png"/>
-          <p:cNvPicPr>
-            <a:picLocks noChangeAspect="1"/>
-          </p:cNvPicPr>
-          <p:nvPr/>
-        </p:nvPicPr>
-        <p:blipFill>
-          <a:blip r:embed="rId2" cstate="print">
-            <a:extLst>
-              <a:ext uri="{28A0092B-C50C-407E-A947-70E740481C1C}">
-                <a14:useLocalDpi xmlns:a14="http://schemas.microsoft.com/office/drawing/2010/main" val="0"/>
-              </a:ext>
-            </a:extLst>
-          </a:blip>
-          <a:stretch>
-            <a:fillRect/>
-          </a:stretch>
-        </p:blipFill>
-        <p:spPr>
-          <a:xfrm>
-            <a:off x="3475205" y="6096580"/>
-            <a:ext cx="2432304" cy="573024"/>
-          </a:xfrm>
-          <a:prstGeom prst="rect">
-            <a:avLst/>
-          </a:prstGeom>
-        </p:spPr>
-      </p:pic>
-      <p:sp>
-        <p:nvSpPr>
-          <p:cNvPr id="4" name="TextBox 3"/>
-          <p:cNvSpPr txBox="1"/>
-          <p:nvPr/>
-        </p:nvSpPr>
-        <p:spPr>
-          <a:xfrm>
-            <a:off x="1361750" y="2010500"/>
-            <a:ext cx="6893250" cy="3170099"/>
-          </a:xfrm>
-          <a:prstGeom prst="rect">
-            <a:avLst/>
-          </a:prstGeom>
-          <a:noFill/>
-        </p:spPr>
-        <p:txBody>
-          <a:bodyPr wrap="square" rtlCol="0">
-            <a:spAutoFit/>
-          </a:bodyPr>
-          <a:lstStyle/>
-          <a:p>
-            <a:pPr algn="ctr"/>
-            <a:r>
-              <a:rPr lang="en-US" sz="2500" b="1" u="sng" dirty="0" smtClean="0">
-                <a:solidFill>
-                  <a:srgbClr val="595959"/>
-                </a:solidFill>
-              </a:rPr>
-              <a:t>Advantages:</a:t>
-            </a:r>
-          </a:p>
-          <a:p>
-            <a:pPr algn="ctr"/>
-            <a:endParaRPr lang="en-US" sz="2500" b="1" u="sng" dirty="0" smtClean="0">
-              <a:solidFill>
-                <a:srgbClr val="595959"/>
-              </a:solidFill>
-            </a:endParaRPr>
-          </a:p>
-          <a:p>
-            <a:pPr algn="ctr"/>
-            <a:r>
-              <a:rPr lang="en-US" sz="2500" dirty="0" smtClean="0">
-                <a:solidFill>
-                  <a:srgbClr val="595959"/>
-                </a:solidFill>
-              </a:rPr>
-              <a:t>-Usual advantages of modular software</a:t>
-            </a:r>
-          </a:p>
-          <a:p>
-            <a:pPr algn="ctr"/>
-            <a:endParaRPr lang="en-US" sz="2500" dirty="0" smtClean="0">
-              <a:solidFill>
-                <a:srgbClr val="595959"/>
-              </a:solidFill>
-            </a:endParaRPr>
-          </a:p>
-          <a:p>
-            <a:pPr algn="ctr"/>
-            <a:r>
-              <a:rPr lang="en-US" sz="2500" dirty="0" smtClean="0">
-                <a:solidFill>
-                  <a:srgbClr val="595959"/>
-                </a:solidFill>
-              </a:rPr>
-              <a:t>-Allow any of the tiers to be upgraded or replaced independently in response to changes in technology.</a:t>
-            </a:r>
-            <a:endParaRPr lang="en-US" sz="2500" dirty="0">
-              <a:solidFill>
-                <a:srgbClr val="595959"/>
-              </a:solidFill>
-            </a:endParaRPr>
-          </a:p>
-          <a:p>
-            <a:endParaRPr lang="en-US" sz="2500" b="1" u="sng" dirty="0">
-              <a:solidFill>
-                <a:srgbClr val="595959"/>
-              </a:solidFill>
-            </a:endParaRPr>
-          </a:p>
-        </p:txBody>
-      </p:sp>
-    </p:spTree>
-    <p:extLst>
-      <p:ext uri="{BB962C8B-B14F-4D97-AF65-F5344CB8AC3E}">
-        <p14:creationId xmlns:p14="http://schemas.microsoft.com/office/powerpoint/2010/main" val="2294725446"/>
-      </p:ext>
-    </p:extLst>
-  </p:cSld>
-  <p:clrMapOvr>
-    <a:masterClrMapping/>
-  </p:clrMapOvr>
-  <p:timing>
-    <p:tnLst>
-      <p:par>
-        <p:cTn xmlns:p14="http://schemas.microsoft.com/office/powerpoint/2010/main" id="1" dur="indefinite" restart="never" nodeType="tmRoot"/>
-      </p:par>
-    </p:tnLst>
-  </p:timing>
-</p:sld>
-</file>
-
-<file path=ppt/slides/slide6.xml><?xml version="1.0" encoding="utf-8"?>
-<p:sld xmlns:a="http://schemas.openxmlformats.org/drawingml/2006/main" xmlns:r="http://schemas.openxmlformats.org/officeDocument/2006/relationships" xmlns:p="http://schemas.openxmlformats.org/presentationml/2006/main">
-  <p:cSld>
-    <p:spTree>
-      <p:nvGrpSpPr>
-        <p:cNvPr id="1" name=""/>
-        <p:cNvGrpSpPr/>
-        <p:nvPr/>
-      </p:nvGrpSpPr>
-      <p:grpSpPr>
-        <a:xfrm>
-          <a:off x="0" y="0"/>
-          <a:ext cx="0" cy="0"/>
-          <a:chOff x="0" y="0"/>
-          <a:chExt cx="0" cy="0"/>
-        </a:xfrm>
-      </p:grpSpPr>
-      <p:sp>
-        <p:nvSpPr>
-          <p:cNvPr id="2" name="Title 1"/>
-          <p:cNvSpPr>
-            <a:spLocks noGrp="1"/>
-          </p:cNvSpPr>
-          <p:nvPr>
-            <p:ph type="ctrTitle"/>
-          </p:nvPr>
-        </p:nvSpPr>
-        <p:spPr>
-          <a:xfrm>
-            <a:off x="685800" y="-3210333"/>
-            <a:ext cx="7772400" cy="4267200"/>
-          </a:xfrm>
-        </p:spPr>
-        <p:txBody>
-          <a:bodyPr/>
-          <a:lstStyle/>
-          <a:p>
-            <a:r>
-              <a:rPr lang="en-US" sz="3500" u="sng" dirty="0" smtClean="0">
-                <a:solidFill>
-                  <a:schemeClr val="tx1">
-                    <a:lumMod val="65000"/>
-                    <a:lumOff val="35000"/>
-                  </a:schemeClr>
-                </a:solidFill>
-              </a:rPr>
-              <a:t>1.</a:t>
-            </a:r>
-            <a:r>
-              <a:rPr lang="en-US" sz="3500" dirty="0" smtClean="0">
-                <a:solidFill>
-                  <a:schemeClr val="tx1">
-                    <a:lumMod val="65000"/>
-                    <a:lumOff val="35000"/>
-                  </a:schemeClr>
-                </a:solidFill>
-              </a:rPr>
-              <a:t> </a:t>
-            </a:r>
-            <a:r>
-              <a:rPr lang="en-US" sz="3500" u="sng" dirty="0" smtClean="0">
-                <a:solidFill>
-                  <a:schemeClr val="tx1">
-                    <a:lumMod val="65000"/>
-                    <a:lumOff val="35000"/>
-                  </a:schemeClr>
-                </a:solidFill>
-              </a:rPr>
-              <a:t>Architecture: Connectivity</a:t>
-            </a:r>
-            <a:endParaRPr lang="en-US" sz="3500" u="sng" dirty="0">
-              <a:solidFill>
-                <a:schemeClr val="tx1">
-                  <a:lumMod val="65000"/>
-                  <a:lumOff val="35000"/>
-                </a:schemeClr>
-              </a:solidFill>
-            </a:endParaRPr>
-          </a:p>
-        </p:txBody>
-      </p:sp>
-      <p:pic>
-        <p:nvPicPr>
-          <p:cNvPr id="5" name="Picture 4" descr="Logo.png"/>
-          <p:cNvPicPr>
-            <a:picLocks noChangeAspect="1"/>
-          </p:cNvPicPr>
-          <p:nvPr/>
-        </p:nvPicPr>
-        <p:blipFill>
-          <a:blip r:embed="rId2" cstate="print">
-            <a:extLst>
-              <a:ext uri="{28A0092B-C50C-407E-A947-70E740481C1C}">
-                <a14:useLocalDpi xmlns:a14="http://schemas.microsoft.com/office/drawing/2010/main" val="0"/>
-              </a:ext>
-            </a:extLst>
-          </a:blip>
-          <a:stretch>
-            <a:fillRect/>
-          </a:stretch>
-        </p:blipFill>
-        <p:spPr>
-          <a:xfrm>
-            <a:off x="3475205" y="6143475"/>
-            <a:ext cx="2432304" cy="573024"/>
-          </a:xfrm>
-          <a:prstGeom prst="rect">
-            <a:avLst/>
-          </a:prstGeom>
-        </p:spPr>
-      </p:pic>
-      <p:graphicFrame>
-        <p:nvGraphicFramePr>
-          <p:cNvPr id="11" name="Diagram 10"/>
-          <p:cNvGraphicFramePr/>
-          <p:nvPr>
-            <p:extLst>
-              <p:ext uri="{D42A27DB-BD31-4B8C-83A1-F6EECF244321}">
-                <p14:modId xmlns:p14="http://schemas.microsoft.com/office/powerpoint/2010/main" val="3644189505"/>
-              </p:ext>
-            </p:extLst>
-          </p:nvPr>
-        </p:nvGraphicFramePr>
-        <p:xfrm>
-          <a:off x="412750" y="1104492"/>
-          <a:ext cx="8318500" cy="4064000"/>
-        </p:xfrm>
-        <a:graphic>
-          <a:graphicData uri="http://schemas.openxmlformats.org/drawingml/2006/diagram">
-            <dgm:relIds xmlns:dgm="http://schemas.openxmlformats.org/drawingml/2006/diagram" xmlns:r="http://schemas.openxmlformats.org/officeDocument/2006/relationships" r:dm="rId3" r:lo="rId4" r:qs="rId5" r:cs="rId6"/>
-          </a:graphicData>
-        </a:graphic>
-      </p:graphicFrame>
-      <p:cxnSp>
-        <p:nvCxnSpPr>
-          <p:cNvPr id="17" name="Straight Connector 16"/>
-          <p:cNvCxnSpPr/>
-          <p:nvPr/>
-        </p:nvCxnSpPr>
-        <p:spPr>
-          <a:xfrm>
-            <a:off x="1793875" y="4612867"/>
-            <a:ext cx="0" cy="555625"/>
-          </a:xfrm>
-          <a:prstGeom prst="line">
-            <a:avLst/>
-          </a:prstGeom>
-        </p:spPr>
-        <p:style>
-          <a:lnRef idx="2">
-            <a:schemeClr val="accent1"/>
-          </a:lnRef>
-          <a:fillRef idx="0">
-            <a:schemeClr val="accent1"/>
-          </a:fillRef>
-          <a:effectRef idx="1">
-            <a:schemeClr val="accent1"/>
-          </a:effectRef>
-          <a:fontRef idx="minor">
-            <a:schemeClr val="tx1"/>
-          </a:fontRef>
-        </p:style>
-      </p:cxnSp>
-      <p:cxnSp>
-        <p:nvCxnSpPr>
-          <p:cNvPr id="18" name="Straight Connector 17"/>
-          <p:cNvCxnSpPr/>
-          <p:nvPr/>
-        </p:nvCxnSpPr>
-        <p:spPr>
-          <a:xfrm>
-            <a:off x="4676775" y="4612867"/>
-            <a:ext cx="0" cy="555625"/>
-          </a:xfrm>
-          <a:prstGeom prst="line">
-            <a:avLst/>
-          </a:prstGeom>
-        </p:spPr>
-        <p:style>
-          <a:lnRef idx="2">
-            <a:schemeClr val="accent1"/>
-          </a:lnRef>
-          <a:fillRef idx="0">
-            <a:schemeClr val="accent1"/>
-          </a:fillRef>
-          <a:effectRef idx="1">
-            <a:schemeClr val="accent1"/>
-          </a:effectRef>
-          <a:fontRef idx="minor">
-            <a:schemeClr val="tx1"/>
-          </a:fontRef>
-        </p:style>
-      </p:cxnSp>
-      <p:cxnSp>
-        <p:nvCxnSpPr>
-          <p:cNvPr id="19" name="Straight Connector 18"/>
-          <p:cNvCxnSpPr/>
-          <p:nvPr/>
-        </p:nvCxnSpPr>
-        <p:spPr>
-          <a:xfrm>
-            <a:off x="7670800" y="4612867"/>
-            <a:ext cx="0" cy="555625"/>
-          </a:xfrm>
-          <a:prstGeom prst="line">
-            <a:avLst/>
-          </a:prstGeom>
-        </p:spPr>
-        <p:style>
-          <a:lnRef idx="2">
-            <a:schemeClr val="accent1"/>
-          </a:lnRef>
-          <a:fillRef idx="0">
-            <a:schemeClr val="accent1"/>
-          </a:fillRef>
-          <a:effectRef idx="1">
-            <a:schemeClr val="accent1"/>
-          </a:effectRef>
-          <a:fontRef idx="minor">
-            <a:schemeClr val="tx1"/>
-          </a:fontRef>
-        </p:style>
-      </p:cxnSp>
-      <p:cxnSp>
-        <p:nvCxnSpPr>
-          <p:cNvPr id="25" name="Straight Arrow Connector 24"/>
-          <p:cNvCxnSpPr/>
-          <p:nvPr/>
-        </p:nvCxnSpPr>
-        <p:spPr>
-          <a:xfrm>
-            <a:off x="1793875" y="5168492"/>
-            <a:ext cx="2882900" cy="0"/>
-          </a:xfrm>
-          <a:prstGeom prst="straightConnector1">
-            <a:avLst/>
-          </a:prstGeom>
-          <a:ln>
-            <a:headEnd type="arrow"/>
-            <a:tailEnd type="arrow"/>
-          </a:ln>
-        </p:spPr>
-        <p:style>
-          <a:lnRef idx="2">
-            <a:schemeClr val="accent1"/>
-          </a:lnRef>
-          <a:fillRef idx="0">
-            <a:schemeClr val="accent1"/>
-          </a:fillRef>
-          <a:effectRef idx="1">
-            <a:schemeClr val="accent1"/>
-          </a:effectRef>
-          <a:fontRef idx="minor">
-            <a:schemeClr val="tx1"/>
-          </a:fontRef>
-        </p:style>
-      </p:cxnSp>
-      <p:cxnSp>
-        <p:nvCxnSpPr>
-          <p:cNvPr id="27" name="Straight Arrow Connector 26"/>
-          <p:cNvCxnSpPr/>
-          <p:nvPr/>
-        </p:nvCxnSpPr>
-        <p:spPr>
-          <a:xfrm>
-            <a:off x="4676775" y="5168492"/>
-            <a:ext cx="2994025" cy="0"/>
-          </a:xfrm>
-          <a:prstGeom prst="straightConnector1">
-            <a:avLst/>
-          </a:prstGeom>
-          <a:ln>
-            <a:headEnd type="arrow"/>
-            <a:tailEnd type="arrow"/>
-          </a:ln>
-        </p:spPr>
-        <p:style>
-          <a:lnRef idx="2">
-            <a:schemeClr val="accent1"/>
-          </a:lnRef>
-          <a:fillRef idx="0">
-            <a:schemeClr val="accent1"/>
-          </a:fillRef>
-          <a:effectRef idx="1">
-            <a:schemeClr val="accent1"/>
-          </a:effectRef>
-          <a:fontRef idx="minor">
-            <a:schemeClr val="tx1"/>
-          </a:fontRef>
-        </p:style>
-      </p:cxnSp>
-      <p:sp>
-        <p:nvSpPr>
-          <p:cNvPr id="31" name="TextBox 30"/>
-          <p:cNvSpPr txBox="1"/>
-          <p:nvPr/>
-        </p:nvSpPr>
-        <p:spPr>
-          <a:xfrm>
-            <a:off x="2365375" y="5143156"/>
-            <a:ext cx="1911776" cy="707886"/>
-          </a:xfrm>
-          <a:prstGeom prst="rect">
-            <a:avLst/>
-          </a:prstGeom>
-          <a:noFill/>
-        </p:spPr>
-        <p:txBody>
-          <a:bodyPr wrap="none" rtlCol="0">
-            <a:spAutoFit/>
-          </a:bodyPr>
-          <a:lstStyle/>
-          <a:p>
-            <a:r>
-              <a:rPr lang="en-US" sz="2000" dirty="0" smtClean="0">
-                <a:solidFill>
-                  <a:srgbClr val="595959"/>
-                </a:solidFill>
-              </a:rPr>
-              <a:t>HTTPS + REST +</a:t>
-            </a:r>
-            <a:br>
-              <a:rPr lang="en-US" sz="2000" dirty="0" smtClean="0">
-                <a:solidFill>
-                  <a:srgbClr val="595959"/>
-                </a:solidFill>
-              </a:rPr>
-            </a:br>
-            <a:r>
-              <a:rPr lang="en-US" sz="2000" dirty="0" smtClean="0">
-                <a:solidFill>
-                  <a:srgbClr val="595959"/>
-                </a:solidFill>
-              </a:rPr>
-              <a:t>     Firewall</a:t>
-            </a:r>
-            <a:endParaRPr lang="en-US" sz="2000" dirty="0">
-              <a:solidFill>
-                <a:srgbClr val="595959"/>
-              </a:solidFill>
-            </a:endParaRPr>
-          </a:p>
-        </p:txBody>
-      </p:sp>
-      <p:sp>
-        <p:nvSpPr>
-          <p:cNvPr id="32" name="TextBox 31"/>
-          <p:cNvSpPr txBox="1"/>
-          <p:nvPr/>
-        </p:nvSpPr>
-        <p:spPr>
-          <a:xfrm>
-            <a:off x="5295900" y="5168492"/>
-            <a:ext cx="1621983" cy="400110"/>
-          </a:xfrm>
-          <a:prstGeom prst="rect">
-            <a:avLst/>
-          </a:prstGeom>
-          <a:noFill/>
-        </p:spPr>
-        <p:txBody>
-          <a:bodyPr wrap="none" rtlCol="0">
-            <a:spAutoFit/>
-          </a:bodyPr>
-          <a:lstStyle/>
-          <a:p>
-            <a:r>
-              <a:rPr lang="en-US" sz="2000" dirty="0" smtClean="0">
-                <a:solidFill>
-                  <a:srgbClr val="595959"/>
-                </a:solidFill>
-              </a:rPr>
-              <a:t>SQL + JDBC</a:t>
-            </a:r>
-            <a:endParaRPr lang="en-US" sz="2000" dirty="0">
-              <a:solidFill>
-                <a:srgbClr val="595959"/>
-              </a:solidFill>
-            </a:endParaRPr>
-          </a:p>
-        </p:txBody>
-      </p:sp>
-    </p:spTree>
-    <p:extLst>
-      <p:ext uri="{BB962C8B-B14F-4D97-AF65-F5344CB8AC3E}">
-        <p14:creationId xmlns:p14="http://schemas.microsoft.com/office/powerpoint/2010/main" val="1358209395"/>
-      </p:ext>
-    </p:extLst>
-  </p:cSld>
-  <p:clrMapOvr>
-    <a:masterClrMapping/>
-  </p:clrMapOvr>
-  <p:timing>
-    <p:tnLst>
-      <p:par>
-        <p:cTn xmlns:p14="http://schemas.microsoft.com/office/powerpoint/2010/main" id="1" dur="indefinite" restart="never" nodeType="tmRoot"/>
-      </p:par>
-    </p:tnLst>
-  </p:timing>
-</p:sld>
-</file>
-
-<file path=ppt/slides/slide7.xml><?xml version="1.0" encoding="utf-8"?>
-<p:sld xmlns:a="http://schemas.openxmlformats.org/drawingml/2006/main" xmlns:r="http://schemas.openxmlformats.org/officeDocument/2006/relationships" xmlns:p="http://schemas.openxmlformats.org/presentationml/2006/main">
-  <p:cSld>
-    <p:spTree>
-      <p:nvGrpSpPr>
-        <p:cNvPr id="1" name=""/>
-        <p:cNvGrpSpPr/>
-        <p:nvPr/>
-      </p:nvGrpSpPr>
-      <p:grpSpPr>
-        <a:xfrm>
-          <a:off x="0" y="0"/>
-          <a:ext cx="0" cy="0"/>
-          <a:chOff x="0" y="0"/>
-          <a:chExt cx="0" cy="0"/>
-        </a:xfrm>
-      </p:grpSpPr>
-      <p:sp>
-        <p:nvSpPr>
-          <p:cNvPr id="2" name="Title 1"/>
-          <p:cNvSpPr>
-            <a:spLocks noGrp="1"/>
-          </p:cNvSpPr>
-          <p:nvPr>
-            <p:ph type="ctrTitle"/>
-          </p:nvPr>
-        </p:nvSpPr>
-        <p:spPr>
-          <a:xfrm>
-            <a:off x="685800" y="-3210333"/>
-            <a:ext cx="7772400" cy="4267200"/>
-          </a:xfrm>
-        </p:spPr>
-        <p:txBody>
-          <a:bodyPr/>
-          <a:lstStyle/>
-          <a:p>
-            <a:r>
-              <a:rPr lang="en-US" sz="3500" u="sng" dirty="0" smtClean="0">
-                <a:solidFill>
-                  <a:schemeClr val="tx1">
-                    <a:lumMod val="65000"/>
-                    <a:lumOff val="35000"/>
-                  </a:schemeClr>
-                </a:solidFill>
-              </a:rPr>
-              <a:t>1.</a:t>
-            </a:r>
-            <a:r>
-              <a:rPr lang="en-US" sz="3500" dirty="0" smtClean="0">
-                <a:solidFill>
-                  <a:schemeClr val="tx1">
-                    <a:lumMod val="65000"/>
-                    <a:lumOff val="35000"/>
-                  </a:schemeClr>
-                </a:solidFill>
-              </a:rPr>
-              <a:t> </a:t>
-            </a:r>
-            <a:r>
-              <a:rPr lang="en-US" sz="3500" u="sng" dirty="0" smtClean="0">
-                <a:solidFill>
-                  <a:schemeClr val="tx1">
-                    <a:lumMod val="65000"/>
-                    <a:lumOff val="35000"/>
-                  </a:schemeClr>
-                </a:solidFill>
-              </a:rPr>
-              <a:t>Architecture: Connectivity</a:t>
-            </a:r>
-            <a:endParaRPr lang="en-US" sz="3500" u="sng" dirty="0">
-              <a:solidFill>
-                <a:schemeClr val="tx1">
-                  <a:lumMod val="65000"/>
-                  <a:lumOff val="35000"/>
-                </a:schemeClr>
-              </a:solidFill>
-            </a:endParaRPr>
-          </a:p>
-        </p:txBody>
-      </p:sp>
-      <p:pic>
-        <p:nvPicPr>
-          <p:cNvPr id="5" name="Picture 4" descr="Logo.png"/>
-          <p:cNvPicPr>
-            <a:picLocks noChangeAspect="1"/>
-          </p:cNvPicPr>
-          <p:nvPr/>
-        </p:nvPicPr>
-        <p:blipFill>
-          <a:blip r:embed="rId2" cstate="print">
-            <a:extLst>
-              <a:ext uri="{28A0092B-C50C-407E-A947-70E740481C1C}">
-                <a14:useLocalDpi xmlns:a14="http://schemas.microsoft.com/office/drawing/2010/main" val="0"/>
-              </a:ext>
-            </a:extLst>
-          </a:blip>
-          <a:stretch>
-            <a:fillRect/>
-          </a:stretch>
-        </p:blipFill>
-        <p:spPr>
-          <a:xfrm>
-            <a:off x="3475205" y="6143475"/>
-            <a:ext cx="2432304" cy="573024"/>
-          </a:xfrm>
-          <a:prstGeom prst="rect">
-            <a:avLst/>
-          </a:prstGeom>
-        </p:spPr>
-      </p:pic>
-      <p:sp>
-        <p:nvSpPr>
-          <p:cNvPr id="3" name="TextBox 2"/>
-          <p:cNvSpPr txBox="1"/>
-          <p:nvPr/>
-        </p:nvSpPr>
-        <p:spPr>
-          <a:xfrm>
-            <a:off x="1514755" y="1741555"/>
-            <a:ext cx="3121316" cy="4524316"/>
-          </a:xfrm>
-          <a:prstGeom prst="rect">
-            <a:avLst/>
-          </a:prstGeom>
-          <a:noFill/>
-        </p:spPr>
-        <p:txBody>
-          <a:bodyPr wrap="square" rtlCol="0">
-            <a:spAutoFit/>
-          </a:bodyPr>
-          <a:lstStyle/>
-          <a:p>
-            <a:r>
-              <a:rPr lang="en-US" b="1" u="sng" dirty="0" smtClean="0">
-                <a:solidFill>
-                  <a:srgbClr val="595959"/>
-                </a:solidFill>
-              </a:rPr>
-              <a:t>HTTPS</a:t>
-            </a:r>
-          </a:p>
-          <a:p>
-            <a:pPr marL="285750" indent="-285750">
-              <a:buFont typeface="Arial"/>
-              <a:buChar char="•"/>
-            </a:pPr>
-            <a:r>
-              <a:rPr lang="en-US" dirty="0" smtClean="0">
-                <a:solidFill>
-                  <a:srgbClr val="595959"/>
-                </a:solidFill>
-              </a:rPr>
-              <a:t>Identity verification</a:t>
-            </a:r>
-          </a:p>
-          <a:p>
-            <a:pPr marL="285750" indent="-285750">
-              <a:buFont typeface="Arial"/>
-              <a:buChar char="•"/>
-            </a:pPr>
-            <a:r>
-              <a:rPr lang="en-US" dirty="0" smtClean="0">
-                <a:solidFill>
-                  <a:srgbClr val="595959"/>
-                </a:solidFill>
-              </a:rPr>
-              <a:t>Data Integrity</a:t>
-            </a:r>
-          </a:p>
-          <a:p>
-            <a:endParaRPr lang="en-US" dirty="0">
-              <a:solidFill>
-                <a:srgbClr val="595959"/>
-              </a:solidFill>
-            </a:endParaRPr>
-          </a:p>
-          <a:p>
-            <a:r>
-              <a:rPr lang="en-US" b="1" u="sng" dirty="0" smtClean="0">
-                <a:solidFill>
-                  <a:srgbClr val="595959"/>
-                </a:solidFill>
-              </a:rPr>
-              <a:t>Firewall:</a:t>
-            </a:r>
-          </a:p>
-          <a:p>
-            <a:pPr marL="285750" indent="-285750">
-              <a:buFont typeface="Arial"/>
-              <a:buChar char="•"/>
-            </a:pPr>
-            <a:r>
-              <a:rPr lang="en-US" dirty="0" smtClean="0">
-                <a:solidFill>
-                  <a:srgbClr val="595959"/>
-                </a:solidFill>
-              </a:rPr>
-              <a:t>Additional low cost security layer</a:t>
-            </a:r>
-          </a:p>
-          <a:p>
-            <a:pPr marL="285750" indent="-285750">
-              <a:buFont typeface="Arial"/>
-              <a:buChar char="•"/>
-            </a:pPr>
-            <a:endParaRPr lang="en-US" dirty="0" smtClean="0">
-              <a:solidFill>
-                <a:srgbClr val="595959"/>
-              </a:solidFill>
-            </a:endParaRPr>
-          </a:p>
-          <a:p>
-            <a:endParaRPr lang="en-US" dirty="0" smtClean="0">
-              <a:solidFill>
-                <a:srgbClr val="595959"/>
-              </a:solidFill>
-            </a:endParaRPr>
-          </a:p>
-          <a:p>
-            <a:endParaRPr lang="en-US" dirty="0">
-              <a:solidFill>
-                <a:srgbClr val="595959"/>
-              </a:solidFill>
-            </a:endParaRPr>
-          </a:p>
-          <a:p>
-            <a:r>
-              <a:rPr lang="en-US" b="1" u="sng" dirty="0" smtClean="0">
-                <a:solidFill>
-                  <a:srgbClr val="595959"/>
-                </a:solidFill>
-              </a:rPr>
-              <a:t>SQL:</a:t>
-            </a:r>
-          </a:p>
-          <a:p>
-            <a:pPr marL="285750" indent="-285750">
-              <a:buFont typeface="Arial"/>
-              <a:buChar char="•"/>
-            </a:pPr>
-            <a:r>
-              <a:rPr lang="en-US" dirty="0" smtClean="0">
-                <a:solidFill>
-                  <a:srgbClr val="595959"/>
-                </a:solidFill>
-              </a:rPr>
-              <a:t>Query RDB through well defined standard that allows high speeds</a:t>
-            </a:r>
-          </a:p>
-          <a:p>
-            <a:endParaRPr lang="en-US" b="1" u="sng" dirty="0" smtClean="0">
-              <a:solidFill>
-                <a:srgbClr val="595959"/>
-              </a:solidFill>
-            </a:endParaRPr>
-          </a:p>
-          <a:p>
-            <a:endParaRPr lang="en-US" dirty="0" smtClean="0">
-              <a:solidFill>
-                <a:srgbClr val="595959"/>
-              </a:solidFill>
-            </a:endParaRPr>
-          </a:p>
-        </p:txBody>
-      </p:sp>
-      <p:sp>
-        <p:nvSpPr>
-          <p:cNvPr id="15" name="TextBox 14"/>
-          <p:cNvSpPr txBox="1"/>
-          <p:nvPr/>
-        </p:nvSpPr>
-        <p:spPr>
-          <a:xfrm>
-            <a:off x="4772565" y="1741555"/>
-            <a:ext cx="3121316" cy="4524316"/>
-          </a:xfrm>
-          <a:prstGeom prst="rect">
-            <a:avLst/>
-          </a:prstGeom>
-          <a:noFill/>
-        </p:spPr>
-        <p:txBody>
-          <a:bodyPr wrap="square" rtlCol="0">
-            <a:spAutoFit/>
-          </a:bodyPr>
-          <a:lstStyle/>
-          <a:p>
-            <a:r>
-              <a:rPr lang="en-US" b="1" u="sng" dirty="0" smtClean="0">
-                <a:solidFill>
-                  <a:srgbClr val="595959"/>
-                </a:solidFill>
-              </a:rPr>
-              <a:t>RESTful:</a:t>
-            </a:r>
-          </a:p>
-          <a:p>
-            <a:pPr marL="285750" indent="-285750">
-              <a:buFont typeface="Arial"/>
-              <a:buChar char="•"/>
-            </a:pPr>
-            <a:r>
-              <a:rPr lang="en-US" dirty="0" smtClean="0">
-                <a:solidFill>
-                  <a:srgbClr val="595959"/>
-                </a:solidFill>
-              </a:rPr>
-              <a:t>Stateless</a:t>
-            </a:r>
-          </a:p>
-          <a:p>
-            <a:pPr marL="285750" indent="-285750">
-              <a:buFont typeface="Arial"/>
-              <a:buChar char="•"/>
-            </a:pPr>
-            <a:r>
-              <a:rPr lang="en-US" dirty="0" smtClean="0">
-                <a:solidFill>
-                  <a:srgbClr val="595959"/>
-                </a:solidFill>
-              </a:rPr>
-              <a:t>Cacheable</a:t>
-            </a:r>
-          </a:p>
-          <a:p>
-            <a:pPr marL="285750" indent="-285750">
-              <a:buFont typeface="Arial"/>
-              <a:buChar char="•"/>
-            </a:pPr>
-            <a:r>
-              <a:rPr lang="en-US" dirty="0" smtClean="0">
-                <a:solidFill>
-                  <a:srgbClr val="595959"/>
-                </a:solidFill>
-              </a:rPr>
-              <a:t>Layered</a:t>
-            </a:r>
-          </a:p>
-          <a:p>
-            <a:endParaRPr lang="en-US" dirty="0" smtClean="0">
-              <a:solidFill>
-                <a:srgbClr val="595959"/>
-              </a:solidFill>
-            </a:endParaRPr>
-          </a:p>
-          <a:p>
-            <a:endParaRPr lang="en-US" b="1" u="sng" dirty="0">
-              <a:solidFill>
-                <a:srgbClr val="595959"/>
-              </a:solidFill>
-            </a:endParaRPr>
-          </a:p>
-          <a:p>
-            <a:endParaRPr lang="en-US" b="1" u="sng" dirty="0" smtClean="0">
-              <a:solidFill>
-                <a:srgbClr val="595959"/>
-              </a:solidFill>
-            </a:endParaRPr>
-          </a:p>
-          <a:p>
-            <a:endParaRPr lang="en-US" b="1" u="sng" dirty="0" smtClean="0">
-              <a:solidFill>
-                <a:srgbClr val="595959"/>
-              </a:solidFill>
-            </a:endParaRPr>
-          </a:p>
-          <a:p>
-            <a:endParaRPr lang="en-US" b="1" u="sng" dirty="0" smtClean="0">
-              <a:solidFill>
-                <a:srgbClr val="595959"/>
-              </a:solidFill>
-            </a:endParaRPr>
-          </a:p>
-          <a:p>
-            <a:endParaRPr lang="en-US" b="1" u="sng" dirty="0" smtClean="0">
-              <a:solidFill>
-                <a:srgbClr val="595959"/>
-              </a:solidFill>
-            </a:endParaRPr>
-          </a:p>
-          <a:p>
-            <a:r>
-              <a:rPr lang="en-US" b="1" u="sng" dirty="0" smtClean="0">
-                <a:solidFill>
-                  <a:srgbClr val="595959"/>
-                </a:solidFill>
-              </a:rPr>
-              <a:t>JDBC:</a:t>
-            </a:r>
-          </a:p>
-          <a:p>
-            <a:pPr marL="285750" indent="-285750">
-              <a:buFont typeface="Arial"/>
-              <a:buChar char="•"/>
-            </a:pPr>
-            <a:r>
-              <a:rPr lang="en-US" dirty="0" smtClean="0">
-                <a:solidFill>
-                  <a:srgbClr val="595959"/>
-                </a:solidFill>
-              </a:rPr>
-              <a:t>Makes Java – DB connection easy and cost effective</a:t>
-            </a:r>
-          </a:p>
-          <a:p>
-            <a:pPr marL="285750" indent="-285750">
-              <a:buFont typeface="Arial"/>
-              <a:buChar char="•"/>
-            </a:pPr>
-            <a:endParaRPr lang="en-US" b="1" u="sng" dirty="0" smtClean="0">
-              <a:solidFill>
-                <a:srgbClr val="595959"/>
-              </a:solidFill>
-            </a:endParaRPr>
-          </a:p>
-          <a:p>
-            <a:endParaRPr lang="en-US" dirty="0" smtClean="0">
-              <a:solidFill>
-                <a:srgbClr val="595959"/>
-              </a:solidFill>
-            </a:endParaRPr>
-          </a:p>
-        </p:txBody>
-      </p:sp>
-      <p:sp>
-        <p:nvSpPr>
-          <p:cNvPr id="4" name="TextBox 3"/>
-          <p:cNvSpPr txBox="1"/>
-          <p:nvPr/>
-        </p:nvSpPr>
-        <p:spPr>
-          <a:xfrm>
-            <a:off x="2803133" y="1096975"/>
-            <a:ext cx="3665875" cy="477054"/>
-          </a:xfrm>
-          <a:prstGeom prst="rect">
-            <a:avLst/>
-          </a:prstGeom>
-          <a:noFill/>
-        </p:spPr>
-        <p:txBody>
-          <a:bodyPr wrap="none" rtlCol="0">
-            <a:spAutoFit/>
-          </a:bodyPr>
-          <a:lstStyle/>
-          <a:p>
-            <a:r>
-              <a:rPr lang="en-US" sz="2500" b="1" u="sng" dirty="0" smtClean="0">
-                <a:solidFill>
-                  <a:srgbClr val="FF6600"/>
-                </a:solidFill>
-              </a:rPr>
-              <a:t>First Tier -&gt; Second Tier</a:t>
-            </a:r>
-            <a:endParaRPr lang="en-US" sz="2500" b="1" u="sng" dirty="0">
-              <a:solidFill>
-                <a:srgbClr val="FF6600"/>
-              </a:solidFill>
-            </a:endParaRPr>
-          </a:p>
-        </p:txBody>
-      </p:sp>
-      <p:sp>
-        <p:nvSpPr>
-          <p:cNvPr id="20" name="TextBox 19"/>
-          <p:cNvSpPr txBox="1"/>
-          <p:nvPr/>
-        </p:nvSpPr>
-        <p:spPr>
-          <a:xfrm>
-            <a:off x="2670443" y="3959681"/>
-            <a:ext cx="3813865" cy="477054"/>
-          </a:xfrm>
-          <a:prstGeom prst="rect">
-            <a:avLst/>
-          </a:prstGeom>
-          <a:noFill/>
-        </p:spPr>
-        <p:txBody>
-          <a:bodyPr wrap="none" rtlCol="0">
-            <a:spAutoFit/>
-          </a:bodyPr>
-          <a:lstStyle/>
-          <a:p>
-            <a:r>
-              <a:rPr lang="en-US" sz="2500" b="1" u="sng" dirty="0" smtClean="0">
-                <a:solidFill>
-                  <a:srgbClr val="FF6600"/>
-                </a:solidFill>
-              </a:rPr>
-              <a:t>Second Tier -&gt; Third Tier</a:t>
-            </a:r>
-            <a:endParaRPr lang="en-US" sz="2500" b="1" u="sng" dirty="0">
-              <a:solidFill>
-                <a:srgbClr val="FF6600"/>
-              </a:solidFill>
-            </a:endParaRPr>
-          </a:p>
-        </p:txBody>
-      </p:sp>
-    </p:spTree>
-    <p:extLst>
-      <p:ext uri="{BB962C8B-B14F-4D97-AF65-F5344CB8AC3E}">
-        <p14:creationId xmlns:p14="http://schemas.microsoft.com/office/powerpoint/2010/main" val="3536518012"/>
-      </p:ext>
-    </p:extLst>
-  </p:cSld>
-  <p:clrMapOvr>
-    <a:masterClrMapping/>
-  </p:clrMapOvr>
-  <p:timing>
-    <p:tnLst>
-      <p:par>
-        <p:cTn xmlns:p14="http://schemas.microsoft.com/office/powerpoint/2010/main" id="1" dur="indefinite" restart="never" nodeType="tmRoot"/>
-      </p:par>
-    </p:tnLst>
-  </p:timing>
-</p:sld>
-</file>
-
-<file path=ppt/slides/slide8.xml><?xml version="1.0" encoding="utf-8"?>
-<p:sld xmlns:a="http://schemas.openxmlformats.org/drawingml/2006/main" xmlns:r="http://schemas.openxmlformats.org/officeDocument/2006/relationships" xmlns:p="http://schemas.openxmlformats.org/presentationml/2006/main">
-  <p:cSld>
-    <p:spTree>
-      <p:nvGrpSpPr>
-        <p:cNvPr id="1" name=""/>
-        <p:cNvGrpSpPr/>
-        <p:nvPr/>
-      </p:nvGrpSpPr>
-      <p:grpSpPr>
-        <a:xfrm>
-          <a:off x="0" y="0"/>
-          <a:ext cx="0" cy="0"/>
-          <a:chOff x="0" y="0"/>
-          <a:chExt cx="0" cy="0"/>
-        </a:xfrm>
-      </p:grpSpPr>
-      <p:sp>
-        <p:nvSpPr>
-          <p:cNvPr id="2" name="Title 1"/>
-          <p:cNvSpPr>
-            <a:spLocks noGrp="1"/>
-          </p:cNvSpPr>
-          <p:nvPr>
-            <p:ph type="ctrTitle"/>
-          </p:nvPr>
-        </p:nvSpPr>
-        <p:spPr>
-          <a:xfrm>
-            <a:off x="685800" y="-3210333"/>
-            <a:ext cx="7772400" cy="4267200"/>
-          </a:xfrm>
-        </p:spPr>
-        <p:txBody>
-          <a:bodyPr/>
-          <a:lstStyle/>
-          <a:p>
-            <a:r>
-              <a:rPr lang="en-US" sz="3500" u="sng" dirty="0">
-                <a:solidFill>
-                  <a:schemeClr val="tx1">
-                    <a:lumMod val="65000"/>
-                    <a:lumOff val="35000"/>
-                  </a:schemeClr>
-                </a:solidFill>
-              </a:rPr>
-              <a:t>2</a:t>
-            </a:r>
-            <a:r>
-              <a:rPr lang="en-US" sz="3500" u="sng" dirty="0" smtClean="0">
-                <a:solidFill>
-                  <a:schemeClr val="tx1">
-                    <a:lumMod val="65000"/>
-                    <a:lumOff val="35000"/>
-                  </a:schemeClr>
-                </a:solidFill>
-              </a:rPr>
-              <a:t>.</a:t>
-            </a:r>
-            <a:r>
-              <a:rPr lang="en-US" sz="3500" dirty="0" smtClean="0">
-                <a:solidFill>
-                  <a:schemeClr val="tx1">
-                    <a:lumMod val="65000"/>
-                    <a:lumOff val="35000"/>
-                  </a:schemeClr>
-                </a:solidFill>
-              </a:rPr>
-              <a:t> </a:t>
-            </a:r>
-            <a:r>
-              <a:rPr lang="en-US" sz="3500" u="sng" dirty="0" smtClean="0">
-                <a:solidFill>
-                  <a:schemeClr val="tx1">
-                    <a:lumMod val="65000"/>
-                    <a:lumOff val="35000"/>
-                  </a:schemeClr>
-                </a:solidFill>
-              </a:rPr>
-              <a:t>Client Application</a:t>
-            </a:r>
-            <a:endParaRPr lang="en-US" sz="3500" u="sng" dirty="0">
-              <a:solidFill>
-                <a:schemeClr val="tx1">
-                  <a:lumMod val="65000"/>
-                  <a:lumOff val="35000"/>
-                </a:schemeClr>
-              </a:solidFill>
-            </a:endParaRPr>
-          </a:p>
-        </p:txBody>
-      </p:sp>
-      <p:pic>
-        <p:nvPicPr>
-          <p:cNvPr id="5" name="Picture 4" descr="Logo.png"/>
-          <p:cNvPicPr>
-            <a:picLocks noChangeAspect="1"/>
-          </p:cNvPicPr>
-          <p:nvPr/>
-        </p:nvPicPr>
-        <p:blipFill>
-          <a:blip r:embed="rId2" cstate="print">
-            <a:extLst>
-              <a:ext uri="{28A0092B-C50C-407E-A947-70E740481C1C}">
-                <a14:useLocalDpi xmlns:a14="http://schemas.microsoft.com/office/drawing/2010/main" val="0"/>
-              </a:ext>
-            </a:extLst>
-          </a:blip>
-          <a:stretch>
-            <a:fillRect/>
-          </a:stretch>
-        </p:blipFill>
-        <p:spPr>
-          <a:xfrm>
-            <a:off x="3475205" y="6143475"/>
-            <a:ext cx="2432304" cy="573024"/>
-          </a:xfrm>
-          <a:prstGeom prst="rect">
-            <a:avLst/>
-          </a:prstGeom>
-        </p:spPr>
-      </p:pic>
-      <p:sp>
-        <p:nvSpPr>
-          <p:cNvPr id="6" name="TextBox 5"/>
-          <p:cNvSpPr txBox="1"/>
-          <p:nvPr/>
-        </p:nvSpPr>
-        <p:spPr>
-          <a:xfrm>
-            <a:off x="1512030" y="1392254"/>
-            <a:ext cx="6122951" cy="4324261"/>
-          </a:xfrm>
-          <a:prstGeom prst="rect">
-            <a:avLst/>
-          </a:prstGeom>
-          <a:noFill/>
-        </p:spPr>
-        <p:txBody>
-          <a:bodyPr wrap="square" rtlCol="0">
-            <a:spAutoFit/>
-          </a:bodyPr>
-          <a:lstStyle/>
-          <a:p>
-            <a:r>
-              <a:rPr lang="en-US" sz="2500" b="1" dirty="0" smtClean="0">
-                <a:solidFill>
-                  <a:schemeClr val="tx1">
-                    <a:lumMod val="65000"/>
-                    <a:lumOff val="35000"/>
-                  </a:schemeClr>
-                </a:solidFill>
-              </a:rPr>
-              <a:t>Mobile/Web Application main actions:</a:t>
-            </a:r>
-          </a:p>
-          <a:p>
-            <a:pPr marL="457200" indent="-457200">
-              <a:buFont typeface="+mj-lt"/>
-              <a:buAutoNum type="arabicPeriod"/>
-            </a:pPr>
-            <a:r>
-              <a:rPr lang="en-US" sz="2500" dirty="0" smtClean="0">
-                <a:solidFill>
-                  <a:schemeClr val="tx1">
-                    <a:lumMod val="65000"/>
-                    <a:lumOff val="35000"/>
-                  </a:schemeClr>
-                </a:solidFill>
-              </a:rPr>
-              <a:t>Sign in &amp; sign up</a:t>
-            </a:r>
-          </a:p>
-          <a:p>
-            <a:pPr marL="457200" indent="-457200">
-              <a:buFont typeface="+mj-lt"/>
-              <a:buAutoNum type="arabicPeriod"/>
-            </a:pPr>
-            <a:r>
-              <a:rPr lang="en-US" sz="2500" dirty="0" smtClean="0">
-                <a:solidFill>
-                  <a:schemeClr val="tx1">
-                    <a:lumMod val="65000"/>
-                    <a:lumOff val="35000"/>
-                  </a:schemeClr>
-                </a:solidFill>
-              </a:rPr>
-              <a:t>Search available </a:t>
-            </a:r>
-            <a:r>
-              <a:rPr lang="en-US" sz="2500" dirty="0">
-                <a:solidFill>
-                  <a:schemeClr val="tx1">
-                    <a:lumMod val="65000"/>
-                    <a:lumOff val="35000"/>
-                  </a:schemeClr>
-                </a:solidFill>
-              </a:rPr>
-              <a:t>c</a:t>
-            </a:r>
-            <a:r>
-              <a:rPr lang="en-US" sz="2500" dirty="0" smtClean="0">
-                <a:solidFill>
-                  <a:schemeClr val="tx1">
-                    <a:lumMod val="65000"/>
-                    <a:lumOff val="35000"/>
-                  </a:schemeClr>
-                </a:solidFill>
-              </a:rPr>
-              <a:t>ars</a:t>
-            </a:r>
-          </a:p>
-          <a:p>
-            <a:pPr marL="457200" indent="-457200">
-              <a:buFont typeface="+mj-lt"/>
-              <a:buAutoNum type="arabicPeriod"/>
-            </a:pPr>
-            <a:r>
-              <a:rPr lang="en-US" sz="2500" dirty="0" smtClean="0">
-                <a:solidFill>
-                  <a:schemeClr val="tx1">
-                    <a:lumMod val="65000"/>
-                    <a:lumOff val="35000"/>
-                  </a:schemeClr>
-                </a:solidFill>
-              </a:rPr>
-              <a:t>Reserve cars</a:t>
-            </a:r>
-          </a:p>
-          <a:p>
-            <a:pPr marL="457200" indent="-457200">
-              <a:buFont typeface="+mj-lt"/>
-              <a:buAutoNum type="arabicPeriod"/>
-            </a:pPr>
-            <a:r>
-              <a:rPr lang="en-US" sz="2500" dirty="0" smtClean="0">
-                <a:solidFill>
-                  <a:schemeClr val="tx1">
-                    <a:lumMod val="65000"/>
-                    <a:lumOff val="35000"/>
-                  </a:schemeClr>
-                </a:solidFill>
-              </a:rPr>
-              <a:t>View user profile &amp; history</a:t>
-            </a:r>
-          </a:p>
-          <a:p>
-            <a:pPr marL="457200" indent="-457200">
-              <a:buFont typeface="+mj-lt"/>
-              <a:buAutoNum type="arabicPeriod"/>
-            </a:pPr>
-            <a:endParaRPr lang="en-US" sz="2500" dirty="0">
-              <a:solidFill>
-                <a:schemeClr val="tx1">
-                  <a:lumMod val="65000"/>
-                  <a:lumOff val="35000"/>
-                </a:schemeClr>
-              </a:solidFill>
-            </a:endParaRPr>
-          </a:p>
-          <a:p>
-            <a:r>
-              <a:rPr lang="en-US" sz="2500" b="1" dirty="0" smtClean="0">
-                <a:solidFill>
-                  <a:schemeClr val="tx1">
-                    <a:lumMod val="65000"/>
-                    <a:lumOff val="35000"/>
-                  </a:schemeClr>
-                </a:solidFill>
-              </a:rPr>
-              <a:t>On Board Application main actions:</a:t>
-            </a:r>
-          </a:p>
-          <a:p>
-            <a:pPr marL="457200" indent="-457200">
-              <a:buFont typeface="+mj-lt"/>
-              <a:buAutoNum type="arabicPeriod"/>
-            </a:pPr>
-            <a:r>
-              <a:rPr lang="en-US" sz="2500" dirty="0" smtClean="0">
-                <a:solidFill>
-                  <a:schemeClr val="tx1">
-                    <a:lumMod val="65000"/>
-                    <a:lumOff val="35000"/>
-                  </a:schemeClr>
-                </a:solidFill>
-              </a:rPr>
-              <a:t>Sign in</a:t>
-            </a:r>
-          </a:p>
-          <a:p>
-            <a:pPr marL="457200" indent="-457200">
-              <a:buFont typeface="+mj-lt"/>
-              <a:buAutoNum type="arabicPeriod"/>
-            </a:pPr>
-            <a:r>
-              <a:rPr lang="en-US" sz="2500" dirty="0" smtClean="0">
-                <a:solidFill>
-                  <a:schemeClr val="tx1">
-                    <a:lumMod val="65000"/>
-                    <a:lumOff val="35000"/>
-                  </a:schemeClr>
-                </a:solidFill>
-              </a:rPr>
-              <a:t>Start ride &amp; navigation</a:t>
-            </a:r>
-          </a:p>
-          <a:p>
-            <a:pPr marL="457200" indent="-457200">
-              <a:buFont typeface="+mj-lt"/>
-              <a:buAutoNum type="arabicPeriod"/>
-            </a:pPr>
-            <a:r>
-              <a:rPr lang="en-US" sz="2500" dirty="0" smtClean="0">
-                <a:solidFill>
-                  <a:schemeClr val="tx1">
-                    <a:lumMod val="65000"/>
-                    <a:lumOff val="35000"/>
-                  </a:schemeClr>
-                </a:solidFill>
-              </a:rPr>
-              <a:t>View car statistics</a:t>
-            </a:r>
-          </a:p>
-          <a:p>
-            <a:pPr marL="457200" indent="-457200">
-              <a:buFont typeface="+mj-lt"/>
-              <a:buAutoNum type="arabicPeriod"/>
-            </a:pPr>
-            <a:r>
-              <a:rPr lang="en-US" sz="2500" dirty="0" smtClean="0">
-                <a:solidFill>
-                  <a:schemeClr val="tx1">
-                    <a:lumMod val="65000"/>
-                    <a:lumOff val="35000"/>
-                  </a:schemeClr>
-                </a:solidFill>
-              </a:rPr>
-              <a:t>End ride</a:t>
-            </a:r>
-            <a:endParaRPr lang="en-US" sz="2500" dirty="0">
-              <a:solidFill>
-                <a:schemeClr val="tx1">
-                  <a:lumMod val="65000"/>
-                  <a:lumOff val="35000"/>
-                </a:schemeClr>
-              </a:solidFill>
-            </a:endParaRPr>
-          </a:p>
-        </p:txBody>
-      </p:sp>
-    </p:spTree>
-    <p:extLst>
-      <p:ext uri="{BB962C8B-B14F-4D97-AF65-F5344CB8AC3E}">
-        <p14:creationId xmlns:p14="http://schemas.microsoft.com/office/powerpoint/2010/main" val="3028052705"/>
-      </p:ext>
-    </p:extLst>
-  </p:cSld>
-  <p:clrMapOvr>
-    <a:masterClrMapping/>
-  </p:clrMapOvr>
-  <p:timing>
-    <p:tnLst>
-      <p:par>
-        <p:cTn xmlns:p14="http://schemas.microsoft.com/office/powerpoint/2010/main" id="1" dur="indefinite" restart="never" nodeType="tmRoot"/>
-      </p:par>
-    </p:tnLst>
-  </p:timing>
-</p:sld>
-</file>
-
-<file path=ppt/slides/slide9.xml><?xml version="1.0" encoding="utf-8"?>
-<p:sld xmlns:a="http://schemas.openxmlformats.org/drawingml/2006/main" xmlns:r="http://schemas.openxmlformats.org/officeDocument/2006/relationships" xmlns:p="http://schemas.openxmlformats.org/presentationml/2006/main">
-  <p:cSld>
-    <p:spTree>
-      <p:nvGrpSpPr>
-        <p:cNvPr id="1" name=""/>
-        <p:cNvGrpSpPr/>
-        <p:nvPr/>
-      </p:nvGrpSpPr>
-      <p:grpSpPr>
-        <a:xfrm>
-          <a:off x="0" y="0"/>
-          <a:ext cx="0" cy="0"/>
-          <a:chOff x="0" y="0"/>
-          <a:chExt cx="0" cy="0"/>
-        </a:xfrm>
-      </p:grpSpPr>
-      <p:sp>
-        <p:nvSpPr>
-          <p:cNvPr id="2" name="Title 1"/>
-          <p:cNvSpPr>
-            <a:spLocks noGrp="1"/>
-          </p:cNvSpPr>
-          <p:nvPr>
-            <p:ph type="ctrTitle"/>
-          </p:nvPr>
-        </p:nvSpPr>
-        <p:spPr>
-          <a:xfrm>
-            <a:off x="685800" y="-3210333"/>
-            <a:ext cx="7772400" cy="4267200"/>
-          </a:xfrm>
-        </p:spPr>
-        <p:txBody>
-          <a:bodyPr/>
-          <a:lstStyle/>
-          <a:p>
-            <a:r>
-              <a:rPr lang="en-US" sz="3500" u="sng" dirty="0">
-                <a:solidFill>
-                  <a:schemeClr val="tx1">
-                    <a:lumMod val="65000"/>
-                    <a:lumOff val="35000"/>
-                  </a:schemeClr>
-                </a:solidFill>
-              </a:rPr>
-              <a:t>2</a:t>
+              <a:t>3</a:t>
             </a:r>
             <a:r>
               <a:rPr lang="en-US" sz="3500" u="sng" dirty="0" smtClean="0">
@@ -32675,6 +30331,3843 @@
 </p:sld>
 </file>
 
+<file path=ppt/slides/slide11.xml><?xml version="1.0" encoding="utf-8"?>
+<p:sld xmlns:a="http://schemas.openxmlformats.org/drawingml/2006/main" xmlns:r="http://schemas.openxmlformats.org/officeDocument/2006/relationships" xmlns:p="http://schemas.openxmlformats.org/presentationml/2006/main">
+  <p:cSld>
+    <p:spTree>
+      <p:nvGrpSpPr>
+        <p:cNvPr id="1" name=""/>
+        <p:cNvGrpSpPr/>
+        <p:nvPr/>
+      </p:nvGrpSpPr>
+      <p:grpSpPr>
+        <a:xfrm>
+          <a:off x="0" y="0"/>
+          <a:ext cx="0" cy="0"/>
+          <a:chOff x="0" y="0"/>
+          <a:chExt cx="0" cy="0"/>
+        </a:xfrm>
+      </p:grpSpPr>
+      <p:sp>
+        <p:nvSpPr>
+          <p:cNvPr id="2" name="Title 1"/>
+          <p:cNvSpPr>
+            <a:spLocks noGrp="1"/>
+          </p:cNvSpPr>
+          <p:nvPr>
+            <p:ph type="ctrTitle"/>
+          </p:nvPr>
+        </p:nvSpPr>
+        <p:spPr>
+          <a:xfrm>
+            <a:off x="685800" y="-3210333"/>
+            <a:ext cx="7772400" cy="4267200"/>
+          </a:xfrm>
+        </p:spPr>
+        <p:txBody>
+          <a:bodyPr/>
+          <a:lstStyle/>
+          <a:p>
+            <a:r>
+              <a:rPr lang="en-US" sz="3500" u="sng" dirty="0">
+                <a:solidFill>
+                  <a:schemeClr val="tx1">
+                    <a:lumMod val="65000"/>
+                    <a:lumOff val="35000"/>
+                  </a:schemeClr>
+                </a:solidFill>
+              </a:rPr>
+              <a:t>3</a:t>
+            </a:r>
+            <a:r>
+              <a:rPr lang="en-US" sz="3500" u="sng" dirty="0" smtClean="0">
+                <a:solidFill>
+                  <a:schemeClr val="tx1">
+                    <a:lumMod val="65000"/>
+                    <a:lumOff val="35000"/>
+                  </a:schemeClr>
+                </a:solidFill>
+              </a:rPr>
+              <a:t>.</a:t>
+            </a:r>
+            <a:r>
+              <a:rPr lang="en-US" sz="3500" dirty="0" smtClean="0">
+                <a:solidFill>
+                  <a:schemeClr val="tx1">
+                    <a:lumMod val="65000"/>
+                    <a:lumOff val="35000"/>
+                  </a:schemeClr>
+                </a:solidFill>
+              </a:rPr>
+              <a:t> </a:t>
+            </a:r>
+            <a:r>
+              <a:rPr lang="en-US" sz="3500" u="sng" dirty="0" smtClean="0">
+                <a:solidFill>
+                  <a:schemeClr val="tx1">
+                    <a:lumMod val="65000"/>
+                    <a:lumOff val="35000"/>
+                  </a:schemeClr>
+                </a:solidFill>
+              </a:rPr>
+              <a:t>Server Application</a:t>
+            </a:r>
+            <a:endParaRPr lang="en-US" sz="3500" u="sng" dirty="0">
+              <a:solidFill>
+                <a:schemeClr val="tx1">
+                  <a:lumMod val="65000"/>
+                  <a:lumOff val="35000"/>
+                </a:schemeClr>
+              </a:solidFill>
+            </a:endParaRPr>
+          </a:p>
+        </p:txBody>
+      </p:sp>
+      <p:pic>
+        <p:nvPicPr>
+          <p:cNvPr id="5" name="Picture 4" descr="Logo.png"/>
+          <p:cNvPicPr>
+            <a:picLocks noChangeAspect="1"/>
+          </p:cNvPicPr>
+          <p:nvPr/>
+        </p:nvPicPr>
+        <p:blipFill>
+          <a:blip r:embed="rId2" cstate="print">
+            <a:extLst>
+              <a:ext uri="{28A0092B-C50C-407E-A947-70E740481C1C}">
+                <a14:useLocalDpi xmlns:a14="http://schemas.microsoft.com/office/drawing/2010/main" val="0"/>
+              </a:ext>
+            </a:extLst>
+          </a:blip>
+          <a:stretch>
+            <a:fillRect/>
+          </a:stretch>
+        </p:blipFill>
+        <p:spPr>
+          <a:xfrm>
+            <a:off x="3475205" y="6143475"/>
+            <a:ext cx="2432304" cy="573024"/>
+          </a:xfrm>
+          <a:prstGeom prst="rect">
+            <a:avLst/>
+          </a:prstGeom>
+        </p:spPr>
+      </p:pic>
+      <p:sp>
+        <p:nvSpPr>
+          <p:cNvPr id="6" name="TextBox 5"/>
+          <p:cNvSpPr txBox="1"/>
+          <p:nvPr/>
+        </p:nvSpPr>
+        <p:spPr>
+          <a:xfrm>
+            <a:off x="1175418" y="1263859"/>
+            <a:ext cx="6765575" cy="1246495"/>
+          </a:xfrm>
+          <a:prstGeom prst="rect">
+            <a:avLst/>
+          </a:prstGeom>
+          <a:noFill/>
+        </p:spPr>
+        <p:txBody>
+          <a:bodyPr wrap="square" rtlCol="0">
+            <a:spAutoFit/>
+          </a:bodyPr>
+          <a:lstStyle/>
+          <a:p>
+            <a:r>
+              <a:rPr lang="en-US" sz="2500" b="1" dirty="0" smtClean="0">
+                <a:solidFill>
+                  <a:schemeClr val="tx1">
+                    <a:lumMod val="65000"/>
+                    <a:lumOff val="35000"/>
+                  </a:schemeClr>
+                </a:solidFill>
+              </a:rPr>
+              <a:t>Back-End Application main functionalities</a:t>
+            </a:r>
+          </a:p>
+          <a:p>
+            <a:pPr marL="457200" indent="-457200">
+              <a:buFont typeface="+mj-lt"/>
+              <a:buAutoNum type="arabicPeriod"/>
+            </a:pPr>
+            <a:r>
+              <a:rPr lang="en-US" sz="2500" dirty="0" smtClean="0">
+                <a:solidFill>
+                  <a:schemeClr val="tx1">
+                    <a:lumMod val="65000"/>
+                    <a:lumOff val="35000"/>
+                  </a:schemeClr>
+                </a:solidFill>
+              </a:rPr>
+              <a:t>Request </a:t>
+            </a:r>
+            <a:r>
+              <a:rPr lang="en-US" sz="2500" dirty="0" smtClean="0">
+                <a:solidFill>
+                  <a:schemeClr val="tx1">
+                    <a:lumMod val="65000"/>
+                    <a:lumOff val="35000"/>
+                  </a:schemeClr>
+                </a:solidFill>
+              </a:rPr>
+              <a:t>handling &amp; processing</a:t>
+            </a:r>
+            <a:endParaRPr lang="en-US" sz="2500" dirty="0" smtClean="0">
+              <a:solidFill>
+                <a:schemeClr val="tx1">
+                  <a:lumMod val="65000"/>
+                  <a:lumOff val="35000"/>
+                </a:schemeClr>
+              </a:solidFill>
+            </a:endParaRPr>
+          </a:p>
+          <a:p>
+            <a:pPr marL="457200" indent="-457200">
+              <a:buFont typeface="+mj-lt"/>
+              <a:buAutoNum type="arabicPeriod"/>
+            </a:pPr>
+            <a:r>
+              <a:rPr lang="en-US" sz="2500" dirty="0" smtClean="0">
+                <a:solidFill>
+                  <a:schemeClr val="tx1">
+                    <a:lumMod val="65000"/>
+                    <a:lumOff val="35000"/>
+                  </a:schemeClr>
+                </a:solidFill>
+              </a:rPr>
+              <a:t>Database interfacing</a:t>
+            </a:r>
+          </a:p>
+        </p:txBody>
+      </p:sp>
+      <p:graphicFrame>
+        <p:nvGraphicFramePr>
+          <p:cNvPr id="7" name="Diagram 6"/>
+          <p:cNvGraphicFramePr/>
+          <p:nvPr>
+            <p:extLst>
+              <p:ext uri="{D42A27DB-BD31-4B8C-83A1-F6EECF244321}">
+                <p14:modId xmlns:p14="http://schemas.microsoft.com/office/powerpoint/2010/main" val="3178959326"/>
+              </p:ext>
+            </p:extLst>
+          </p:nvPr>
+        </p:nvGraphicFramePr>
+        <p:xfrm>
+          <a:off x="1603860" y="2525654"/>
+          <a:ext cx="2111474" cy="1545250"/>
+        </p:xfrm>
+        <a:graphic>
+          <a:graphicData uri="http://schemas.openxmlformats.org/drawingml/2006/diagram">
+            <dgm:relIds xmlns:dgm="http://schemas.openxmlformats.org/drawingml/2006/diagram" xmlns:r="http://schemas.openxmlformats.org/officeDocument/2006/relationships" r:dm="rId3" r:lo="rId4" r:qs="rId5" r:cs="rId6"/>
+          </a:graphicData>
+        </a:graphic>
+      </p:graphicFrame>
+      <p:graphicFrame>
+        <p:nvGraphicFramePr>
+          <p:cNvPr id="11" name="Diagram 10"/>
+          <p:cNvGraphicFramePr/>
+          <p:nvPr>
+            <p:extLst>
+              <p:ext uri="{D42A27DB-BD31-4B8C-83A1-F6EECF244321}">
+                <p14:modId xmlns:p14="http://schemas.microsoft.com/office/powerpoint/2010/main" val="215052487"/>
+              </p:ext>
+            </p:extLst>
+          </p:nvPr>
+        </p:nvGraphicFramePr>
+        <p:xfrm>
+          <a:off x="5044649" y="2525654"/>
+          <a:ext cx="1704418" cy="2091286"/>
+        </p:xfrm>
+        <a:graphic>
+          <a:graphicData uri="http://schemas.openxmlformats.org/drawingml/2006/diagram">
+            <dgm:relIds xmlns:dgm="http://schemas.openxmlformats.org/drawingml/2006/diagram" xmlns:r="http://schemas.openxmlformats.org/officeDocument/2006/relationships" r:dm="rId8" r:lo="rId9" r:qs="rId10" r:cs="rId11"/>
+          </a:graphicData>
+        </a:graphic>
+      </p:graphicFrame>
+      <p:cxnSp>
+        <p:nvCxnSpPr>
+          <p:cNvPr id="4" name="Straight Arrow Connector 3"/>
+          <p:cNvCxnSpPr/>
+          <p:nvPr/>
+        </p:nvCxnSpPr>
+        <p:spPr>
+          <a:xfrm flipH="1">
+            <a:off x="3753422" y="3212907"/>
+            <a:ext cx="1242468" cy="0"/>
+          </a:xfrm>
+          <a:prstGeom prst="straightConnector1">
+            <a:avLst/>
+          </a:prstGeom>
+          <a:ln>
+            <a:tailEnd type="arrow"/>
+          </a:ln>
+        </p:spPr>
+        <p:style>
+          <a:lnRef idx="2">
+            <a:schemeClr val="accent1"/>
+          </a:lnRef>
+          <a:fillRef idx="0">
+            <a:schemeClr val="accent1"/>
+          </a:fillRef>
+          <a:effectRef idx="1">
+            <a:schemeClr val="accent1"/>
+          </a:effectRef>
+          <a:fontRef idx="minor">
+            <a:schemeClr val="tx1"/>
+          </a:fontRef>
+        </p:style>
+      </p:cxnSp>
+      <p:graphicFrame>
+        <p:nvGraphicFramePr>
+          <p:cNvPr id="12" name="Diagram 11"/>
+          <p:cNvGraphicFramePr/>
+          <p:nvPr>
+            <p:extLst>
+              <p:ext uri="{D42A27DB-BD31-4B8C-83A1-F6EECF244321}">
+                <p14:modId xmlns:p14="http://schemas.microsoft.com/office/powerpoint/2010/main" val="3477675954"/>
+              </p:ext>
+            </p:extLst>
+          </p:nvPr>
+        </p:nvGraphicFramePr>
+        <p:xfrm>
+          <a:off x="5044649" y="4362891"/>
+          <a:ext cx="2111474" cy="1389725"/>
+        </p:xfrm>
+        <a:graphic>
+          <a:graphicData uri="http://schemas.openxmlformats.org/drawingml/2006/diagram">
+            <dgm:relIds xmlns:dgm="http://schemas.openxmlformats.org/drawingml/2006/diagram" xmlns:r="http://schemas.openxmlformats.org/officeDocument/2006/relationships" r:dm="rId13" r:lo="rId14" r:qs="rId15" r:cs="rId16"/>
+          </a:graphicData>
+        </a:graphic>
+      </p:graphicFrame>
+      <p:cxnSp>
+        <p:nvCxnSpPr>
+          <p:cNvPr id="13" name="Straight Arrow Connector 12"/>
+          <p:cNvCxnSpPr/>
+          <p:nvPr/>
+        </p:nvCxnSpPr>
+        <p:spPr>
+          <a:xfrm>
+            <a:off x="5900874" y="3731390"/>
+            <a:ext cx="6635" cy="475972"/>
+          </a:xfrm>
+          <a:prstGeom prst="straightConnector1">
+            <a:avLst/>
+          </a:prstGeom>
+          <a:ln>
+            <a:tailEnd type="arrow"/>
+          </a:ln>
+        </p:spPr>
+        <p:style>
+          <a:lnRef idx="2">
+            <a:schemeClr val="accent1"/>
+          </a:lnRef>
+          <a:fillRef idx="0">
+            <a:schemeClr val="accent1"/>
+          </a:fillRef>
+          <a:effectRef idx="1">
+            <a:schemeClr val="accent1"/>
+          </a:effectRef>
+          <a:fontRef idx="minor">
+            <a:schemeClr val="tx1"/>
+          </a:fontRef>
+        </p:style>
+      </p:cxnSp>
+      <p:graphicFrame>
+        <p:nvGraphicFramePr>
+          <p:cNvPr id="18" name="Diagram 17"/>
+          <p:cNvGraphicFramePr/>
+          <p:nvPr>
+            <p:extLst>
+              <p:ext uri="{D42A27DB-BD31-4B8C-83A1-F6EECF244321}">
+                <p14:modId xmlns:p14="http://schemas.microsoft.com/office/powerpoint/2010/main" val="74795763"/>
+              </p:ext>
+            </p:extLst>
+          </p:nvPr>
+        </p:nvGraphicFramePr>
+        <p:xfrm>
+          <a:off x="1881449" y="4540445"/>
+          <a:ext cx="1704418" cy="2091286"/>
+        </p:xfrm>
+        <a:graphic>
+          <a:graphicData uri="http://schemas.openxmlformats.org/drawingml/2006/diagram">
+            <dgm:relIds xmlns:dgm="http://schemas.openxmlformats.org/drawingml/2006/diagram" xmlns:r="http://schemas.openxmlformats.org/officeDocument/2006/relationships" r:dm="rId18" r:lo="rId19" r:qs="rId20" r:cs="rId21"/>
+          </a:graphicData>
+        </a:graphic>
+      </p:graphicFrame>
+      <p:cxnSp>
+        <p:nvCxnSpPr>
+          <p:cNvPr id="20" name="Straight Connector 19"/>
+          <p:cNvCxnSpPr/>
+          <p:nvPr/>
+        </p:nvCxnSpPr>
+        <p:spPr>
+          <a:xfrm>
+            <a:off x="3585867" y="5171234"/>
+            <a:ext cx="1458782" cy="0"/>
+          </a:xfrm>
+          <a:prstGeom prst="line">
+            <a:avLst/>
+          </a:prstGeom>
+        </p:spPr>
+        <p:style>
+          <a:lnRef idx="2">
+            <a:schemeClr val="accent1"/>
+          </a:lnRef>
+          <a:fillRef idx="0">
+            <a:schemeClr val="accent1"/>
+          </a:fillRef>
+          <a:effectRef idx="1">
+            <a:schemeClr val="accent1"/>
+          </a:effectRef>
+          <a:fontRef idx="minor">
+            <a:schemeClr val="tx1"/>
+          </a:fontRef>
+        </p:style>
+      </p:cxnSp>
+    </p:spTree>
+    <p:extLst>
+      <p:ext uri="{BB962C8B-B14F-4D97-AF65-F5344CB8AC3E}">
+        <p14:creationId xmlns:p14="http://schemas.microsoft.com/office/powerpoint/2010/main" val="2575030125"/>
+      </p:ext>
+    </p:extLst>
+  </p:cSld>
+  <p:clrMapOvr>
+    <a:masterClrMapping/>
+  </p:clrMapOvr>
+  <p:timing>
+    <p:tnLst>
+      <p:par>
+        <p:cTn xmlns:p14="http://schemas.microsoft.com/office/powerpoint/2010/main" id="1" dur="indefinite" restart="never" nodeType="tmRoot"/>
+      </p:par>
+    </p:tnLst>
+  </p:timing>
+</p:sld>
+</file>
+
+<file path=ppt/slides/slide12.xml><?xml version="1.0" encoding="utf-8"?>
+<p:sld xmlns:a="http://schemas.openxmlformats.org/drawingml/2006/main" xmlns:r="http://schemas.openxmlformats.org/officeDocument/2006/relationships" xmlns:p="http://schemas.openxmlformats.org/presentationml/2006/main">
+  <p:cSld>
+    <p:spTree>
+      <p:nvGrpSpPr>
+        <p:cNvPr id="1" name=""/>
+        <p:cNvGrpSpPr/>
+        <p:nvPr/>
+      </p:nvGrpSpPr>
+      <p:grpSpPr>
+        <a:xfrm>
+          <a:off x="0" y="0"/>
+          <a:ext cx="0" cy="0"/>
+          <a:chOff x="0" y="0"/>
+          <a:chExt cx="0" cy="0"/>
+        </a:xfrm>
+      </p:grpSpPr>
+      <p:sp>
+        <p:nvSpPr>
+          <p:cNvPr id="2" name="Title 1"/>
+          <p:cNvSpPr>
+            <a:spLocks noGrp="1"/>
+          </p:cNvSpPr>
+          <p:nvPr>
+            <p:ph type="ctrTitle"/>
+          </p:nvPr>
+        </p:nvSpPr>
+        <p:spPr>
+          <a:xfrm>
+            <a:off x="685800" y="-3210333"/>
+            <a:ext cx="7772400" cy="4267200"/>
+          </a:xfrm>
+        </p:spPr>
+        <p:txBody>
+          <a:bodyPr/>
+          <a:lstStyle/>
+          <a:p>
+            <a:r>
+              <a:rPr lang="en-US" sz="3500" u="sng" dirty="0">
+                <a:solidFill>
+                  <a:schemeClr val="tx1">
+                    <a:lumMod val="65000"/>
+                    <a:lumOff val="35000"/>
+                  </a:schemeClr>
+                </a:solidFill>
+              </a:rPr>
+              <a:t>3</a:t>
+            </a:r>
+            <a:r>
+              <a:rPr lang="en-US" sz="3500" u="sng" dirty="0" smtClean="0">
+                <a:solidFill>
+                  <a:schemeClr val="tx1">
+                    <a:lumMod val="65000"/>
+                    <a:lumOff val="35000"/>
+                  </a:schemeClr>
+                </a:solidFill>
+              </a:rPr>
+              <a:t>.</a:t>
+            </a:r>
+            <a:r>
+              <a:rPr lang="en-US" sz="3500" dirty="0" smtClean="0">
+                <a:solidFill>
+                  <a:schemeClr val="tx1">
+                    <a:lumMod val="65000"/>
+                    <a:lumOff val="35000"/>
+                  </a:schemeClr>
+                </a:solidFill>
+              </a:rPr>
+              <a:t> </a:t>
+            </a:r>
+            <a:r>
+              <a:rPr lang="en-US" sz="3500" u="sng" dirty="0" smtClean="0">
+                <a:solidFill>
+                  <a:schemeClr val="tx1">
+                    <a:lumMod val="65000"/>
+                    <a:lumOff val="35000"/>
+                  </a:schemeClr>
+                </a:solidFill>
+              </a:rPr>
+              <a:t>Database</a:t>
+            </a:r>
+            <a:endParaRPr lang="en-US" sz="3500" u="sng" dirty="0">
+              <a:solidFill>
+                <a:schemeClr val="tx1">
+                  <a:lumMod val="65000"/>
+                  <a:lumOff val="35000"/>
+                </a:schemeClr>
+              </a:solidFill>
+            </a:endParaRPr>
+          </a:p>
+        </p:txBody>
+      </p:sp>
+      <p:pic>
+        <p:nvPicPr>
+          <p:cNvPr id="5" name="Picture 4" descr="Logo.png"/>
+          <p:cNvPicPr>
+            <a:picLocks noChangeAspect="1"/>
+          </p:cNvPicPr>
+          <p:nvPr/>
+        </p:nvPicPr>
+        <p:blipFill>
+          <a:blip r:embed="rId2" cstate="print">
+            <a:extLst>
+              <a:ext uri="{28A0092B-C50C-407E-A947-70E740481C1C}">
+                <a14:useLocalDpi xmlns:a14="http://schemas.microsoft.com/office/drawing/2010/main" val="0"/>
+              </a:ext>
+            </a:extLst>
+          </a:blip>
+          <a:stretch>
+            <a:fillRect/>
+          </a:stretch>
+        </p:blipFill>
+        <p:spPr>
+          <a:xfrm>
+            <a:off x="3475205" y="6143475"/>
+            <a:ext cx="2432304" cy="573024"/>
+          </a:xfrm>
+          <a:prstGeom prst="rect">
+            <a:avLst/>
+          </a:prstGeom>
+        </p:spPr>
+      </p:pic>
+      <p:sp>
+        <p:nvSpPr>
+          <p:cNvPr id="3" name="TextBox 2"/>
+          <p:cNvSpPr txBox="1"/>
+          <p:nvPr/>
+        </p:nvSpPr>
+        <p:spPr>
+          <a:xfrm>
+            <a:off x="810930" y="1087466"/>
+            <a:ext cx="7527878" cy="4878258"/>
+          </a:xfrm>
+          <a:prstGeom prst="rect">
+            <a:avLst/>
+          </a:prstGeom>
+          <a:noFill/>
+        </p:spPr>
+        <p:txBody>
+          <a:bodyPr wrap="square" rtlCol="0">
+            <a:spAutoFit/>
+          </a:bodyPr>
+          <a:lstStyle/>
+          <a:p>
+            <a:r>
+              <a:rPr lang="en-US" sz="2500" b="1" u="sng" dirty="0" smtClean="0">
+                <a:solidFill>
+                  <a:srgbClr val="595959"/>
+                </a:solidFill>
+              </a:rPr>
+              <a:t>Database main functionalities:</a:t>
+            </a:r>
+          </a:p>
+          <a:p>
+            <a:pPr marL="457200" indent="-457200">
+              <a:buFont typeface="+mj-lt"/>
+              <a:buAutoNum type="arabicPeriod"/>
+            </a:pPr>
+            <a:r>
+              <a:rPr lang="en-US" sz="2200" b="1" dirty="0" smtClean="0">
+                <a:solidFill>
+                  <a:srgbClr val="595959"/>
+                </a:solidFill>
+              </a:rPr>
+              <a:t>Persistent-storage </a:t>
+            </a:r>
+            <a:r>
+              <a:rPr lang="en-US" sz="2200" dirty="0" smtClean="0">
+                <a:solidFill>
+                  <a:srgbClr val="595959"/>
+                </a:solidFill>
+              </a:rPr>
+              <a:t>on both primary and secondary DB.</a:t>
+            </a:r>
+          </a:p>
+          <a:p>
+            <a:pPr>
+              <a:lnSpc>
+                <a:spcPct val="50000"/>
+              </a:lnSpc>
+            </a:pPr>
+            <a:endParaRPr lang="en-US" sz="2200" dirty="0" smtClean="0">
+              <a:solidFill>
+                <a:srgbClr val="595959"/>
+              </a:solidFill>
+            </a:endParaRPr>
+          </a:p>
+          <a:p>
+            <a:pPr marL="457200" indent="-457200">
+              <a:buFont typeface="+mj-lt"/>
+              <a:buAutoNum type="arabicPeriod"/>
+            </a:pPr>
+            <a:r>
+              <a:rPr lang="en-US" sz="2200" dirty="0" smtClean="0">
+                <a:solidFill>
+                  <a:srgbClr val="595959"/>
+                </a:solidFill>
+              </a:rPr>
+              <a:t>Back-End application communicates with the </a:t>
+            </a:r>
+            <a:r>
+              <a:rPr lang="en-US" sz="2200" b="1" dirty="0" smtClean="0">
+                <a:solidFill>
+                  <a:srgbClr val="595959"/>
+                </a:solidFill>
+              </a:rPr>
+              <a:t>Primary Database </a:t>
+            </a:r>
+            <a:r>
+              <a:rPr lang="en-US" sz="2200" dirty="0" smtClean="0">
+                <a:solidFill>
+                  <a:srgbClr val="595959"/>
+                </a:solidFill>
+              </a:rPr>
+              <a:t>which offers the highest R/W speeds.</a:t>
+            </a:r>
+          </a:p>
+          <a:p>
+            <a:pPr>
+              <a:lnSpc>
+                <a:spcPct val="50000"/>
+              </a:lnSpc>
+            </a:pPr>
+            <a:endParaRPr lang="en-US" sz="2200" dirty="0" smtClean="0">
+              <a:solidFill>
+                <a:srgbClr val="595959"/>
+              </a:solidFill>
+            </a:endParaRPr>
+          </a:p>
+          <a:p>
+            <a:pPr marL="457200" indent="-457200">
+              <a:buFont typeface="+mj-lt"/>
+              <a:buAutoNum type="arabicPeriod"/>
+            </a:pPr>
+            <a:r>
+              <a:rPr lang="en-US" sz="2200" dirty="0" smtClean="0">
+                <a:solidFill>
+                  <a:srgbClr val="595959"/>
+                </a:solidFill>
+              </a:rPr>
+              <a:t>Back-End application communicates with the </a:t>
+            </a:r>
+            <a:r>
+              <a:rPr lang="en-US" sz="2200" b="1" dirty="0" smtClean="0">
+                <a:solidFill>
+                  <a:srgbClr val="595959"/>
+                </a:solidFill>
+              </a:rPr>
+              <a:t>Secondary Database </a:t>
+            </a:r>
+            <a:r>
+              <a:rPr lang="en-US" sz="2200" dirty="0" smtClean="0">
+                <a:solidFill>
+                  <a:srgbClr val="595959"/>
+                </a:solidFill>
+              </a:rPr>
+              <a:t>in case of </a:t>
+            </a:r>
+            <a:r>
+              <a:rPr lang="en-US" sz="2200" b="1" dirty="0" smtClean="0">
+                <a:solidFill>
+                  <a:srgbClr val="595959"/>
+                </a:solidFill>
+              </a:rPr>
+              <a:t>failure</a:t>
+            </a:r>
+            <a:r>
+              <a:rPr lang="en-US" sz="2200" dirty="0" smtClean="0">
+                <a:solidFill>
+                  <a:srgbClr val="595959"/>
+                </a:solidFill>
+              </a:rPr>
+              <a:t> – the connection is </a:t>
+            </a:r>
+            <a:r>
+              <a:rPr lang="en-US" sz="2200" b="1" dirty="0" smtClean="0">
+                <a:solidFill>
+                  <a:srgbClr val="595959"/>
+                </a:solidFill>
+              </a:rPr>
+              <a:t>hot-swappable </a:t>
+            </a:r>
+            <a:r>
+              <a:rPr lang="en-US" sz="2200" dirty="0" smtClean="0">
+                <a:solidFill>
+                  <a:srgbClr val="595959"/>
+                </a:solidFill>
+              </a:rPr>
+              <a:t>and </a:t>
+            </a:r>
+            <a:r>
+              <a:rPr lang="en-US" sz="2200" b="1" dirty="0" smtClean="0">
+                <a:solidFill>
+                  <a:srgbClr val="595959"/>
+                </a:solidFill>
+              </a:rPr>
+              <a:t>transparent</a:t>
+            </a:r>
+            <a:r>
+              <a:rPr lang="en-US" sz="2200" dirty="0" smtClean="0">
+                <a:solidFill>
+                  <a:srgbClr val="595959"/>
+                </a:solidFill>
+              </a:rPr>
+              <a:t> to the server-node.</a:t>
+            </a:r>
+          </a:p>
+          <a:p>
+            <a:pPr>
+              <a:lnSpc>
+                <a:spcPct val="50000"/>
+              </a:lnSpc>
+            </a:pPr>
+            <a:endParaRPr lang="en-US" sz="2200" dirty="0" smtClean="0">
+              <a:solidFill>
+                <a:srgbClr val="595959"/>
+              </a:solidFill>
+            </a:endParaRPr>
+          </a:p>
+          <a:p>
+            <a:pPr marL="457200" indent="-457200">
+              <a:buFont typeface="+mj-lt"/>
+              <a:buAutoNum type="arabicPeriod"/>
+            </a:pPr>
+            <a:r>
+              <a:rPr lang="en-US" sz="2200" dirty="0" smtClean="0">
+                <a:solidFill>
+                  <a:srgbClr val="595959"/>
+                </a:solidFill>
+              </a:rPr>
+              <a:t>Secondary DB </a:t>
+            </a:r>
+            <a:r>
+              <a:rPr lang="en-US" sz="2200" b="1" dirty="0" smtClean="0">
+                <a:solidFill>
+                  <a:srgbClr val="595959"/>
+                </a:solidFill>
+              </a:rPr>
+              <a:t>updated</a:t>
+            </a:r>
+            <a:r>
+              <a:rPr lang="en-US" sz="2200" dirty="0" smtClean="0">
+                <a:solidFill>
+                  <a:srgbClr val="595959"/>
+                </a:solidFill>
+              </a:rPr>
+              <a:t> regularly as </a:t>
+            </a:r>
+            <a:r>
+              <a:rPr lang="en-US" sz="2200" b="1" dirty="0" smtClean="0">
+                <a:solidFill>
+                  <a:srgbClr val="595959"/>
+                </a:solidFill>
+              </a:rPr>
+              <a:t>back-up </a:t>
+            </a:r>
+            <a:r>
+              <a:rPr lang="en-US" sz="2200" dirty="0" smtClean="0">
+                <a:solidFill>
+                  <a:srgbClr val="595959"/>
+                </a:solidFill>
+              </a:rPr>
+              <a:t>of Primary DB : </a:t>
+            </a:r>
+            <a:r>
+              <a:rPr lang="en-US" sz="2200" i="1" dirty="0" smtClean="0">
+                <a:solidFill>
+                  <a:srgbClr val="595959"/>
+                </a:solidFill>
+              </a:rPr>
+              <a:t>high fault tolerance</a:t>
+            </a:r>
+            <a:r>
+              <a:rPr lang="en-US" sz="2200" dirty="0" smtClean="0">
+                <a:solidFill>
+                  <a:srgbClr val="595959"/>
+                </a:solidFill>
+              </a:rPr>
+              <a:t>.</a:t>
+            </a:r>
+          </a:p>
+        </p:txBody>
+      </p:sp>
+    </p:spTree>
+    <p:extLst>
+      <p:ext uri="{BB962C8B-B14F-4D97-AF65-F5344CB8AC3E}">
+        <p14:creationId xmlns:p14="http://schemas.microsoft.com/office/powerpoint/2010/main" val="1498883738"/>
+      </p:ext>
+    </p:extLst>
+  </p:cSld>
+  <p:clrMapOvr>
+    <a:masterClrMapping/>
+  </p:clrMapOvr>
+  <p:timing>
+    <p:tnLst>
+      <p:par>
+        <p:cTn xmlns:p14="http://schemas.microsoft.com/office/powerpoint/2010/main" id="1" dur="indefinite" restart="never" nodeType="tmRoot"/>
+      </p:par>
+    </p:tnLst>
+  </p:timing>
+</p:sld>
+</file>
+
+<file path=ppt/slides/slide13.xml><?xml version="1.0" encoding="utf-8"?>
+<p:sld xmlns:a="http://schemas.openxmlformats.org/drawingml/2006/main" xmlns:r="http://schemas.openxmlformats.org/officeDocument/2006/relationships" xmlns:p="http://schemas.openxmlformats.org/presentationml/2006/main">
+  <p:cSld>
+    <p:spTree>
+      <p:nvGrpSpPr>
+        <p:cNvPr id="1" name=""/>
+        <p:cNvGrpSpPr/>
+        <p:nvPr/>
+      </p:nvGrpSpPr>
+      <p:grpSpPr>
+        <a:xfrm>
+          <a:off x="0" y="0"/>
+          <a:ext cx="0" cy="0"/>
+          <a:chOff x="0" y="0"/>
+          <a:chExt cx="0" cy="0"/>
+        </a:xfrm>
+      </p:grpSpPr>
+      <p:sp>
+        <p:nvSpPr>
+          <p:cNvPr id="2" name="Title 1"/>
+          <p:cNvSpPr>
+            <a:spLocks noGrp="1"/>
+          </p:cNvSpPr>
+          <p:nvPr>
+            <p:ph type="ctrTitle"/>
+          </p:nvPr>
+        </p:nvSpPr>
+        <p:spPr>
+          <a:xfrm>
+            <a:off x="685800" y="-3210333"/>
+            <a:ext cx="7772400" cy="4267200"/>
+          </a:xfrm>
+        </p:spPr>
+        <p:txBody>
+          <a:bodyPr/>
+          <a:lstStyle/>
+          <a:p>
+            <a:r>
+              <a:rPr lang="en-US" sz="3500" u="sng" dirty="0">
+                <a:solidFill>
+                  <a:schemeClr val="tx1">
+                    <a:lumMod val="65000"/>
+                    <a:lumOff val="35000"/>
+                  </a:schemeClr>
+                </a:solidFill>
+              </a:rPr>
+              <a:t>4</a:t>
+            </a:r>
+            <a:r>
+              <a:rPr lang="en-US" sz="3500" u="sng" dirty="0" smtClean="0">
+                <a:solidFill>
+                  <a:schemeClr val="tx1">
+                    <a:lumMod val="65000"/>
+                    <a:lumOff val="35000"/>
+                  </a:schemeClr>
+                </a:solidFill>
+              </a:rPr>
+              <a:t>.</a:t>
+            </a:r>
+            <a:r>
+              <a:rPr lang="en-US" sz="3500" dirty="0" smtClean="0">
+                <a:solidFill>
+                  <a:schemeClr val="tx1">
+                    <a:lumMod val="65000"/>
+                    <a:lumOff val="35000"/>
+                  </a:schemeClr>
+                </a:solidFill>
+              </a:rPr>
+              <a:t> </a:t>
+            </a:r>
+            <a:r>
+              <a:rPr lang="en-US" sz="3500" u="sng" dirty="0" smtClean="0">
+                <a:solidFill>
+                  <a:schemeClr val="tx1">
+                    <a:lumMod val="65000"/>
+                    <a:lumOff val="35000"/>
+                  </a:schemeClr>
+                </a:solidFill>
+              </a:rPr>
+              <a:t>Algorithm Design</a:t>
+            </a:r>
+            <a:endParaRPr lang="en-US" sz="3500" u="sng" dirty="0">
+              <a:solidFill>
+                <a:schemeClr val="tx1">
+                  <a:lumMod val="65000"/>
+                  <a:lumOff val="35000"/>
+                </a:schemeClr>
+              </a:solidFill>
+            </a:endParaRPr>
+          </a:p>
+        </p:txBody>
+      </p:sp>
+      <p:pic>
+        <p:nvPicPr>
+          <p:cNvPr id="5" name="Picture 4" descr="Logo.png"/>
+          <p:cNvPicPr>
+            <a:picLocks noChangeAspect="1"/>
+          </p:cNvPicPr>
+          <p:nvPr/>
+        </p:nvPicPr>
+        <p:blipFill>
+          <a:blip r:embed="rId2" cstate="print">
+            <a:extLst>
+              <a:ext uri="{28A0092B-C50C-407E-A947-70E740481C1C}">
+                <a14:useLocalDpi xmlns:a14="http://schemas.microsoft.com/office/drawing/2010/main" val="0"/>
+              </a:ext>
+            </a:extLst>
+          </a:blip>
+          <a:stretch>
+            <a:fillRect/>
+          </a:stretch>
+        </p:blipFill>
+        <p:spPr>
+          <a:xfrm>
+            <a:off x="3475205" y="6143475"/>
+            <a:ext cx="2432304" cy="573024"/>
+          </a:xfrm>
+          <a:prstGeom prst="rect">
+            <a:avLst/>
+          </a:prstGeom>
+        </p:spPr>
+      </p:pic>
+      <p:sp>
+        <p:nvSpPr>
+          <p:cNvPr id="4" name="TextBox 3"/>
+          <p:cNvSpPr txBox="1"/>
+          <p:nvPr/>
+        </p:nvSpPr>
+        <p:spPr>
+          <a:xfrm>
+            <a:off x="685800" y="1407554"/>
+            <a:ext cx="7772400" cy="3647152"/>
+          </a:xfrm>
+          <a:prstGeom prst="rect">
+            <a:avLst/>
+          </a:prstGeom>
+          <a:noFill/>
+        </p:spPr>
+        <p:txBody>
+          <a:bodyPr wrap="square" rtlCol="0">
+            <a:spAutoFit/>
+          </a:bodyPr>
+          <a:lstStyle/>
+          <a:p>
+            <a:r>
+              <a:rPr lang="en-US" dirty="0" smtClean="0">
+                <a:solidFill>
+                  <a:srgbClr val="595959"/>
+                </a:solidFill>
+              </a:rPr>
+              <a:t>Code written on </a:t>
+            </a:r>
+            <a:r>
+              <a:rPr lang="en-US" b="1" dirty="0" smtClean="0">
+                <a:solidFill>
+                  <a:srgbClr val="595959"/>
+                </a:solidFill>
+              </a:rPr>
+              <a:t>Java EE platform </a:t>
+            </a:r>
+            <a:r>
+              <a:rPr lang="en-US" dirty="0" smtClean="0">
+                <a:solidFill>
+                  <a:srgbClr val="595959"/>
+                </a:solidFill>
+              </a:rPr>
+              <a:t>for enterprise software development including network and web-services using </a:t>
+            </a:r>
+            <a:r>
+              <a:rPr lang="en-US" b="1" dirty="0" smtClean="0">
+                <a:solidFill>
+                  <a:srgbClr val="595959"/>
+                </a:solidFill>
+              </a:rPr>
+              <a:t>Glassfish</a:t>
+            </a:r>
+            <a:r>
+              <a:rPr lang="en-US" dirty="0" smtClean="0">
+                <a:solidFill>
+                  <a:srgbClr val="595959"/>
+                </a:solidFill>
+              </a:rPr>
+              <a:t> as application server.</a:t>
+            </a:r>
+          </a:p>
+          <a:p>
+            <a:endParaRPr lang="en-US" dirty="0">
+              <a:solidFill>
+                <a:srgbClr val="595959"/>
+              </a:solidFill>
+            </a:endParaRPr>
+          </a:p>
+          <a:p>
+            <a:r>
+              <a:rPr lang="en-US" sz="2200" dirty="0" smtClean="0">
+                <a:solidFill>
+                  <a:srgbClr val="595959"/>
+                </a:solidFill>
+              </a:rPr>
+              <a:t>General coding rules:</a:t>
+            </a:r>
+          </a:p>
+          <a:p>
+            <a:pPr>
+              <a:lnSpc>
+                <a:spcPct val="50000"/>
+              </a:lnSpc>
+            </a:pPr>
+            <a:endParaRPr lang="en-US" dirty="0" smtClean="0">
+              <a:solidFill>
+                <a:srgbClr val="595959"/>
+              </a:solidFill>
+            </a:endParaRPr>
+          </a:p>
+          <a:p>
+            <a:pPr marL="285750" indent="-285750">
+              <a:buFont typeface="Arial"/>
+              <a:buChar char="•"/>
+            </a:pPr>
+            <a:r>
+              <a:rPr lang="en-US" sz="2200" b="1" dirty="0" smtClean="0">
+                <a:solidFill>
+                  <a:srgbClr val="595959"/>
+                </a:solidFill>
+              </a:rPr>
+              <a:t>Encapsulation</a:t>
+            </a:r>
+            <a:r>
+              <a:rPr lang="en-US" sz="2200" dirty="0" smtClean="0">
+                <a:solidFill>
+                  <a:srgbClr val="595959"/>
+                </a:solidFill>
+              </a:rPr>
+              <a:t>,  </a:t>
+            </a:r>
+            <a:r>
+              <a:rPr lang="en-US" sz="2200" b="1" dirty="0" smtClean="0">
+                <a:solidFill>
+                  <a:srgbClr val="595959"/>
+                </a:solidFill>
+              </a:rPr>
+              <a:t>inheritance</a:t>
+            </a:r>
+            <a:r>
+              <a:rPr lang="en-US" sz="2200" dirty="0" smtClean="0">
+                <a:solidFill>
+                  <a:srgbClr val="595959"/>
+                </a:solidFill>
+              </a:rPr>
+              <a:t> and </a:t>
+            </a:r>
+            <a:r>
+              <a:rPr lang="en-US" sz="2200" b="1" dirty="0" smtClean="0">
+                <a:solidFill>
+                  <a:srgbClr val="595959"/>
+                </a:solidFill>
+              </a:rPr>
+              <a:t>polymorphism</a:t>
+            </a:r>
+            <a:r>
+              <a:rPr lang="en-US" sz="2200" dirty="0" smtClean="0">
+                <a:solidFill>
+                  <a:srgbClr val="595959"/>
+                </a:solidFill>
+              </a:rPr>
+              <a:t>.</a:t>
+            </a:r>
+          </a:p>
+          <a:p>
+            <a:pPr marL="285750" indent="-285750">
+              <a:buFont typeface="Arial"/>
+              <a:buChar char="•"/>
+            </a:pPr>
+            <a:r>
+              <a:rPr lang="en-US" sz="2200" dirty="0" smtClean="0">
+                <a:solidFill>
+                  <a:srgbClr val="595959"/>
+                </a:solidFill>
+              </a:rPr>
+              <a:t>Promote </a:t>
+            </a:r>
+            <a:r>
+              <a:rPr lang="en-US" sz="2200" b="1" dirty="0" smtClean="0">
+                <a:solidFill>
+                  <a:srgbClr val="595959"/>
+                </a:solidFill>
+              </a:rPr>
+              <a:t>code reuse  </a:t>
+            </a:r>
+            <a:r>
+              <a:rPr lang="en-US" sz="2200" dirty="0" smtClean="0">
+                <a:solidFill>
+                  <a:srgbClr val="595959"/>
+                </a:solidFill>
+              </a:rPr>
+              <a:t>and follow common </a:t>
+            </a:r>
+            <a:r>
+              <a:rPr lang="en-US" sz="2200" b="1" dirty="0" smtClean="0">
+                <a:solidFill>
+                  <a:srgbClr val="595959"/>
+                </a:solidFill>
+              </a:rPr>
+              <a:t>Design Patterns</a:t>
+            </a:r>
+            <a:r>
+              <a:rPr lang="en-US" sz="2200" dirty="0" smtClean="0">
+                <a:solidFill>
+                  <a:srgbClr val="595959"/>
+                </a:solidFill>
+              </a:rPr>
+              <a:t>.</a:t>
+            </a:r>
+          </a:p>
+          <a:p>
+            <a:pPr marL="285750" indent="-285750">
+              <a:buFont typeface="Arial"/>
+              <a:buChar char="•"/>
+            </a:pPr>
+            <a:r>
+              <a:rPr lang="en-US" sz="2200" b="1" dirty="0" smtClean="0">
+                <a:solidFill>
+                  <a:srgbClr val="595959"/>
+                </a:solidFill>
+              </a:rPr>
+              <a:t>Document</a:t>
+            </a:r>
+            <a:r>
+              <a:rPr lang="en-US" sz="2200" dirty="0" smtClean="0">
+                <a:solidFill>
+                  <a:srgbClr val="595959"/>
+                </a:solidFill>
+              </a:rPr>
+              <a:t> and </a:t>
+            </a:r>
+            <a:r>
+              <a:rPr lang="en-US" sz="2200" b="1" dirty="0" smtClean="0">
+                <a:solidFill>
+                  <a:srgbClr val="595959"/>
+                </a:solidFill>
+              </a:rPr>
+              <a:t>comment</a:t>
+            </a:r>
+            <a:r>
+              <a:rPr lang="en-US" sz="2200" dirty="0" smtClean="0">
+                <a:solidFill>
+                  <a:srgbClr val="595959"/>
+                </a:solidFill>
+              </a:rPr>
+              <a:t> code in order to promote simple </a:t>
+            </a:r>
+            <a:r>
+              <a:rPr lang="en-US" sz="2200" b="1" dirty="0" smtClean="0">
+                <a:solidFill>
+                  <a:srgbClr val="595959"/>
+                </a:solidFill>
+              </a:rPr>
+              <a:t>refactoring</a:t>
+            </a:r>
+            <a:r>
+              <a:rPr lang="en-US" sz="2200" dirty="0" smtClean="0">
+                <a:solidFill>
+                  <a:srgbClr val="595959"/>
+                </a:solidFill>
+              </a:rPr>
+              <a:t> and </a:t>
+            </a:r>
+            <a:r>
+              <a:rPr lang="en-US" sz="2200" b="1" dirty="0" smtClean="0">
+                <a:solidFill>
+                  <a:srgbClr val="595959"/>
+                </a:solidFill>
+              </a:rPr>
+              <a:t>maintenance</a:t>
+            </a:r>
+            <a:r>
+              <a:rPr lang="en-US" sz="2200" dirty="0" smtClean="0">
+                <a:solidFill>
+                  <a:srgbClr val="595959"/>
+                </a:solidFill>
+              </a:rPr>
+              <a:t>.</a:t>
+            </a:r>
+          </a:p>
+          <a:p>
+            <a:endParaRPr lang="en-US" dirty="0"/>
+          </a:p>
+        </p:txBody>
+      </p:sp>
+    </p:spTree>
+    <p:extLst>
+      <p:ext uri="{BB962C8B-B14F-4D97-AF65-F5344CB8AC3E}">
+        <p14:creationId xmlns:p14="http://schemas.microsoft.com/office/powerpoint/2010/main" val="4194087840"/>
+      </p:ext>
+    </p:extLst>
+  </p:cSld>
+  <p:clrMapOvr>
+    <a:masterClrMapping/>
+  </p:clrMapOvr>
+  <p:timing>
+    <p:tnLst>
+      <p:par>
+        <p:cTn xmlns:p14="http://schemas.microsoft.com/office/powerpoint/2010/main" id="1" dur="indefinite" restart="never" nodeType="tmRoot"/>
+      </p:par>
+    </p:tnLst>
+  </p:timing>
+</p:sld>
+</file>
+
+<file path=ppt/slides/slide14.xml><?xml version="1.0" encoding="utf-8"?>
+<p:sld xmlns:a="http://schemas.openxmlformats.org/drawingml/2006/main" xmlns:r="http://schemas.openxmlformats.org/officeDocument/2006/relationships" xmlns:p="http://schemas.openxmlformats.org/presentationml/2006/main">
+  <p:cSld>
+    <p:spTree>
+      <p:nvGrpSpPr>
+        <p:cNvPr id="1" name=""/>
+        <p:cNvGrpSpPr/>
+        <p:nvPr/>
+      </p:nvGrpSpPr>
+      <p:grpSpPr>
+        <a:xfrm>
+          <a:off x="0" y="0"/>
+          <a:ext cx="0" cy="0"/>
+          <a:chOff x="0" y="0"/>
+          <a:chExt cx="0" cy="0"/>
+        </a:xfrm>
+      </p:grpSpPr>
+      <p:sp>
+        <p:nvSpPr>
+          <p:cNvPr id="2" name="Title 1"/>
+          <p:cNvSpPr>
+            <a:spLocks noGrp="1"/>
+          </p:cNvSpPr>
+          <p:nvPr>
+            <p:ph type="ctrTitle"/>
+          </p:nvPr>
+        </p:nvSpPr>
+        <p:spPr>
+          <a:xfrm>
+            <a:off x="685800" y="-3210333"/>
+            <a:ext cx="7772400" cy="4267200"/>
+          </a:xfrm>
+        </p:spPr>
+        <p:txBody>
+          <a:bodyPr/>
+          <a:lstStyle/>
+          <a:p>
+            <a:r>
+              <a:rPr lang="en-US" sz="3500" u="sng" dirty="0">
+                <a:solidFill>
+                  <a:schemeClr val="tx1">
+                    <a:lumMod val="65000"/>
+                    <a:lumOff val="35000"/>
+                  </a:schemeClr>
+                </a:solidFill>
+              </a:rPr>
+              <a:t>4</a:t>
+            </a:r>
+            <a:r>
+              <a:rPr lang="en-US" sz="3500" u="sng" dirty="0" smtClean="0">
+                <a:solidFill>
+                  <a:schemeClr val="tx1">
+                    <a:lumMod val="65000"/>
+                    <a:lumOff val="35000"/>
+                  </a:schemeClr>
+                </a:solidFill>
+              </a:rPr>
+              <a:t>.</a:t>
+            </a:r>
+            <a:r>
+              <a:rPr lang="en-US" sz="3500" dirty="0" smtClean="0">
+                <a:solidFill>
+                  <a:schemeClr val="tx1">
+                    <a:lumMod val="65000"/>
+                    <a:lumOff val="35000"/>
+                  </a:schemeClr>
+                </a:solidFill>
+              </a:rPr>
+              <a:t> </a:t>
+            </a:r>
+            <a:r>
+              <a:rPr lang="en-US" sz="3500" u="sng" dirty="0" smtClean="0">
+                <a:solidFill>
+                  <a:schemeClr val="tx1">
+                    <a:lumMod val="65000"/>
+                    <a:lumOff val="35000"/>
+                  </a:schemeClr>
+                </a:solidFill>
+              </a:rPr>
+              <a:t>Algorithm Design</a:t>
+            </a:r>
+            <a:endParaRPr lang="en-US" sz="3500" u="sng" dirty="0">
+              <a:solidFill>
+                <a:schemeClr val="tx1">
+                  <a:lumMod val="65000"/>
+                  <a:lumOff val="35000"/>
+                </a:schemeClr>
+              </a:solidFill>
+            </a:endParaRPr>
+          </a:p>
+        </p:txBody>
+      </p:sp>
+      <p:pic>
+        <p:nvPicPr>
+          <p:cNvPr id="5" name="Picture 4" descr="Logo.png"/>
+          <p:cNvPicPr>
+            <a:picLocks noChangeAspect="1"/>
+          </p:cNvPicPr>
+          <p:nvPr/>
+        </p:nvPicPr>
+        <p:blipFill>
+          <a:blip r:embed="rId2" cstate="print">
+            <a:extLst>
+              <a:ext uri="{28A0092B-C50C-407E-A947-70E740481C1C}">
+                <a14:useLocalDpi xmlns:a14="http://schemas.microsoft.com/office/drawing/2010/main" val="0"/>
+              </a:ext>
+            </a:extLst>
+          </a:blip>
+          <a:stretch>
+            <a:fillRect/>
+          </a:stretch>
+        </p:blipFill>
+        <p:spPr>
+          <a:xfrm>
+            <a:off x="3475205" y="6143475"/>
+            <a:ext cx="2432304" cy="573024"/>
+          </a:xfrm>
+          <a:prstGeom prst="rect">
+            <a:avLst/>
+          </a:prstGeom>
+        </p:spPr>
+      </p:pic>
+    </p:spTree>
+    <p:extLst>
+      <p:ext uri="{BB962C8B-B14F-4D97-AF65-F5344CB8AC3E}">
+        <p14:creationId xmlns:p14="http://schemas.microsoft.com/office/powerpoint/2010/main" val="2449243911"/>
+      </p:ext>
+    </p:extLst>
+  </p:cSld>
+  <p:clrMapOvr>
+    <a:masterClrMapping/>
+  </p:clrMapOvr>
+  <p:timing>
+    <p:tnLst>
+      <p:par>
+        <p:cTn xmlns:p14="http://schemas.microsoft.com/office/powerpoint/2010/main" id="1" dur="indefinite" restart="never" nodeType="tmRoot"/>
+      </p:par>
+    </p:tnLst>
+  </p:timing>
+</p:sld>
+</file>
+
+<file path=ppt/slides/slide2.xml><?xml version="1.0" encoding="utf-8"?>
+<p:sld xmlns:a="http://schemas.openxmlformats.org/drawingml/2006/main" xmlns:r="http://schemas.openxmlformats.org/officeDocument/2006/relationships" xmlns:p="http://schemas.openxmlformats.org/presentationml/2006/main">
+  <p:cSld>
+    <p:spTree>
+      <p:nvGrpSpPr>
+        <p:cNvPr id="1" name=""/>
+        <p:cNvGrpSpPr/>
+        <p:nvPr/>
+      </p:nvGrpSpPr>
+      <p:grpSpPr>
+        <a:xfrm>
+          <a:off x="0" y="0"/>
+          <a:ext cx="0" cy="0"/>
+          <a:chOff x="0" y="0"/>
+          <a:chExt cx="0" cy="0"/>
+        </a:xfrm>
+      </p:grpSpPr>
+      <p:sp>
+        <p:nvSpPr>
+          <p:cNvPr id="2" name="Title 1"/>
+          <p:cNvSpPr>
+            <a:spLocks noGrp="1"/>
+          </p:cNvSpPr>
+          <p:nvPr>
+            <p:ph type="ctrTitle"/>
+          </p:nvPr>
+        </p:nvSpPr>
+        <p:spPr>
+          <a:xfrm>
+            <a:off x="685800" y="-2924583"/>
+            <a:ext cx="7772400" cy="4267200"/>
+          </a:xfrm>
+        </p:spPr>
+        <p:txBody>
+          <a:bodyPr/>
+          <a:lstStyle/>
+          <a:p>
+            <a:r>
+              <a:rPr lang="en-US" sz="6000" u="sng" dirty="0" smtClean="0">
+                <a:solidFill>
+                  <a:schemeClr val="tx1">
+                    <a:lumMod val="65000"/>
+                    <a:lumOff val="35000"/>
+                  </a:schemeClr>
+                </a:solidFill>
+              </a:rPr>
+              <a:t>Overview</a:t>
+            </a:r>
+            <a:endParaRPr lang="en-US" sz="6000" u="sng" dirty="0">
+              <a:solidFill>
+                <a:schemeClr val="tx1">
+                  <a:lumMod val="65000"/>
+                  <a:lumOff val="35000"/>
+                </a:schemeClr>
+              </a:solidFill>
+            </a:endParaRPr>
+          </a:p>
+        </p:txBody>
+      </p:sp>
+      <p:pic>
+        <p:nvPicPr>
+          <p:cNvPr id="5" name="Picture 4" descr="Logo.png"/>
+          <p:cNvPicPr>
+            <a:picLocks noChangeAspect="1"/>
+          </p:cNvPicPr>
+          <p:nvPr/>
+        </p:nvPicPr>
+        <p:blipFill>
+          <a:blip r:embed="rId2" cstate="print">
+            <a:extLst>
+              <a:ext uri="{28A0092B-C50C-407E-A947-70E740481C1C}">
+                <a14:useLocalDpi xmlns:a14="http://schemas.microsoft.com/office/drawing/2010/main" val="0"/>
+              </a:ext>
+            </a:extLst>
+          </a:blip>
+          <a:stretch>
+            <a:fillRect/>
+          </a:stretch>
+        </p:blipFill>
+        <p:spPr>
+          <a:xfrm>
+            <a:off x="3475205" y="6096580"/>
+            <a:ext cx="2432304" cy="573024"/>
+          </a:xfrm>
+          <a:prstGeom prst="rect">
+            <a:avLst/>
+          </a:prstGeom>
+        </p:spPr>
+      </p:pic>
+      <p:graphicFrame>
+        <p:nvGraphicFramePr>
+          <p:cNvPr id="8" name="Diagram 7"/>
+          <p:cNvGraphicFramePr/>
+          <p:nvPr>
+            <p:extLst>
+              <p:ext uri="{D42A27DB-BD31-4B8C-83A1-F6EECF244321}">
+                <p14:modId xmlns:p14="http://schemas.microsoft.com/office/powerpoint/2010/main" val="2645272127"/>
+              </p:ext>
+            </p:extLst>
+          </p:nvPr>
+        </p:nvGraphicFramePr>
+        <p:xfrm>
+          <a:off x="1508700" y="1714551"/>
+          <a:ext cx="6096000" cy="4064000"/>
+        </p:xfrm>
+        <a:graphic>
+          <a:graphicData uri="http://schemas.openxmlformats.org/drawingml/2006/diagram">
+            <dgm:relIds xmlns:dgm="http://schemas.openxmlformats.org/drawingml/2006/diagram" xmlns:r="http://schemas.openxmlformats.org/officeDocument/2006/relationships" r:dm="rId3" r:lo="rId4" r:qs="rId5" r:cs="rId6"/>
+          </a:graphicData>
+        </a:graphic>
+      </p:graphicFrame>
+    </p:spTree>
+    <p:extLst>
+      <p:ext uri="{BB962C8B-B14F-4D97-AF65-F5344CB8AC3E}">
+        <p14:creationId xmlns:p14="http://schemas.microsoft.com/office/powerpoint/2010/main" val="983492760"/>
+      </p:ext>
+    </p:extLst>
+  </p:cSld>
+  <p:clrMapOvr>
+    <a:masterClrMapping/>
+  </p:clrMapOvr>
+  <p:timing>
+    <p:tnLst>
+      <p:par>
+        <p:cTn xmlns:p14="http://schemas.microsoft.com/office/powerpoint/2010/main" id="1" dur="indefinite" restart="never" nodeType="tmRoot"/>
+      </p:par>
+    </p:tnLst>
+  </p:timing>
+</p:sld>
+</file>
+
+<file path=ppt/slides/slide3.xml><?xml version="1.0" encoding="utf-8"?>
+<p:sld xmlns:a="http://schemas.openxmlformats.org/drawingml/2006/main" xmlns:r="http://schemas.openxmlformats.org/officeDocument/2006/relationships" xmlns:p="http://schemas.openxmlformats.org/presentationml/2006/main">
+  <p:cSld>
+    <p:spTree>
+      <p:nvGrpSpPr>
+        <p:cNvPr id="1" name=""/>
+        <p:cNvGrpSpPr/>
+        <p:nvPr/>
+      </p:nvGrpSpPr>
+      <p:grpSpPr>
+        <a:xfrm>
+          <a:off x="0" y="0"/>
+          <a:ext cx="0" cy="0"/>
+          <a:chOff x="0" y="0"/>
+          <a:chExt cx="0" cy="0"/>
+        </a:xfrm>
+      </p:grpSpPr>
+      <p:sp>
+        <p:nvSpPr>
+          <p:cNvPr id="2" name="Title 1"/>
+          <p:cNvSpPr>
+            <a:spLocks noGrp="1"/>
+          </p:cNvSpPr>
+          <p:nvPr>
+            <p:ph type="ctrTitle"/>
+          </p:nvPr>
+        </p:nvSpPr>
+        <p:spPr>
+          <a:xfrm>
+            <a:off x="685800" y="-2924583"/>
+            <a:ext cx="7772400" cy="4267200"/>
+          </a:xfrm>
+        </p:spPr>
+        <p:txBody>
+          <a:bodyPr/>
+          <a:lstStyle/>
+          <a:p>
+            <a:r>
+              <a:rPr lang="en-US" sz="4500" u="sng" dirty="0" smtClean="0">
+                <a:solidFill>
+                  <a:schemeClr val="tx1">
+                    <a:lumMod val="65000"/>
+                    <a:lumOff val="35000"/>
+                  </a:schemeClr>
+                </a:solidFill>
+              </a:rPr>
+              <a:t>Top-Down Approach</a:t>
+            </a:r>
+            <a:endParaRPr lang="en-US" sz="4500" u="sng" dirty="0">
+              <a:solidFill>
+                <a:schemeClr val="tx1">
+                  <a:lumMod val="65000"/>
+                  <a:lumOff val="35000"/>
+                </a:schemeClr>
+              </a:solidFill>
+            </a:endParaRPr>
+          </a:p>
+        </p:txBody>
+      </p:sp>
+      <p:pic>
+        <p:nvPicPr>
+          <p:cNvPr id="5" name="Picture 4" descr="Logo.png"/>
+          <p:cNvPicPr>
+            <a:picLocks noChangeAspect="1"/>
+          </p:cNvPicPr>
+          <p:nvPr/>
+        </p:nvPicPr>
+        <p:blipFill>
+          <a:blip r:embed="rId2" cstate="print">
+            <a:extLst>
+              <a:ext uri="{28A0092B-C50C-407E-A947-70E740481C1C}">
+                <a14:useLocalDpi xmlns:a14="http://schemas.microsoft.com/office/drawing/2010/main" val="0"/>
+              </a:ext>
+            </a:extLst>
+          </a:blip>
+          <a:stretch>
+            <a:fillRect/>
+          </a:stretch>
+        </p:blipFill>
+        <p:spPr>
+          <a:xfrm>
+            <a:off x="3475205" y="6096580"/>
+            <a:ext cx="2432304" cy="573024"/>
+          </a:xfrm>
+          <a:prstGeom prst="rect">
+            <a:avLst/>
+          </a:prstGeom>
+        </p:spPr>
+      </p:pic>
+      <p:sp>
+        <p:nvSpPr>
+          <p:cNvPr id="4" name="TextBox 3"/>
+          <p:cNvSpPr txBox="1"/>
+          <p:nvPr/>
+        </p:nvSpPr>
+        <p:spPr>
+          <a:xfrm>
+            <a:off x="1257589" y="1766012"/>
+            <a:ext cx="6865149" cy="3554819"/>
+          </a:xfrm>
+          <a:prstGeom prst="rect">
+            <a:avLst/>
+          </a:prstGeom>
+          <a:noFill/>
+        </p:spPr>
+        <p:txBody>
+          <a:bodyPr wrap="none" rtlCol="0">
+            <a:spAutoFit/>
+          </a:bodyPr>
+          <a:lstStyle/>
+          <a:p>
+            <a:pPr algn="ctr"/>
+            <a:r>
+              <a:rPr lang="en-US" sz="2500" b="1" u="sng" dirty="0" smtClean="0">
+                <a:solidFill>
+                  <a:srgbClr val="595959"/>
+                </a:solidFill>
+              </a:rPr>
+              <a:t>Main </a:t>
+            </a:r>
+            <a:r>
+              <a:rPr lang="en-US" sz="2500" b="1" u="sng" dirty="0" smtClean="0">
+                <a:solidFill>
+                  <a:srgbClr val="595959"/>
+                </a:solidFill>
+              </a:rPr>
+              <a:t>problems we faced:</a:t>
+            </a:r>
+            <a:endParaRPr lang="en-US" sz="2500" b="1" u="sng" dirty="0" smtClean="0">
+              <a:solidFill>
+                <a:srgbClr val="595959"/>
+              </a:solidFill>
+            </a:endParaRPr>
+          </a:p>
+          <a:p>
+            <a:pPr algn="ctr"/>
+            <a:endParaRPr lang="en-US" sz="2500" b="1" u="sng" dirty="0">
+              <a:solidFill>
+                <a:srgbClr val="595959"/>
+              </a:solidFill>
+            </a:endParaRPr>
+          </a:p>
+          <a:p>
+            <a:r>
+              <a:rPr lang="en-US" sz="2500" dirty="0" smtClean="0">
+                <a:solidFill>
+                  <a:srgbClr val="595959"/>
+                </a:solidFill>
+              </a:rPr>
+              <a:t>1.How many tiers and layers?</a:t>
+            </a:r>
+          </a:p>
+          <a:p>
+            <a:pPr marL="342900" indent="-342900">
+              <a:buFontTx/>
+              <a:buChar char="-"/>
+            </a:pPr>
+            <a:endParaRPr lang="en-US" sz="2500" dirty="0" smtClean="0">
+              <a:solidFill>
+                <a:srgbClr val="595959"/>
+              </a:solidFill>
+            </a:endParaRPr>
+          </a:p>
+          <a:p>
+            <a:r>
+              <a:rPr lang="en-US" sz="2500" dirty="0" smtClean="0">
+                <a:solidFill>
+                  <a:srgbClr val="595959"/>
+                </a:solidFill>
+              </a:rPr>
+              <a:t>2</a:t>
+            </a:r>
+            <a:r>
+              <a:rPr lang="en-US" sz="2500" dirty="0" smtClean="0">
+                <a:solidFill>
+                  <a:srgbClr val="595959"/>
+                </a:solidFill>
+              </a:rPr>
+              <a:t>.How do components interact?</a:t>
+            </a:r>
+          </a:p>
+          <a:p>
+            <a:endParaRPr lang="en-US" sz="2500" dirty="0" smtClean="0">
+              <a:solidFill>
+                <a:srgbClr val="595959"/>
+              </a:solidFill>
+            </a:endParaRPr>
+          </a:p>
+          <a:p>
+            <a:r>
+              <a:rPr lang="en-US" sz="2500" dirty="0" smtClean="0">
+                <a:solidFill>
+                  <a:srgbClr val="595959"/>
+                </a:solidFill>
+              </a:rPr>
+              <a:t>3.What does each component do?</a:t>
+            </a:r>
+          </a:p>
+          <a:p>
+            <a:endParaRPr lang="en-US" sz="2500" dirty="0" smtClean="0">
+              <a:solidFill>
+                <a:srgbClr val="595959"/>
+              </a:solidFill>
+            </a:endParaRPr>
+          </a:p>
+          <a:p>
+            <a:r>
+              <a:rPr lang="en-US" sz="2500" dirty="0" smtClean="0">
+                <a:solidFill>
+                  <a:srgbClr val="595959"/>
+                </a:solidFill>
+              </a:rPr>
+              <a:t>4. How does each component do its work?</a:t>
+            </a:r>
+            <a:endParaRPr lang="en-US" sz="2500" dirty="0">
+              <a:solidFill>
+                <a:srgbClr val="595959"/>
+              </a:solidFill>
+            </a:endParaRPr>
+          </a:p>
+        </p:txBody>
+      </p:sp>
+    </p:spTree>
+    <p:extLst>
+      <p:ext uri="{BB962C8B-B14F-4D97-AF65-F5344CB8AC3E}">
+        <p14:creationId xmlns:p14="http://schemas.microsoft.com/office/powerpoint/2010/main" val="1066882221"/>
+      </p:ext>
+    </p:extLst>
+  </p:cSld>
+  <p:clrMapOvr>
+    <a:masterClrMapping/>
+  </p:clrMapOvr>
+  <p:timing>
+    <p:tnLst>
+      <p:par>
+        <p:cTn xmlns:p14="http://schemas.microsoft.com/office/powerpoint/2010/main" id="1" dur="indefinite" restart="never" nodeType="tmRoot"/>
+      </p:par>
+    </p:tnLst>
+  </p:timing>
+</p:sld>
+</file>
+
+<file path=ppt/slides/slide4.xml><?xml version="1.0" encoding="utf-8"?>
+<p:sld xmlns:a="http://schemas.openxmlformats.org/drawingml/2006/main" xmlns:r="http://schemas.openxmlformats.org/officeDocument/2006/relationships" xmlns:p="http://schemas.openxmlformats.org/presentationml/2006/main">
+  <p:cSld>
+    <p:spTree>
+      <p:nvGrpSpPr>
+        <p:cNvPr id="1" name=""/>
+        <p:cNvGrpSpPr/>
+        <p:nvPr/>
+      </p:nvGrpSpPr>
+      <p:grpSpPr>
+        <a:xfrm>
+          <a:off x="0" y="0"/>
+          <a:ext cx="0" cy="0"/>
+          <a:chOff x="0" y="0"/>
+          <a:chExt cx="0" cy="0"/>
+        </a:xfrm>
+      </p:grpSpPr>
+      <p:sp>
+        <p:nvSpPr>
+          <p:cNvPr id="2" name="Title 1"/>
+          <p:cNvSpPr>
+            <a:spLocks noGrp="1"/>
+          </p:cNvSpPr>
+          <p:nvPr>
+            <p:ph type="ctrTitle"/>
+          </p:nvPr>
+        </p:nvSpPr>
+        <p:spPr>
+          <a:xfrm>
+            <a:off x="685800" y="-2924583"/>
+            <a:ext cx="7772400" cy="4267200"/>
+          </a:xfrm>
+        </p:spPr>
+        <p:txBody>
+          <a:bodyPr/>
+          <a:lstStyle/>
+          <a:p>
+            <a:r>
+              <a:rPr lang="en-US" sz="4500" u="sng" dirty="0" smtClean="0">
+                <a:solidFill>
+                  <a:schemeClr val="tx1">
+                    <a:lumMod val="65000"/>
+                    <a:lumOff val="35000"/>
+                  </a:schemeClr>
+                </a:solidFill>
+              </a:rPr>
+              <a:t>Considerations:</a:t>
+            </a:r>
+            <a:endParaRPr lang="en-US" sz="4500" u="sng" dirty="0">
+              <a:solidFill>
+                <a:schemeClr val="tx1">
+                  <a:lumMod val="65000"/>
+                  <a:lumOff val="35000"/>
+                </a:schemeClr>
+              </a:solidFill>
+            </a:endParaRPr>
+          </a:p>
+        </p:txBody>
+      </p:sp>
+      <p:pic>
+        <p:nvPicPr>
+          <p:cNvPr id="5" name="Picture 4" descr="Logo.png"/>
+          <p:cNvPicPr>
+            <a:picLocks noChangeAspect="1"/>
+          </p:cNvPicPr>
+          <p:nvPr/>
+        </p:nvPicPr>
+        <p:blipFill>
+          <a:blip r:embed="rId2" cstate="print">
+            <a:extLst>
+              <a:ext uri="{28A0092B-C50C-407E-A947-70E740481C1C}">
+                <a14:useLocalDpi xmlns:a14="http://schemas.microsoft.com/office/drawing/2010/main" val="0"/>
+              </a:ext>
+            </a:extLst>
+          </a:blip>
+          <a:stretch>
+            <a:fillRect/>
+          </a:stretch>
+        </p:blipFill>
+        <p:spPr>
+          <a:xfrm>
+            <a:off x="3475205" y="6096580"/>
+            <a:ext cx="2432304" cy="573024"/>
+          </a:xfrm>
+          <a:prstGeom prst="rect">
+            <a:avLst/>
+          </a:prstGeom>
+        </p:spPr>
+      </p:pic>
+      <p:sp>
+        <p:nvSpPr>
+          <p:cNvPr id="3" name="TextBox 2"/>
+          <p:cNvSpPr txBox="1"/>
+          <p:nvPr/>
+        </p:nvSpPr>
+        <p:spPr>
+          <a:xfrm>
+            <a:off x="685800" y="1637046"/>
+            <a:ext cx="7772400" cy="3477875"/>
+          </a:xfrm>
+          <a:prstGeom prst="rect">
+            <a:avLst/>
+          </a:prstGeom>
+          <a:noFill/>
+        </p:spPr>
+        <p:txBody>
+          <a:bodyPr wrap="square" rtlCol="0">
+            <a:spAutoFit/>
+          </a:bodyPr>
+          <a:lstStyle/>
+          <a:p>
+            <a:pPr marL="285750" indent="-285750">
+              <a:buFont typeface="Arial"/>
+              <a:buChar char="•"/>
+            </a:pPr>
+            <a:r>
+              <a:rPr lang="en-US" sz="2200" dirty="0" smtClean="0">
+                <a:solidFill>
+                  <a:srgbClr val="595959"/>
+                </a:solidFill>
+              </a:rPr>
+              <a:t>Take in account </a:t>
+            </a:r>
+            <a:r>
+              <a:rPr lang="en-US" sz="2200" u="sng" dirty="0" smtClean="0">
+                <a:solidFill>
+                  <a:srgbClr val="595959"/>
+                </a:solidFill>
+              </a:rPr>
+              <a:t>functional</a:t>
+            </a:r>
+            <a:r>
+              <a:rPr lang="en-US" sz="2200" dirty="0" smtClean="0">
+                <a:solidFill>
+                  <a:srgbClr val="595959"/>
+                </a:solidFill>
+              </a:rPr>
+              <a:t> </a:t>
+            </a:r>
+            <a:r>
+              <a:rPr lang="en-US" sz="2200" b="1" dirty="0" smtClean="0">
+                <a:solidFill>
+                  <a:srgbClr val="595959"/>
+                </a:solidFill>
+              </a:rPr>
+              <a:t>and</a:t>
+            </a:r>
+            <a:r>
+              <a:rPr lang="en-US" sz="2200" dirty="0" smtClean="0">
+                <a:solidFill>
+                  <a:srgbClr val="595959"/>
+                </a:solidFill>
+              </a:rPr>
+              <a:t> </a:t>
+            </a:r>
+            <a:r>
+              <a:rPr lang="en-US" sz="2200" u="sng" dirty="0" smtClean="0">
+                <a:solidFill>
+                  <a:srgbClr val="595959"/>
+                </a:solidFill>
+              </a:rPr>
+              <a:t>non-functional requirements</a:t>
+            </a:r>
+          </a:p>
+          <a:p>
+            <a:pPr marL="285750" indent="-285750">
+              <a:buFont typeface="Arial"/>
+              <a:buChar char="•"/>
+            </a:pPr>
+            <a:endParaRPr lang="en-US" sz="2200" u="sng" dirty="0" smtClean="0">
+              <a:solidFill>
+                <a:srgbClr val="595959"/>
+              </a:solidFill>
+            </a:endParaRPr>
+          </a:p>
+          <a:p>
+            <a:pPr marL="342900" indent="-342900">
+              <a:buFont typeface="Arial"/>
+              <a:buChar char="•"/>
+            </a:pPr>
+            <a:r>
+              <a:rPr lang="en-US" sz="2200" dirty="0" smtClean="0">
+                <a:solidFill>
+                  <a:srgbClr val="595959"/>
+                </a:solidFill>
+              </a:rPr>
+              <a:t>How should the system </a:t>
+            </a:r>
+            <a:r>
+              <a:rPr lang="en-US" sz="2200" b="1" dirty="0" smtClean="0">
+                <a:solidFill>
+                  <a:srgbClr val="595959"/>
+                </a:solidFill>
+              </a:rPr>
+              <a:t>behave</a:t>
+            </a:r>
+            <a:r>
+              <a:rPr lang="en-US" sz="2200" dirty="0" smtClean="0">
+                <a:solidFill>
+                  <a:srgbClr val="595959"/>
+                </a:solidFill>
+              </a:rPr>
+              <a:t> ?</a:t>
+            </a:r>
+          </a:p>
+          <a:p>
+            <a:pPr>
+              <a:lnSpc>
+                <a:spcPct val="50000"/>
+              </a:lnSpc>
+            </a:pPr>
+            <a:endParaRPr lang="en-US" sz="2200" dirty="0" smtClean="0">
+              <a:solidFill>
+                <a:srgbClr val="595959"/>
+              </a:solidFill>
+            </a:endParaRPr>
+          </a:p>
+          <a:p>
+            <a:pPr marL="342900" indent="-342900">
+              <a:buFont typeface="Arial"/>
+              <a:buChar char="•"/>
+            </a:pPr>
+            <a:r>
+              <a:rPr lang="en-US" sz="2200" dirty="0" smtClean="0">
+                <a:solidFill>
+                  <a:srgbClr val="595959"/>
+                </a:solidFill>
+              </a:rPr>
+              <a:t>How can the system </a:t>
+            </a:r>
+            <a:r>
+              <a:rPr lang="en-US" sz="2200" b="1" dirty="0" smtClean="0">
+                <a:solidFill>
+                  <a:srgbClr val="595959"/>
+                </a:solidFill>
+              </a:rPr>
+              <a:t>evolve</a:t>
+            </a:r>
+            <a:r>
+              <a:rPr lang="en-US" sz="2200" dirty="0" smtClean="0">
+                <a:solidFill>
+                  <a:srgbClr val="595959"/>
+                </a:solidFill>
+              </a:rPr>
+              <a:t> ?</a:t>
+            </a:r>
+          </a:p>
+          <a:p>
+            <a:pPr>
+              <a:lnSpc>
+                <a:spcPct val="50000"/>
+              </a:lnSpc>
+            </a:pPr>
+            <a:endParaRPr lang="en-US" sz="2200" dirty="0" smtClean="0">
+              <a:solidFill>
+                <a:srgbClr val="595959"/>
+              </a:solidFill>
+            </a:endParaRPr>
+          </a:p>
+          <a:p>
+            <a:pPr marL="342900" indent="-342900">
+              <a:buFont typeface="Arial"/>
+              <a:buChar char="•"/>
+            </a:pPr>
+            <a:r>
+              <a:rPr lang="en-US" sz="2200" dirty="0" smtClean="0">
+                <a:solidFill>
+                  <a:srgbClr val="595959"/>
+                </a:solidFill>
+              </a:rPr>
+              <a:t>What happens in </a:t>
+            </a:r>
+            <a:r>
+              <a:rPr lang="en-US" sz="2200" b="1" dirty="0" smtClean="0">
+                <a:solidFill>
+                  <a:srgbClr val="595959"/>
+                </a:solidFill>
+              </a:rPr>
+              <a:t>above average </a:t>
+            </a:r>
+            <a:r>
+              <a:rPr lang="en-US" sz="2200" dirty="0" smtClean="0">
+                <a:solidFill>
+                  <a:srgbClr val="595959"/>
+                </a:solidFill>
+              </a:rPr>
+              <a:t>traffic situations ?</a:t>
+            </a:r>
+          </a:p>
+          <a:p>
+            <a:pPr>
+              <a:lnSpc>
+                <a:spcPct val="50000"/>
+              </a:lnSpc>
+            </a:pPr>
+            <a:endParaRPr lang="en-US" sz="2200" dirty="0" smtClean="0">
+              <a:solidFill>
+                <a:srgbClr val="595959"/>
+              </a:solidFill>
+            </a:endParaRPr>
+          </a:p>
+          <a:p>
+            <a:pPr marL="342900" indent="-342900">
+              <a:buFont typeface="Arial"/>
+              <a:buChar char="•"/>
+            </a:pPr>
+            <a:r>
+              <a:rPr lang="en-US" sz="2200" dirty="0" smtClean="0">
+                <a:solidFill>
+                  <a:srgbClr val="595959"/>
+                </a:solidFill>
+              </a:rPr>
+              <a:t>Is the data-storage </a:t>
+            </a:r>
+            <a:r>
+              <a:rPr lang="en-US" sz="2200" b="1" dirty="0" smtClean="0">
+                <a:solidFill>
+                  <a:srgbClr val="595959"/>
+                </a:solidFill>
+              </a:rPr>
+              <a:t>fault tolerant </a:t>
+            </a:r>
+            <a:r>
+              <a:rPr lang="en-US" sz="2200" dirty="0" smtClean="0">
+                <a:solidFill>
+                  <a:srgbClr val="595959"/>
+                </a:solidFill>
+              </a:rPr>
+              <a:t>?</a:t>
+            </a:r>
+          </a:p>
+          <a:p>
+            <a:pPr>
+              <a:lnSpc>
+                <a:spcPct val="50000"/>
+              </a:lnSpc>
+            </a:pPr>
+            <a:endParaRPr lang="en-US" sz="2200" dirty="0" smtClean="0">
+              <a:solidFill>
+                <a:srgbClr val="595959"/>
+              </a:solidFill>
+            </a:endParaRPr>
+          </a:p>
+          <a:p>
+            <a:pPr marL="342900" indent="-342900">
+              <a:buFont typeface="Arial"/>
+              <a:buChar char="•"/>
+            </a:pPr>
+            <a:r>
+              <a:rPr lang="en-US" sz="2200" dirty="0" smtClean="0">
+                <a:solidFill>
+                  <a:srgbClr val="595959"/>
+                </a:solidFill>
+              </a:rPr>
+              <a:t>Is the system </a:t>
+            </a:r>
+            <a:r>
+              <a:rPr lang="en-US" sz="2200" b="1" dirty="0" smtClean="0">
+                <a:solidFill>
+                  <a:srgbClr val="595959"/>
+                </a:solidFill>
+              </a:rPr>
+              <a:t>easily maintainable </a:t>
+            </a:r>
+            <a:r>
+              <a:rPr lang="en-US" sz="2200" dirty="0" smtClean="0">
+                <a:solidFill>
+                  <a:srgbClr val="595959"/>
+                </a:solidFill>
+              </a:rPr>
+              <a:t>? </a:t>
+            </a:r>
+          </a:p>
+        </p:txBody>
+      </p:sp>
+    </p:spTree>
+    <p:extLst>
+      <p:ext uri="{BB962C8B-B14F-4D97-AF65-F5344CB8AC3E}">
+        <p14:creationId xmlns:p14="http://schemas.microsoft.com/office/powerpoint/2010/main" val="1846873453"/>
+      </p:ext>
+    </p:extLst>
+  </p:cSld>
+  <p:clrMapOvr>
+    <a:masterClrMapping/>
+  </p:clrMapOvr>
+  <p:timing>
+    <p:tnLst>
+      <p:par>
+        <p:cTn xmlns:p14="http://schemas.microsoft.com/office/powerpoint/2010/main" id="1" dur="indefinite" restart="never" nodeType="tmRoot"/>
+      </p:par>
+    </p:tnLst>
+  </p:timing>
+</p:sld>
+</file>
+
+<file path=ppt/slides/slide5.xml><?xml version="1.0" encoding="utf-8"?>
+<p:sld xmlns:a="http://schemas.openxmlformats.org/drawingml/2006/main" xmlns:r="http://schemas.openxmlformats.org/officeDocument/2006/relationships" xmlns:p="http://schemas.openxmlformats.org/presentationml/2006/main">
+  <p:cSld>
+    <p:spTree>
+      <p:nvGrpSpPr>
+        <p:cNvPr id="1" name=""/>
+        <p:cNvGrpSpPr/>
+        <p:nvPr/>
+      </p:nvGrpSpPr>
+      <p:grpSpPr>
+        <a:xfrm>
+          <a:off x="0" y="0"/>
+          <a:ext cx="0" cy="0"/>
+          <a:chOff x="0" y="0"/>
+          <a:chExt cx="0" cy="0"/>
+        </a:xfrm>
+      </p:grpSpPr>
+      <p:sp>
+        <p:nvSpPr>
+          <p:cNvPr id="2" name="Title 1"/>
+          <p:cNvSpPr>
+            <a:spLocks noGrp="1"/>
+          </p:cNvSpPr>
+          <p:nvPr>
+            <p:ph type="ctrTitle"/>
+          </p:nvPr>
+        </p:nvSpPr>
+        <p:spPr>
+          <a:xfrm>
+            <a:off x="685800" y="-2924583"/>
+            <a:ext cx="7772400" cy="4267200"/>
+          </a:xfrm>
+        </p:spPr>
+        <p:txBody>
+          <a:bodyPr/>
+          <a:lstStyle/>
+          <a:p>
+            <a:r>
+              <a:rPr lang="en-US" sz="4500" u="sng" dirty="0" smtClean="0">
+                <a:solidFill>
+                  <a:schemeClr val="tx1">
+                    <a:lumMod val="65000"/>
+                    <a:lumOff val="35000"/>
+                  </a:schemeClr>
+                </a:solidFill>
+              </a:rPr>
+              <a:t>1.</a:t>
+            </a:r>
+            <a:r>
+              <a:rPr lang="en-US" sz="4500" dirty="0" smtClean="0">
+                <a:solidFill>
+                  <a:schemeClr val="tx1">
+                    <a:lumMod val="65000"/>
+                    <a:lumOff val="35000"/>
+                  </a:schemeClr>
+                </a:solidFill>
+              </a:rPr>
+              <a:t> </a:t>
+            </a:r>
+            <a:r>
+              <a:rPr lang="en-US" sz="4500" u="sng" dirty="0" smtClean="0">
+                <a:solidFill>
+                  <a:schemeClr val="tx1">
+                    <a:lumMod val="65000"/>
+                    <a:lumOff val="35000"/>
+                  </a:schemeClr>
+                </a:solidFill>
+              </a:rPr>
+              <a:t>Architecture: 3-Tiers</a:t>
+            </a:r>
+            <a:endParaRPr lang="en-US" sz="4500" u="sng" dirty="0">
+              <a:solidFill>
+                <a:schemeClr val="tx1">
+                  <a:lumMod val="65000"/>
+                  <a:lumOff val="35000"/>
+                </a:schemeClr>
+              </a:solidFill>
+            </a:endParaRPr>
+          </a:p>
+        </p:txBody>
+      </p:sp>
+      <p:pic>
+        <p:nvPicPr>
+          <p:cNvPr id="5" name="Picture 4" descr="Logo.png"/>
+          <p:cNvPicPr>
+            <a:picLocks noChangeAspect="1"/>
+          </p:cNvPicPr>
+          <p:nvPr/>
+        </p:nvPicPr>
+        <p:blipFill>
+          <a:blip r:embed="rId2" cstate="print">
+            <a:extLst>
+              <a:ext uri="{28A0092B-C50C-407E-A947-70E740481C1C}">
+                <a14:useLocalDpi xmlns:a14="http://schemas.microsoft.com/office/drawing/2010/main" val="0"/>
+              </a:ext>
+            </a:extLst>
+          </a:blip>
+          <a:stretch>
+            <a:fillRect/>
+          </a:stretch>
+        </p:blipFill>
+        <p:spPr>
+          <a:xfrm>
+            <a:off x="3475205" y="6096580"/>
+            <a:ext cx="2432304" cy="573024"/>
+          </a:xfrm>
+          <a:prstGeom prst="rect">
+            <a:avLst/>
+          </a:prstGeom>
+        </p:spPr>
+      </p:pic>
+      <p:graphicFrame>
+        <p:nvGraphicFramePr>
+          <p:cNvPr id="17" name="Diagram 16"/>
+          <p:cNvGraphicFramePr/>
+          <p:nvPr>
+            <p:extLst>
+              <p:ext uri="{D42A27DB-BD31-4B8C-83A1-F6EECF244321}">
+                <p14:modId xmlns:p14="http://schemas.microsoft.com/office/powerpoint/2010/main" val="1204800110"/>
+              </p:ext>
+            </p:extLst>
+          </p:nvPr>
+        </p:nvGraphicFramePr>
+        <p:xfrm>
+          <a:off x="1217989" y="1488797"/>
+          <a:ext cx="6723004" cy="4447408"/>
+        </p:xfrm>
+        <a:graphic>
+          <a:graphicData uri="http://schemas.openxmlformats.org/drawingml/2006/diagram">
+            <dgm:relIds xmlns:dgm="http://schemas.openxmlformats.org/drawingml/2006/diagram" xmlns:r="http://schemas.openxmlformats.org/officeDocument/2006/relationships" r:dm="rId3" r:lo="rId4" r:qs="rId5" r:cs="rId6"/>
+          </a:graphicData>
+        </a:graphic>
+      </p:graphicFrame>
+    </p:spTree>
+    <p:extLst>
+      <p:ext uri="{BB962C8B-B14F-4D97-AF65-F5344CB8AC3E}">
+        <p14:creationId xmlns:p14="http://schemas.microsoft.com/office/powerpoint/2010/main" val="1066882221"/>
+      </p:ext>
+    </p:extLst>
+  </p:cSld>
+  <p:clrMapOvr>
+    <a:masterClrMapping/>
+  </p:clrMapOvr>
+  <p:timing>
+    <p:tnLst>
+      <p:par>
+        <p:cTn xmlns:p14="http://schemas.microsoft.com/office/powerpoint/2010/main" id="1" dur="indefinite" restart="never" nodeType="tmRoot"/>
+      </p:par>
+    </p:tnLst>
+  </p:timing>
+</p:sld>
+</file>
+
+<file path=ppt/slides/slide6.xml><?xml version="1.0" encoding="utf-8"?>
+<p:sld xmlns:a="http://schemas.openxmlformats.org/drawingml/2006/main" xmlns:r="http://schemas.openxmlformats.org/officeDocument/2006/relationships" xmlns:p="http://schemas.openxmlformats.org/presentationml/2006/main">
+  <p:cSld>
+    <p:spTree>
+      <p:nvGrpSpPr>
+        <p:cNvPr id="1" name=""/>
+        <p:cNvGrpSpPr/>
+        <p:nvPr/>
+      </p:nvGrpSpPr>
+      <p:grpSpPr>
+        <a:xfrm>
+          <a:off x="0" y="0"/>
+          <a:ext cx="0" cy="0"/>
+          <a:chOff x="0" y="0"/>
+          <a:chExt cx="0" cy="0"/>
+        </a:xfrm>
+      </p:grpSpPr>
+      <p:sp>
+        <p:nvSpPr>
+          <p:cNvPr id="2" name="Title 1"/>
+          <p:cNvSpPr>
+            <a:spLocks noGrp="1"/>
+          </p:cNvSpPr>
+          <p:nvPr>
+            <p:ph type="ctrTitle"/>
+          </p:nvPr>
+        </p:nvSpPr>
+        <p:spPr>
+          <a:xfrm>
+            <a:off x="685800" y="-2924583"/>
+            <a:ext cx="7772400" cy="4267200"/>
+          </a:xfrm>
+        </p:spPr>
+        <p:txBody>
+          <a:bodyPr/>
+          <a:lstStyle/>
+          <a:p>
+            <a:r>
+              <a:rPr lang="en-US" sz="4500" u="sng" dirty="0" smtClean="0">
+                <a:solidFill>
+                  <a:schemeClr val="tx1">
+                    <a:lumMod val="65000"/>
+                    <a:lumOff val="35000"/>
+                  </a:schemeClr>
+                </a:solidFill>
+              </a:rPr>
+              <a:t>1.</a:t>
+            </a:r>
+            <a:r>
+              <a:rPr lang="en-US" sz="4500" dirty="0" smtClean="0">
+                <a:solidFill>
+                  <a:schemeClr val="tx1">
+                    <a:lumMod val="65000"/>
+                    <a:lumOff val="35000"/>
+                  </a:schemeClr>
+                </a:solidFill>
+              </a:rPr>
+              <a:t> </a:t>
+            </a:r>
+            <a:r>
+              <a:rPr lang="en-US" sz="4500" u="sng" dirty="0" smtClean="0">
+                <a:solidFill>
+                  <a:schemeClr val="tx1">
+                    <a:lumMod val="65000"/>
+                    <a:lumOff val="35000"/>
+                  </a:schemeClr>
+                </a:solidFill>
+              </a:rPr>
+              <a:t>Architecture: 3-Tiers</a:t>
+            </a:r>
+            <a:endParaRPr lang="en-US" sz="4500" u="sng" dirty="0">
+              <a:solidFill>
+                <a:schemeClr val="tx1">
+                  <a:lumMod val="65000"/>
+                  <a:lumOff val="35000"/>
+                </a:schemeClr>
+              </a:solidFill>
+            </a:endParaRPr>
+          </a:p>
+        </p:txBody>
+      </p:sp>
+      <p:pic>
+        <p:nvPicPr>
+          <p:cNvPr id="5" name="Picture 4" descr="Logo.png"/>
+          <p:cNvPicPr>
+            <a:picLocks noChangeAspect="1"/>
+          </p:cNvPicPr>
+          <p:nvPr/>
+        </p:nvPicPr>
+        <p:blipFill>
+          <a:blip r:embed="rId2" cstate="print">
+            <a:extLst>
+              <a:ext uri="{28A0092B-C50C-407E-A947-70E740481C1C}">
+                <a14:useLocalDpi xmlns:a14="http://schemas.microsoft.com/office/drawing/2010/main" val="0"/>
+              </a:ext>
+            </a:extLst>
+          </a:blip>
+          <a:stretch>
+            <a:fillRect/>
+          </a:stretch>
+        </p:blipFill>
+        <p:spPr>
+          <a:xfrm>
+            <a:off x="3475205" y="6096580"/>
+            <a:ext cx="2432304" cy="573024"/>
+          </a:xfrm>
+          <a:prstGeom prst="rect">
+            <a:avLst/>
+          </a:prstGeom>
+        </p:spPr>
+      </p:pic>
+      <p:sp>
+        <p:nvSpPr>
+          <p:cNvPr id="4" name="TextBox 3"/>
+          <p:cNvSpPr txBox="1"/>
+          <p:nvPr/>
+        </p:nvSpPr>
+        <p:spPr>
+          <a:xfrm>
+            <a:off x="1361750" y="1658611"/>
+            <a:ext cx="6893250" cy="4324261"/>
+          </a:xfrm>
+          <a:prstGeom prst="rect">
+            <a:avLst/>
+          </a:prstGeom>
+          <a:noFill/>
+        </p:spPr>
+        <p:txBody>
+          <a:bodyPr wrap="square" rtlCol="0">
+            <a:spAutoFit/>
+          </a:bodyPr>
+          <a:lstStyle/>
+          <a:p>
+            <a:pPr algn="ctr"/>
+            <a:r>
+              <a:rPr lang="en-US" sz="2500" b="1" u="sng" dirty="0" smtClean="0">
+                <a:solidFill>
+                  <a:srgbClr val="595959"/>
+                </a:solidFill>
+              </a:rPr>
+              <a:t>Advantages:</a:t>
+            </a:r>
+          </a:p>
+          <a:p>
+            <a:pPr algn="ctr"/>
+            <a:endParaRPr lang="en-US" sz="2500" b="1" u="sng" dirty="0" smtClean="0">
+              <a:solidFill>
+                <a:srgbClr val="595959"/>
+              </a:solidFill>
+            </a:endParaRPr>
+          </a:p>
+          <a:p>
+            <a:pPr algn="ctr"/>
+            <a:r>
+              <a:rPr lang="en-US" sz="2500" dirty="0" smtClean="0">
+                <a:solidFill>
+                  <a:srgbClr val="595959"/>
+                </a:solidFill>
+              </a:rPr>
+              <a:t>-Usual advantages of modular software</a:t>
+            </a:r>
+          </a:p>
+          <a:p>
+            <a:pPr algn="ctr"/>
+            <a:endParaRPr lang="en-US" sz="2500" dirty="0" smtClean="0">
+              <a:solidFill>
+                <a:srgbClr val="595959"/>
+              </a:solidFill>
+            </a:endParaRPr>
+          </a:p>
+          <a:p>
+            <a:pPr algn="ctr"/>
+            <a:r>
+              <a:rPr lang="en-US" sz="2500" dirty="0" smtClean="0">
+                <a:solidFill>
+                  <a:srgbClr val="595959"/>
+                </a:solidFill>
+              </a:rPr>
+              <a:t>-Allow any of the tiers to be upgraded or replaced independently in response to changes in technology</a:t>
+            </a:r>
+            <a:r>
+              <a:rPr lang="en-US" sz="2500" dirty="0" smtClean="0">
+                <a:solidFill>
+                  <a:srgbClr val="595959"/>
+                </a:solidFill>
+              </a:rPr>
+              <a:t>.</a:t>
+            </a:r>
+          </a:p>
+          <a:p>
+            <a:pPr algn="ctr"/>
+            <a:endParaRPr lang="en-US" sz="2500" dirty="0">
+              <a:solidFill>
+                <a:srgbClr val="595959"/>
+              </a:solidFill>
+            </a:endParaRPr>
+          </a:p>
+          <a:p>
+            <a:pPr algn="ctr"/>
+            <a:r>
+              <a:rPr lang="en-US" sz="2500" dirty="0" smtClean="0">
+                <a:solidFill>
+                  <a:srgbClr val="595959"/>
+                </a:solidFill>
+              </a:rPr>
+              <a:t>-Further middleware tiers are easily implementable in case of future expansion.</a:t>
+            </a:r>
+            <a:endParaRPr lang="en-US" sz="2500" dirty="0">
+              <a:solidFill>
+                <a:srgbClr val="595959"/>
+              </a:solidFill>
+            </a:endParaRPr>
+          </a:p>
+          <a:p>
+            <a:endParaRPr lang="en-US" sz="2500" b="1" u="sng" dirty="0">
+              <a:solidFill>
+                <a:srgbClr val="595959"/>
+              </a:solidFill>
+            </a:endParaRPr>
+          </a:p>
+        </p:txBody>
+      </p:sp>
+    </p:spTree>
+    <p:extLst>
+      <p:ext uri="{BB962C8B-B14F-4D97-AF65-F5344CB8AC3E}">
+        <p14:creationId xmlns:p14="http://schemas.microsoft.com/office/powerpoint/2010/main" val="2294725446"/>
+      </p:ext>
+    </p:extLst>
+  </p:cSld>
+  <p:clrMapOvr>
+    <a:masterClrMapping/>
+  </p:clrMapOvr>
+  <p:timing>
+    <p:tnLst>
+      <p:par>
+        <p:cTn xmlns:p14="http://schemas.microsoft.com/office/powerpoint/2010/main" id="1" dur="indefinite" restart="never" nodeType="tmRoot"/>
+      </p:par>
+    </p:tnLst>
+  </p:timing>
+</p:sld>
+</file>
+
+<file path=ppt/slides/slide7.xml><?xml version="1.0" encoding="utf-8"?>
+<p:sld xmlns:a="http://schemas.openxmlformats.org/drawingml/2006/main" xmlns:r="http://schemas.openxmlformats.org/officeDocument/2006/relationships" xmlns:p="http://schemas.openxmlformats.org/presentationml/2006/main">
+  <p:cSld>
+    <p:spTree>
+      <p:nvGrpSpPr>
+        <p:cNvPr id="1" name=""/>
+        <p:cNvGrpSpPr/>
+        <p:nvPr/>
+      </p:nvGrpSpPr>
+      <p:grpSpPr>
+        <a:xfrm>
+          <a:off x="0" y="0"/>
+          <a:ext cx="0" cy="0"/>
+          <a:chOff x="0" y="0"/>
+          <a:chExt cx="0" cy="0"/>
+        </a:xfrm>
+      </p:grpSpPr>
+      <p:sp>
+        <p:nvSpPr>
+          <p:cNvPr id="2" name="Title 1"/>
+          <p:cNvSpPr>
+            <a:spLocks noGrp="1"/>
+          </p:cNvSpPr>
+          <p:nvPr>
+            <p:ph type="ctrTitle"/>
+          </p:nvPr>
+        </p:nvSpPr>
+        <p:spPr>
+          <a:xfrm>
+            <a:off x="685800" y="-3210333"/>
+            <a:ext cx="7772400" cy="4267200"/>
+          </a:xfrm>
+        </p:spPr>
+        <p:txBody>
+          <a:bodyPr/>
+          <a:lstStyle/>
+          <a:p>
+            <a:r>
+              <a:rPr lang="en-US" sz="3500" u="sng" dirty="0" smtClean="0">
+                <a:solidFill>
+                  <a:schemeClr val="tx1">
+                    <a:lumMod val="65000"/>
+                    <a:lumOff val="35000"/>
+                  </a:schemeClr>
+                </a:solidFill>
+              </a:rPr>
+              <a:t>1.</a:t>
+            </a:r>
+            <a:r>
+              <a:rPr lang="en-US" sz="3500" dirty="0" smtClean="0">
+                <a:solidFill>
+                  <a:schemeClr val="tx1">
+                    <a:lumMod val="65000"/>
+                    <a:lumOff val="35000"/>
+                  </a:schemeClr>
+                </a:solidFill>
+              </a:rPr>
+              <a:t> </a:t>
+            </a:r>
+            <a:r>
+              <a:rPr lang="en-US" sz="3500" u="sng" dirty="0" smtClean="0">
+                <a:solidFill>
+                  <a:schemeClr val="tx1">
+                    <a:lumMod val="65000"/>
+                    <a:lumOff val="35000"/>
+                  </a:schemeClr>
+                </a:solidFill>
+              </a:rPr>
+              <a:t>Architecture: Overview</a:t>
+            </a:r>
+            <a:endParaRPr lang="en-US" sz="3500" u="sng" dirty="0">
+              <a:solidFill>
+                <a:schemeClr val="tx1">
+                  <a:lumMod val="65000"/>
+                  <a:lumOff val="35000"/>
+                </a:schemeClr>
+              </a:solidFill>
+            </a:endParaRPr>
+          </a:p>
+        </p:txBody>
+      </p:sp>
+      <p:pic>
+        <p:nvPicPr>
+          <p:cNvPr id="5" name="Picture 4" descr="Logo.png"/>
+          <p:cNvPicPr>
+            <a:picLocks noChangeAspect="1"/>
+          </p:cNvPicPr>
+          <p:nvPr/>
+        </p:nvPicPr>
+        <p:blipFill>
+          <a:blip r:embed="rId2" cstate="print">
+            <a:extLst>
+              <a:ext uri="{28A0092B-C50C-407E-A947-70E740481C1C}">
+                <a14:useLocalDpi xmlns:a14="http://schemas.microsoft.com/office/drawing/2010/main" val="0"/>
+              </a:ext>
+            </a:extLst>
+          </a:blip>
+          <a:stretch>
+            <a:fillRect/>
+          </a:stretch>
+        </p:blipFill>
+        <p:spPr>
+          <a:xfrm>
+            <a:off x="3475205" y="6143475"/>
+            <a:ext cx="2432304" cy="573024"/>
+          </a:xfrm>
+          <a:prstGeom prst="rect">
+            <a:avLst/>
+          </a:prstGeom>
+        </p:spPr>
+      </p:pic>
+      <p:graphicFrame>
+        <p:nvGraphicFramePr>
+          <p:cNvPr id="11" name="Diagram 10"/>
+          <p:cNvGraphicFramePr/>
+          <p:nvPr>
+            <p:extLst>
+              <p:ext uri="{D42A27DB-BD31-4B8C-83A1-F6EECF244321}">
+                <p14:modId xmlns:p14="http://schemas.microsoft.com/office/powerpoint/2010/main" val="3644189505"/>
+              </p:ext>
+            </p:extLst>
+          </p:nvPr>
+        </p:nvGraphicFramePr>
+        <p:xfrm>
+          <a:off x="412750" y="1104492"/>
+          <a:ext cx="8318500" cy="4064000"/>
+        </p:xfrm>
+        <a:graphic>
+          <a:graphicData uri="http://schemas.openxmlformats.org/drawingml/2006/diagram">
+            <dgm:relIds xmlns:dgm="http://schemas.openxmlformats.org/drawingml/2006/diagram" xmlns:r="http://schemas.openxmlformats.org/officeDocument/2006/relationships" r:dm="rId3" r:lo="rId4" r:qs="rId5" r:cs="rId6"/>
+          </a:graphicData>
+        </a:graphic>
+      </p:graphicFrame>
+      <p:cxnSp>
+        <p:nvCxnSpPr>
+          <p:cNvPr id="17" name="Straight Connector 16"/>
+          <p:cNvCxnSpPr/>
+          <p:nvPr/>
+        </p:nvCxnSpPr>
+        <p:spPr>
+          <a:xfrm>
+            <a:off x="1793875" y="4612867"/>
+            <a:ext cx="0" cy="555625"/>
+          </a:xfrm>
+          <a:prstGeom prst="line">
+            <a:avLst/>
+          </a:prstGeom>
+        </p:spPr>
+        <p:style>
+          <a:lnRef idx="2">
+            <a:schemeClr val="accent1"/>
+          </a:lnRef>
+          <a:fillRef idx="0">
+            <a:schemeClr val="accent1"/>
+          </a:fillRef>
+          <a:effectRef idx="1">
+            <a:schemeClr val="accent1"/>
+          </a:effectRef>
+          <a:fontRef idx="minor">
+            <a:schemeClr val="tx1"/>
+          </a:fontRef>
+        </p:style>
+      </p:cxnSp>
+      <p:cxnSp>
+        <p:nvCxnSpPr>
+          <p:cNvPr id="18" name="Straight Connector 17"/>
+          <p:cNvCxnSpPr/>
+          <p:nvPr/>
+        </p:nvCxnSpPr>
+        <p:spPr>
+          <a:xfrm>
+            <a:off x="4676775" y="4612867"/>
+            <a:ext cx="0" cy="555625"/>
+          </a:xfrm>
+          <a:prstGeom prst="line">
+            <a:avLst/>
+          </a:prstGeom>
+        </p:spPr>
+        <p:style>
+          <a:lnRef idx="2">
+            <a:schemeClr val="accent1"/>
+          </a:lnRef>
+          <a:fillRef idx="0">
+            <a:schemeClr val="accent1"/>
+          </a:fillRef>
+          <a:effectRef idx="1">
+            <a:schemeClr val="accent1"/>
+          </a:effectRef>
+          <a:fontRef idx="minor">
+            <a:schemeClr val="tx1"/>
+          </a:fontRef>
+        </p:style>
+      </p:cxnSp>
+      <p:cxnSp>
+        <p:nvCxnSpPr>
+          <p:cNvPr id="19" name="Straight Connector 18"/>
+          <p:cNvCxnSpPr/>
+          <p:nvPr/>
+        </p:nvCxnSpPr>
+        <p:spPr>
+          <a:xfrm>
+            <a:off x="7670800" y="4612867"/>
+            <a:ext cx="0" cy="555625"/>
+          </a:xfrm>
+          <a:prstGeom prst="line">
+            <a:avLst/>
+          </a:prstGeom>
+        </p:spPr>
+        <p:style>
+          <a:lnRef idx="2">
+            <a:schemeClr val="accent1"/>
+          </a:lnRef>
+          <a:fillRef idx="0">
+            <a:schemeClr val="accent1"/>
+          </a:fillRef>
+          <a:effectRef idx="1">
+            <a:schemeClr val="accent1"/>
+          </a:effectRef>
+          <a:fontRef idx="minor">
+            <a:schemeClr val="tx1"/>
+          </a:fontRef>
+        </p:style>
+      </p:cxnSp>
+      <p:cxnSp>
+        <p:nvCxnSpPr>
+          <p:cNvPr id="25" name="Straight Arrow Connector 24"/>
+          <p:cNvCxnSpPr/>
+          <p:nvPr/>
+        </p:nvCxnSpPr>
+        <p:spPr>
+          <a:xfrm>
+            <a:off x="1793875" y="5168492"/>
+            <a:ext cx="2882900" cy="0"/>
+          </a:xfrm>
+          <a:prstGeom prst="straightConnector1">
+            <a:avLst/>
+          </a:prstGeom>
+          <a:ln>
+            <a:headEnd type="arrow"/>
+            <a:tailEnd type="arrow"/>
+          </a:ln>
+        </p:spPr>
+        <p:style>
+          <a:lnRef idx="2">
+            <a:schemeClr val="accent1"/>
+          </a:lnRef>
+          <a:fillRef idx="0">
+            <a:schemeClr val="accent1"/>
+          </a:fillRef>
+          <a:effectRef idx="1">
+            <a:schemeClr val="accent1"/>
+          </a:effectRef>
+          <a:fontRef idx="minor">
+            <a:schemeClr val="tx1"/>
+          </a:fontRef>
+        </p:style>
+      </p:cxnSp>
+      <p:cxnSp>
+        <p:nvCxnSpPr>
+          <p:cNvPr id="27" name="Straight Arrow Connector 26"/>
+          <p:cNvCxnSpPr/>
+          <p:nvPr/>
+        </p:nvCxnSpPr>
+        <p:spPr>
+          <a:xfrm>
+            <a:off x="4676775" y="5168492"/>
+            <a:ext cx="2994025" cy="0"/>
+          </a:xfrm>
+          <a:prstGeom prst="straightConnector1">
+            <a:avLst/>
+          </a:prstGeom>
+          <a:ln>
+            <a:headEnd type="arrow"/>
+            <a:tailEnd type="arrow"/>
+          </a:ln>
+        </p:spPr>
+        <p:style>
+          <a:lnRef idx="2">
+            <a:schemeClr val="accent1"/>
+          </a:lnRef>
+          <a:fillRef idx="0">
+            <a:schemeClr val="accent1"/>
+          </a:fillRef>
+          <a:effectRef idx="1">
+            <a:schemeClr val="accent1"/>
+          </a:effectRef>
+          <a:fontRef idx="minor">
+            <a:schemeClr val="tx1"/>
+          </a:fontRef>
+        </p:style>
+      </p:cxnSp>
+      <p:sp>
+        <p:nvSpPr>
+          <p:cNvPr id="31" name="TextBox 30"/>
+          <p:cNvSpPr txBox="1"/>
+          <p:nvPr/>
+        </p:nvSpPr>
+        <p:spPr>
+          <a:xfrm>
+            <a:off x="2365375" y="5143156"/>
+            <a:ext cx="1911776" cy="707886"/>
+          </a:xfrm>
+          <a:prstGeom prst="rect">
+            <a:avLst/>
+          </a:prstGeom>
+          <a:noFill/>
+        </p:spPr>
+        <p:txBody>
+          <a:bodyPr wrap="none" rtlCol="0">
+            <a:spAutoFit/>
+          </a:bodyPr>
+          <a:lstStyle/>
+          <a:p>
+            <a:r>
+              <a:rPr lang="en-US" sz="2000" dirty="0" smtClean="0">
+                <a:solidFill>
+                  <a:srgbClr val="595959"/>
+                </a:solidFill>
+              </a:rPr>
+              <a:t>HTTPS + REST +</a:t>
+            </a:r>
+            <a:br>
+              <a:rPr lang="en-US" sz="2000" dirty="0" smtClean="0">
+                <a:solidFill>
+                  <a:srgbClr val="595959"/>
+                </a:solidFill>
+              </a:rPr>
+            </a:br>
+            <a:r>
+              <a:rPr lang="en-US" sz="2000" dirty="0" smtClean="0">
+                <a:solidFill>
+                  <a:srgbClr val="595959"/>
+                </a:solidFill>
+              </a:rPr>
+              <a:t>     Firewall</a:t>
+            </a:r>
+            <a:endParaRPr lang="en-US" sz="2000" dirty="0">
+              <a:solidFill>
+                <a:srgbClr val="595959"/>
+              </a:solidFill>
+            </a:endParaRPr>
+          </a:p>
+        </p:txBody>
+      </p:sp>
+      <p:sp>
+        <p:nvSpPr>
+          <p:cNvPr id="32" name="TextBox 31"/>
+          <p:cNvSpPr txBox="1"/>
+          <p:nvPr/>
+        </p:nvSpPr>
+        <p:spPr>
+          <a:xfrm>
+            <a:off x="5295900" y="5168492"/>
+            <a:ext cx="1621983" cy="400110"/>
+          </a:xfrm>
+          <a:prstGeom prst="rect">
+            <a:avLst/>
+          </a:prstGeom>
+          <a:noFill/>
+        </p:spPr>
+        <p:txBody>
+          <a:bodyPr wrap="none" rtlCol="0">
+            <a:spAutoFit/>
+          </a:bodyPr>
+          <a:lstStyle/>
+          <a:p>
+            <a:r>
+              <a:rPr lang="en-US" sz="2000" dirty="0" smtClean="0">
+                <a:solidFill>
+                  <a:srgbClr val="595959"/>
+                </a:solidFill>
+              </a:rPr>
+              <a:t>SQL + JDBC</a:t>
+            </a:r>
+            <a:endParaRPr lang="en-US" sz="2000" dirty="0">
+              <a:solidFill>
+                <a:srgbClr val="595959"/>
+              </a:solidFill>
+            </a:endParaRPr>
+          </a:p>
+        </p:txBody>
+      </p:sp>
+    </p:spTree>
+    <p:extLst>
+      <p:ext uri="{BB962C8B-B14F-4D97-AF65-F5344CB8AC3E}">
+        <p14:creationId xmlns:p14="http://schemas.microsoft.com/office/powerpoint/2010/main" val="1358209395"/>
+      </p:ext>
+    </p:extLst>
+  </p:cSld>
+  <p:clrMapOvr>
+    <a:masterClrMapping/>
+  </p:clrMapOvr>
+  <p:timing>
+    <p:tnLst>
+      <p:par>
+        <p:cTn xmlns:p14="http://schemas.microsoft.com/office/powerpoint/2010/main" id="1" dur="indefinite" restart="never" nodeType="tmRoot"/>
+      </p:par>
+    </p:tnLst>
+  </p:timing>
+</p:sld>
+</file>
+
+<file path=ppt/slides/slide8.xml><?xml version="1.0" encoding="utf-8"?>
+<p:sld xmlns:a="http://schemas.openxmlformats.org/drawingml/2006/main" xmlns:r="http://schemas.openxmlformats.org/officeDocument/2006/relationships" xmlns:p="http://schemas.openxmlformats.org/presentationml/2006/main">
+  <p:cSld>
+    <p:spTree>
+      <p:nvGrpSpPr>
+        <p:cNvPr id="1" name=""/>
+        <p:cNvGrpSpPr/>
+        <p:nvPr/>
+      </p:nvGrpSpPr>
+      <p:grpSpPr>
+        <a:xfrm>
+          <a:off x="0" y="0"/>
+          <a:ext cx="0" cy="0"/>
+          <a:chOff x="0" y="0"/>
+          <a:chExt cx="0" cy="0"/>
+        </a:xfrm>
+      </p:grpSpPr>
+      <p:sp>
+        <p:nvSpPr>
+          <p:cNvPr id="2" name="Title 1"/>
+          <p:cNvSpPr>
+            <a:spLocks noGrp="1"/>
+          </p:cNvSpPr>
+          <p:nvPr>
+            <p:ph type="ctrTitle"/>
+          </p:nvPr>
+        </p:nvSpPr>
+        <p:spPr>
+          <a:xfrm>
+            <a:off x="685800" y="-3210333"/>
+            <a:ext cx="7772400" cy="4267200"/>
+          </a:xfrm>
+        </p:spPr>
+        <p:txBody>
+          <a:bodyPr/>
+          <a:lstStyle/>
+          <a:p>
+            <a:r>
+              <a:rPr lang="en-US" sz="3500" u="sng" dirty="0" smtClean="0">
+                <a:solidFill>
+                  <a:schemeClr val="tx1">
+                    <a:lumMod val="65000"/>
+                    <a:lumOff val="35000"/>
+                  </a:schemeClr>
+                </a:solidFill>
+              </a:rPr>
+              <a:t>2</a:t>
+            </a:r>
+            <a:r>
+              <a:rPr lang="en-US" sz="3500" u="sng" dirty="0" smtClean="0">
+                <a:solidFill>
+                  <a:schemeClr val="tx1">
+                    <a:lumMod val="65000"/>
+                    <a:lumOff val="35000"/>
+                  </a:schemeClr>
+                </a:solidFill>
+              </a:rPr>
+              <a:t>.</a:t>
+            </a:r>
+            <a:r>
+              <a:rPr lang="en-US" sz="3500" dirty="0" smtClean="0">
+                <a:solidFill>
+                  <a:schemeClr val="tx1">
+                    <a:lumMod val="65000"/>
+                    <a:lumOff val="35000"/>
+                  </a:schemeClr>
+                </a:solidFill>
+              </a:rPr>
+              <a:t> </a:t>
+            </a:r>
+            <a:r>
+              <a:rPr lang="en-US" sz="3500" u="sng" dirty="0" smtClean="0">
+                <a:solidFill>
+                  <a:schemeClr val="tx1">
+                    <a:lumMod val="65000"/>
+                    <a:lumOff val="35000"/>
+                  </a:schemeClr>
+                </a:solidFill>
+              </a:rPr>
+              <a:t>Architecture: Connectivity</a:t>
+            </a:r>
+            <a:endParaRPr lang="en-US" sz="3500" u="sng" dirty="0">
+              <a:solidFill>
+                <a:schemeClr val="tx1">
+                  <a:lumMod val="65000"/>
+                  <a:lumOff val="35000"/>
+                </a:schemeClr>
+              </a:solidFill>
+            </a:endParaRPr>
+          </a:p>
+        </p:txBody>
+      </p:sp>
+      <p:pic>
+        <p:nvPicPr>
+          <p:cNvPr id="5" name="Picture 4" descr="Logo.png"/>
+          <p:cNvPicPr>
+            <a:picLocks noChangeAspect="1"/>
+          </p:cNvPicPr>
+          <p:nvPr/>
+        </p:nvPicPr>
+        <p:blipFill>
+          <a:blip r:embed="rId2" cstate="print">
+            <a:extLst>
+              <a:ext uri="{28A0092B-C50C-407E-A947-70E740481C1C}">
+                <a14:useLocalDpi xmlns:a14="http://schemas.microsoft.com/office/drawing/2010/main" val="0"/>
+              </a:ext>
+            </a:extLst>
+          </a:blip>
+          <a:stretch>
+            <a:fillRect/>
+          </a:stretch>
+        </p:blipFill>
+        <p:spPr>
+          <a:xfrm>
+            <a:off x="3475205" y="6143475"/>
+            <a:ext cx="2432304" cy="573024"/>
+          </a:xfrm>
+          <a:prstGeom prst="rect">
+            <a:avLst/>
+          </a:prstGeom>
+        </p:spPr>
+      </p:pic>
+      <p:sp>
+        <p:nvSpPr>
+          <p:cNvPr id="3" name="TextBox 2"/>
+          <p:cNvSpPr txBox="1"/>
+          <p:nvPr/>
+        </p:nvSpPr>
+        <p:spPr>
+          <a:xfrm>
+            <a:off x="1514755" y="1741555"/>
+            <a:ext cx="3121316" cy="4524316"/>
+          </a:xfrm>
+          <a:prstGeom prst="rect">
+            <a:avLst/>
+          </a:prstGeom>
+          <a:noFill/>
+        </p:spPr>
+        <p:txBody>
+          <a:bodyPr wrap="square" rtlCol="0">
+            <a:spAutoFit/>
+          </a:bodyPr>
+          <a:lstStyle/>
+          <a:p>
+            <a:r>
+              <a:rPr lang="en-US" b="1" u="sng" dirty="0" smtClean="0">
+                <a:solidFill>
+                  <a:srgbClr val="595959"/>
+                </a:solidFill>
+              </a:rPr>
+              <a:t>HTTPS</a:t>
+            </a:r>
+          </a:p>
+          <a:p>
+            <a:pPr marL="285750" indent="-285750">
+              <a:buFont typeface="Arial"/>
+              <a:buChar char="•"/>
+            </a:pPr>
+            <a:r>
+              <a:rPr lang="en-US" dirty="0" smtClean="0">
+                <a:solidFill>
+                  <a:srgbClr val="595959"/>
+                </a:solidFill>
+              </a:rPr>
+              <a:t>Identity verification</a:t>
+            </a:r>
+          </a:p>
+          <a:p>
+            <a:pPr marL="285750" indent="-285750">
+              <a:buFont typeface="Arial"/>
+              <a:buChar char="•"/>
+            </a:pPr>
+            <a:r>
+              <a:rPr lang="en-US" dirty="0" smtClean="0">
+                <a:solidFill>
+                  <a:srgbClr val="595959"/>
+                </a:solidFill>
+              </a:rPr>
+              <a:t>Data Integrity</a:t>
+            </a:r>
+          </a:p>
+          <a:p>
+            <a:endParaRPr lang="en-US" dirty="0">
+              <a:solidFill>
+                <a:srgbClr val="595959"/>
+              </a:solidFill>
+            </a:endParaRPr>
+          </a:p>
+          <a:p>
+            <a:r>
+              <a:rPr lang="en-US" b="1" u="sng" dirty="0" smtClean="0">
+                <a:solidFill>
+                  <a:srgbClr val="595959"/>
+                </a:solidFill>
+              </a:rPr>
+              <a:t>Firewall:</a:t>
+            </a:r>
+          </a:p>
+          <a:p>
+            <a:pPr marL="285750" indent="-285750">
+              <a:buFont typeface="Arial"/>
+              <a:buChar char="•"/>
+            </a:pPr>
+            <a:r>
+              <a:rPr lang="en-US" dirty="0" smtClean="0">
+                <a:solidFill>
+                  <a:srgbClr val="595959"/>
+                </a:solidFill>
+              </a:rPr>
+              <a:t>Additional low cost security layer</a:t>
+            </a:r>
+          </a:p>
+          <a:p>
+            <a:pPr marL="285750" indent="-285750">
+              <a:buFont typeface="Arial"/>
+              <a:buChar char="•"/>
+            </a:pPr>
+            <a:endParaRPr lang="en-US" dirty="0" smtClean="0">
+              <a:solidFill>
+                <a:srgbClr val="595959"/>
+              </a:solidFill>
+            </a:endParaRPr>
+          </a:p>
+          <a:p>
+            <a:endParaRPr lang="en-US" dirty="0" smtClean="0">
+              <a:solidFill>
+                <a:srgbClr val="595959"/>
+              </a:solidFill>
+            </a:endParaRPr>
+          </a:p>
+          <a:p>
+            <a:endParaRPr lang="en-US" dirty="0">
+              <a:solidFill>
+                <a:srgbClr val="595959"/>
+              </a:solidFill>
+            </a:endParaRPr>
+          </a:p>
+          <a:p>
+            <a:r>
+              <a:rPr lang="en-US" b="1" u="sng" dirty="0" smtClean="0">
+                <a:solidFill>
+                  <a:srgbClr val="595959"/>
+                </a:solidFill>
+              </a:rPr>
+              <a:t>SQL:</a:t>
+            </a:r>
+          </a:p>
+          <a:p>
+            <a:pPr marL="285750" indent="-285750">
+              <a:buFont typeface="Arial"/>
+              <a:buChar char="•"/>
+            </a:pPr>
+            <a:r>
+              <a:rPr lang="en-US" dirty="0" smtClean="0">
+                <a:solidFill>
+                  <a:srgbClr val="595959"/>
+                </a:solidFill>
+              </a:rPr>
+              <a:t>Query RDB through well defined standard that allows high speeds</a:t>
+            </a:r>
+          </a:p>
+          <a:p>
+            <a:endParaRPr lang="en-US" b="1" u="sng" dirty="0" smtClean="0">
+              <a:solidFill>
+                <a:srgbClr val="595959"/>
+              </a:solidFill>
+            </a:endParaRPr>
+          </a:p>
+          <a:p>
+            <a:endParaRPr lang="en-US" dirty="0" smtClean="0">
+              <a:solidFill>
+                <a:srgbClr val="595959"/>
+              </a:solidFill>
+            </a:endParaRPr>
+          </a:p>
+        </p:txBody>
+      </p:sp>
+      <p:sp>
+        <p:nvSpPr>
+          <p:cNvPr id="15" name="TextBox 14"/>
+          <p:cNvSpPr txBox="1"/>
+          <p:nvPr/>
+        </p:nvSpPr>
+        <p:spPr>
+          <a:xfrm>
+            <a:off x="4772565" y="1741555"/>
+            <a:ext cx="3121316" cy="4524316"/>
+          </a:xfrm>
+          <a:prstGeom prst="rect">
+            <a:avLst/>
+          </a:prstGeom>
+          <a:noFill/>
+        </p:spPr>
+        <p:txBody>
+          <a:bodyPr wrap="square" rtlCol="0">
+            <a:spAutoFit/>
+          </a:bodyPr>
+          <a:lstStyle/>
+          <a:p>
+            <a:r>
+              <a:rPr lang="en-US" b="1" u="sng" dirty="0" smtClean="0">
+                <a:solidFill>
+                  <a:srgbClr val="595959"/>
+                </a:solidFill>
+              </a:rPr>
+              <a:t>RESTful:</a:t>
+            </a:r>
+          </a:p>
+          <a:p>
+            <a:pPr marL="285750" indent="-285750">
+              <a:buFont typeface="Arial"/>
+              <a:buChar char="•"/>
+            </a:pPr>
+            <a:r>
+              <a:rPr lang="en-US" dirty="0" smtClean="0">
+                <a:solidFill>
+                  <a:srgbClr val="595959"/>
+                </a:solidFill>
+              </a:rPr>
+              <a:t>Stateless</a:t>
+            </a:r>
+          </a:p>
+          <a:p>
+            <a:pPr marL="285750" indent="-285750">
+              <a:buFont typeface="Arial"/>
+              <a:buChar char="•"/>
+            </a:pPr>
+            <a:r>
+              <a:rPr lang="en-US" dirty="0" smtClean="0">
+                <a:solidFill>
+                  <a:srgbClr val="595959"/>
+                </a:solidFill>
+              </a:rPr>
+              <a:t>Cacheable</a:t>
+            </a:r>
+          </a:p>
+          <a:p>
+            <a:pPr marL="285750" indent="-285750">
+              <a:buFont typeface="Arial"/>
+              <a:buChar char="•"/>
+            </a:pPr>
+            <a:r>
+              <a:rPr lang="en-US" dirty="0" smtClean="0">
+                <a:solidFill>
+                  <a:srgbClr val="595959"/>
+                </a:solidFill>
+              </a:rPr>
+              <a:t>Layered</a:t>
+            </a:r>
+          </a:p>
+          <a:p>
+            <a:endParaRPr lang="en-US" dirty="0" smtClean="0">
+              <a:solidFill>
+                <a:srgbClr val="595959"/>
+              </a:solidFill>
+            </a:endParaRPr>
+          </a:p>
+          <a:p>
+            <a:endParaRPr lang="en-US" b="1" u="sng" dirty="0">
+              <a:solidFill>
+                <a:srgbClr val="595959"/>
+              </a:solidFill>
+            </a:endParaRPr>
+          </a:p>
+          <a:p>
+            <a:endParaRPr lang="en-US" b="1" u="sng" dirty="0" smtClean="0">
+              <a:solidFill>
+                <a:srgbClr val="595959"/>
+              </a:solidFill>
+            </a:endParaRPr>
+          </a:p>
+          <a:p>
+            <a:endParaRPr lang="en-US" b="1" u="sng" dirty="0" smtClean="0">
+              <a:solidFill>
+                <a:srgbClr val="595959"/>
+              </a:solidFill>
+            </a:endParaRPr>
+          </a:p>
+          <a:p>
+            <a:endParaRPr lang="en-US" b="1" u="sng" dirty="0" smtClean="0">
+              <a:solidFill>
+                <a:srgbClr val="595959"/>
+              </a:solidFill>
+            </a:endParaRPr>
+          </a:p>
+          <a:p>
+            <a:endParaRPr lang="en-US" b="1" u="sng" dirty="0" smtClean="0">
+              <a:solidFill>
+                <a:srgbClr val="595959"/>
+              </a:solidFill>
+            </a:endParaRPr>
+          </a:p>
+          <a:p>
+            <a:r>
+              <a:rPr lang="en-US" b="1" u="sng" dirty="0" smtClean="0">
+                <a:solidFill>
+                  <a:srgbClr val="595959"/>
+                </a:solidFill>
+              </a:rPr>
+              <a:t>JDBC:</a:t>
+            </a:r>
+          </a:p>
+          <a:p>
+            <a:pPr marL="285750" indent="-285750">
+              <a:buFont typeface="Arial"/>
+              <a:buChar char="•"/>
+            </a:pPr>
+            <a:r>
+              <a:rPr lang="en-US" dirty="0" smtClean="0">
+                <a:solidFill>
+                  <a:srgbClr val="595959"/>
+                </a:solidFill>
+              </a:rPr>
+              <a:t>Makes Java – DB connection easy and cost effective</a:t>
+            </a:r>
+          </a:p>
+          <a:p>
+            <a:pPr marL="285750" indent="-285750">
+              <a:buFont typeface="Arial"/>
+              <a:buChar char="•"/>
+            </a:pPr>
+            <a:endParaRPr lang="en-US" b="1" u="sng" dirty="0" smtClean="0">
+              <a:solidFill>
+                <a:srgbClr val="595959"/>
+              </a:solidFill>
+            </a:endParaRPr>
+          </a:p>
+          <a:p>
+            <a:endParaRPr lang="en-US" dirty="0" smtClean="0">
+              <a:solidFill>
+                <a:srgbClr val="595959"/>
+              </a:solidFill>
+            </a:endParaRPr>
+          </a:p>
+        </p:txBody>
+      </p:sp>
+      <p:sp>
+        <p:nvSpPr>
+          <p:cNvPr id="4" name="TextBox 3"/>
+          <p:cNvSpPr txBox="1"/>
+          <p:nvPr/>
+        </p:nvSpPr>
+        <p:spPr>
+          <a:xfrm>
+            <a:off x="2803133" y="1096975"/>
+            <a:ext cx="3665875" cy="477054"/>
+          </a:xfrm>
+          <a:prstGeom prst="rect">
+            <a:avLst/>
+          </a:prstGeom>
+          <a:noFill/>
+        </p:spPr>
+        <p:txBody>
+          <a:bodyPr wrap="none" rtlCol="0">
+            <a:spAutoFit/>
+          </a:bodyPr>
+          <a:lstStyle/>
+          <a:p>
+            <a:r>
+              <a:rPr lang="en-US" sz="2500" b="1" u="sng" dirty="0" smtClean="0">
+                <a:solidFill>
+                  <a:srgbClr val="FF6600"/>
+                </a:solidFill>
+              </a:rPr>
+              <a:t>First Tier -&gt; Second Tier</a:t>
+            </a:r>
+            <a:endParaRPr lang="en-US" sz="2500" b="1" u="sng" dirty="0">
+              <a:solidFill>
+                <a:srgbClr val="FF6600"/>
+              </a:solidFill>
+            </a:endParaRPr>
+          </a:p>
+        </p:txBody>
+      </p:sp>
+      <p:sp>
+        <p:nvSpPr>
+          <p:cNvPr id="20" name="TextBox 19"/>
+          <p:cNvSpPr txBox="1"/>
+          <p:nvPr/>
+        </p:nvSpPr>
+        <p:spPr>
+          <a:xfrm>
+            <a:off x="2670443" y="3959681"/>
+            <a:ext cx="3813865" cy="477054"/>
+          </a:xfrm>
+          <a:prstGeom prst="rect">
+            <a:avLst/>
+          </a:prstGeom>
+          <a:noFill/>
+        </p:spPr>
+        <p:txBody>
+          <a:bodyPr wrap="none" rtlCol="0">
+            <a:spAutoFit/>
+          </a:bodyPr>
+          <a:lstStyle/>
+          <a:p>
+            <a:r>
+              <a:rPr lang="en-US" sz="2500" b="1" u="sng" dirty="0" smtClean="0">
+                <a:solidFill>
+                  <a:srgbClr val="FF6600"/>
+                </a:solidFill>
+              </a:rPr>
+              <a:t>Second Tier -&gt; Third Tier</a:t>
+            </a:r>
+            <a:endParaRPr lang="en-US" sz="2500" b="1" u="sng" dirty="0">
+              <a:solidFill>
+                <a:srgbClr val="FF6600"/>
+              </a:solidFill>
+            </a:endParaRPr>
+          </a:p>
+        </p:txBody>
+      </p:sp>
+    </p:spTree>
+    <p:extLst>
+      <p:ext uri="{BB962C8B-B14F-4D97-AF65-F5344CB8AC3E}">
+        <p14:creationId xmlns:p14="http://schemas.microsoft.com/office/powerpoint/2010/main" val="3536518012"/>
+      </p:ext>
+    </p:extLst>
+  </p:cSld>
+  <p:clrMapOvr>
+    <a:masterClrMapping/>
+  </p:clrMapOvr>
+  <p:timing>
+    <p:tnLst>
+      <p:par>
+        <p:cTn xmlns:p14="http://schemas.microsoft.com/office/powerpoint/2010/main" id="1" dur="indefinite" restart="never" nodeType="tmRoot"/>
+      </p:par>
+    </p:tnLst>
+  </p:timing>
+</p:sld>
+</file>
+
+<file path=ppt/slides/slide9.xml><?xml version="1.0" encoding="utf-8"?>
+<p:sld xmlns:a="http://schemas.openxmlformats.org/drawingml/2006/main" xmlns:r="http://schemas.openxmlformats.org/officeDocument/2006/relationships" xmlns:p="http://schemas.openxmlformats.org/presentationml/2006/main">
+  <p:cSld>
+    <p:spTree>
+      <p:nvGrpSpPr>
+        <p:cNvPr id="1" name=""/>
+        <p:cNvGrpSpPr/>
+        <p:nvPr/>
+      </p:nvGrpSpPr>
+      <p:grpSpPr>
+        <a:xfrm>
+          <a:off x="0" y="0"/>
+          <a:ext cx="0" cy="0"/>
+          <a:chOff x="0" y="0"/>
+          <a:chExt cx="0" cy="0"/>
+        </a:xfrm>
+      </p:grpSpPr>
+      <p:sp>
+        <p:nvSpPr>
+          <p:cNvPr id="2" name="Title 1"/>
+          <p:cNvSpPr>
+            <a:spLocks noGrp="1"/>
+          </p:cNvSpPr>
+          <p:nvPr>
+            <p:ph type="ctrTitle"/>
+          </p:nvPr>
+        </p:nvSpPr>
+        <p:spPr>
+          <a:xfrm>
+            <a:off x="685800" y="-3210333"/>
+            <a:ext cx="7772400" cy="4267200"/>
+          </a:xfrm>
+        </p:spPr>
+        <p:txBody>
+          <a:bodyPr/>
+          <a:lstStyle/>
+          <a:p>
+            <a:r>
+              <a:rPr lang="en-US" sz="3500" u="sng" dirty="0">
+                <a:solidFill>
+                  <a:schemeClr val="tx1">
+                    <a:lumMod val="65000"/>
+                    <a:lumOff val="35000"/>
+                  </a:schemeClr>
+                </a:solidFill>
+              </a:rPr>
+              <a:t>3</a:t>
+            </a:r>
+            <a:r>
+              <a:rPr lang="en-US" sz="3500" u="sng" dirty="0" smtClean="0">
+                <a:solidFill>
+                  <a:schemeClr val="tx1">
+                    <a:lumMod val="65000"/>
+                    <a:lumOff val="35000"/>
+                  </a:schemeClr>
+                </a:solidFill>
+              </a:rPr>
+              <a:t>.</a:t>
+            </a:r>
+            <a:r>
+              <a:rPr lang="en-US" sz="3500" dirty="0" smtClean="0">
+                <a:solidFill>
+                  <a:schemeClr val="tx1">
+                    <a:lumMod val="65000"/>
+                    <a:lumOff val="35000"/>
+                  </a:schemeClr>
+                </a:solidFill>
+              </a:rPr>
+              <a:t> </a:t>
+            </a:r>
+            <a:r>
+              <a:rPr lang="en-US" sz="3500" u="sng" dirty="0" smtClean="0">
+                <a:solidFill>
+                  <a:schemeClr val="tx1">
+                    <a:lumMod val="65000"/>
+                    <a:lumOff val="35000"/>
+                  </a:schemeClr>
+                </a:solidFill>
+              </a:rPr>
+              <a:t>Client Application</a:t>
+            </a:r>
+            <a:endParaRPr lang="en-US" sz="3500" u="sng" dirty="0">
+              <a:solidFill>
+                <a:schemeClr val="tx1">
+                  <a:lumMod val="65000"/>
+                  <a:lumOff val="35000"/>
+                </a:schemeClr>
+              </a:solidFill>
+            </a:endParaRPr>
+          </a:p>
+        </p:txBody>
+      </p:sp>
+      <p:pic>
+        <p:nvPicPr>
+          <p:cNvPr id="5" name="Picture 4" descr="Logo.png"/>
+          <p:cNvPicPr>
+            <a:picLocks noChangeAspect="1"/>
+          </p:cNvPicPr>
+          <p:nvPr/>
+        </p:nvPicPr>
+        <p:blipFill>
+          <a:blip r:embed="rId2" cstate="print">
+            <a:extLst>
+              <a:ext uri="{28A0092B-C50C-407E-A947-70E740481C1C}">
+                <a14:useLocalDpi xmlns:a14="http://schemas.microsoft.com/office/drawing/2010/main" val="0"/>
+              </a:ext>
+            </a:extLst>
+          </a:blip>
+          <a:stretch>
+            <a:fillRect/>
+          </a:stretch>
+        </p:blipFill>
+        <p:spPr>
+          <a:xfrm>
+            <a:off x="3475205" y="6143475"/>
+            <a:ext cx="2432304" cy="573024"/>
+          </a:xfrm>
+          <a:prstGeom prst="rect">
+            <a:avLst/>
+          </a:prstGeom>
+        </p:spPr>
+      </p:pic>
+      <p:sp>
+        <p:nvSpPr>
+          <p:cNvPr id="6" name="TextBox 5"/>
+          <p:cNvSpPr txBox="1"/>
+          <p:nvPr/>
+        </p:nvSpPr>
+        <p:spPr>
+          <a:xfrm>
+            <a:off x="1512030" y="1392254"/>
+            <a:ext cx="6122951" cy="4324261"/>
+          </a:xfrm>
+          <a:prstGeom prst="rect">
+            <a:avLst/>
+          </a:prstGeom>
+          <a:noFill/>
+        </p:spPr>
+        <p:txBody>
+          <a:bodyPr wrap="square" rtlCol="0">
+            <a:spAutoFit/>
+          </a:bodyPr>
+          <a:lstStyle/>
+          <a:p>
+            <a:r>
+              <a:rPr lang="en-US" sz="2500" b="1" dirty="0" smtClean="0">
+                <a:solidFill>
+                  <a:schemeClr val="tx1">
+                    <a:lumMod val="65000"/>
+                    <a:lumOff val="35000"/>
+                  </a:schemeClr>
+                </a:solidFill>
+              </a:rPr>
+              <a:t>Mobile/Web Application main actions:</a:t>
+            </a:r>
+          </a:p>
+          <a:p>
+            <a:pPr marL="457200" indent="-457200">
+              <a:buFont typeface="+mj-lt"/>
+              <a:buAutoNum type="arabicPeriod"/>
+            </a:pPr>
+            <a:r>
+              <a:rPr lang="en-US" sz="2500" dirty="0" smtClean="0">
+                <a:solidFill>
+                  <a:schemeClr val="tx1">
+                    <a:lumMod val="65000"/>
+                    <a:lumOff val="35000"/>
+                  </a:schemeClr>
+                </a:solidFill>
+              </a:rPr>
+              <a:t>Sign in &amp; sign up</a:t>
+            </a:r>
+          </a:p>
+          <a:p>
+            <a:pPr marL="457200" indent="-457200">
+              <a:buFont typeface="+mj-lt"/>
+              <a:buAutoNum type="arabicPeriod"/>
+            </a:pPr>
+            <a:r>
+              <a:rPr lang="en-US" sz="2500" dirty="0" smtClean="0">
+                <a:solidFill>
+                  <a:schemeClr val="tx1">
+                    <a:lumMod val="65000"/>
+                    <a:lumOff val="35000"/>
+                  </a:schemeClr>
+                </a:solidFill>
+              </a:rPr>
+              <a:t>Search available </a:t>
+            </a:r>
+            <a:r>
+              <a:rPr lang="en-US" sz="2500" dirty="0">
+                <a:solidFill>
+                  <a:schemeClr val="tx1">
+                    <a:lumMod val="65000"/>
+                    <a:lumOff val="35000"/>
+                  </a:schemeClr>
+                </a:solidFill>
+              </a:rPr>
+              <a:t>c</a:t>
+            </a:r>
+            <a:r>
+              <a:rPr lang="en-US" sz="2500" dirty="0" smtClean="0">
+                <a:solidFill>
+                  <a:schemeClr val="tx1">
+                    <a:lumMod val="65000"/>
+                    <a:lumOff val="35000"/>
+                  </a:schemeClr>
+                </a:solidFill>
+              </a:rPr>
+              <a:t>ars</a:t>
+            </a:r>
+          </a:p>
+          <a:p>
+            <a:pPr marL="457200" indent="-457200">
+              <a:buFont typeface="+mj-lt"/>
+              <a:buAutoNum type="arabicPeriod"/>
+            </a:pPr>
+            <a:r>
+              <a:rPr lang="en-US" sz="2500" dirty="0" smtClean="0">
+                <a:solidFill>
+                  <a:schemeClr val="tx1">
+                    <a:lumMod val="65000"/>
+                    <a:lumOff val="35000"/>
+                  </a:schemeClr>
+                </a:solidFill>
+              </a:rPr>
+              <a:t>Reserve cars</a:t>
+            </a:r>
+          </a:p>
+          <a:p>
+            <a:pPr marL="457200" indent="-457200">
+              <a:buFont typeface="+mj-lt"/>
+              <a:buAutoNum type="arabicPeriod"/>
+            </a:pPr>
+            <a:r>
+              <a:rPr lang="en-US" sz="2500" dirty="0" smtClean="0">
+                <a:solidFill>
+                  <a:schemeClr val="tx1">
+                    <a:lumMod val="65000"/>
+                    <a:lumOff val="35000"/>
+                  </a:schemeClr>
+                </a:solidFill>
+              </a:rPr>
+              <a:t>View user profile &amp; history</a:t>
+            </a:r>
+          </a:p>
+          <a:p>
+            <a:pPr marL="457200" indent="-457200">
+              <a:buFont typeface="+mj-lt"/>
+              <a:buAutoNum type="arabicPeriod"/>
+            </a:pPr>
+            <a:endParaRPr lang="en-US" sz="2500" dirty="0">
+              <a:solidFill>
+                <a:schemeClr val="tx1">
+                  <a:lumMod val="65000"/>
+                  <a:lumOff val="35000"/>
+                </a:schemeClr>
+              </a:solidFill>
+            </a:endParaRPr>
+          </a:p>
+          <a:p>
+            <a:r>
+              <a:rPr lang="en-US" sz="2500" b="1" dirty="0" smtClean="0">
+                <a:solidFill>
+                  <a:schemeClr val="tx1">
+                    <a:lumMod val="65000"/>
+                    <a:lumOff val="35000"/>
+                  </a:schemeClr>
+                </a:solidFill>
+              </a:rPr>
+              <a:t>On Board Application main actions:</a:t>
+            </a:r>
+          </a:p>
+          <a:p>
+            <a:pPr marL="457200" indent="-457200">
+              <a:buFont typeface="+mj-lt"/>
+              <a:buAutoNum type="arabicPeriod"/>
+            </a:pPr>
+            <a:r>
+              <a:rPr lang="en-US" sz="2500" dirty="0" smtClean="0">
+                <a:solidFill>
+                  <a:schemeClr val="tx1">
+                    <a:lumMod val="65000"/>
+                    <a:lumOff val="35000"/>
+                  </a:schemeClr>
+                </a:solidFill>
+              </a:rPr>
+              <a:t>Sign in</a:t>
+            </a:r>
+          </a:p>
+          <a:p>
+            <a:pPr marL="457200" indent="-457200">
+              <a:buFont typeface="+mj-lt"/>
+              <a:buAutoNum type="arabicPeriod"/>
+            </a:pPr>
+            <a:r>
+              <a:rPr lang="en-US" sz="2500" dirty="0" smtClean="0">
+                <a:solidFill>
+                  <a:schemeClr val="tx1">
+                    <a:lumMod val="65000"/>
+                    <a:lumOff val="35000"/>
+                  </a:schemeClr>
+                </a:solidFill>
+              </a:rPr>
+              <a:t>Start ride &amp; navigation</a:t>
+            </a:r>
+          </a:p>
+          <a:p>
+            <a:pPr marL="457200" indent="-457200">
+              <a:buFont typeface="+mj-lt"/>
+              <a:buAutoNum type="arabicPeriod"/>
+            </a:pPr>
+            <a:r>
+              <a:rPr lang="en-US" sz="2500" dirty="0" smtClean="0">
+                <a:solidFill>
+                  <a:schemeClr val="tx1">
+                    <a:lumMod val="65000"/>
+                    <a:lumOff val="35000"/>
+                  </a:schemeClr>
+                </a:solidFill>
+              </a:rPr>
+              <a:t>View car statistics</a:t>
+            </a:r>
+          </a:p>
+          <a:p>
+            <a:pPr marL="457200" indent="-457200">
+              <a:buFont typeface="+mj-lt"/>
+              <a:buAutoNum type="arabicPeriod"/>
+            </a:pPr>
+            <a:r>
+              <a:rPr lang="en-US" sz="2500" dirty="0" smtClean="0">
+                <a:solidFill>
+                  <a:schemeClr val="tx1">
+                    <a:lumMod val="65000"/>
+                    <a:lumOff val="35000"/>
+                  </a:schemeClr>
+                </a:solidFill>
+              </a:rPr>
+              <a:t>End ride</a:t>
+            </a:r>
+            <a:endParaRPr lang="en-US" sz="2500" dirty="0">
+              <a:solidFill>
+                <a:schemeClr val="tx1">
+                  <a:lumMod val="65000"/>
+                  <a:lumOff val="35000"/>
+                </a:schemeClr>
+              </a:solidFill>
+            </a:endParaRPr>
+          </a:p>
+        </p:txBody>
+      </p:sp>
+    </p:spTree>
+    <p:extLst>
+      <p:ext uri="{BB962C8B-B14F-4D97-AF65-F5344CB8AC3E}">
+        <p14:creationId xmlns:p14="http://schemas.microsoft.com/office/powerpoint/2010/main" val="3028052705"/>
+      </p:ext>
+    </p:extLst>
+  </p:cSld>
+  <p:clrMapOvr>
+    <a:masterClrMapping/>
+  </p:clrMapOvr>
+  <p:timing>
+    <p:tnLst>
+      <p:par>
+        <p:cTn xmlns:p14="http://schemas.microsoft.com/office/powerpoint/2010/main" id="1" dur="indefinite" restart="never" nodeType="tmRoot"/>
+      </p:par>
+    </p:tnLst>
+  </p:timing>
+</p:sld>
+</file>
+
 <file path=ppt/theme/theme1.xml><?xml version="1.0" encoding="utf-8"?>
 <a:theme xmlns:a="http://schemas.openxmlformats.org/drawingml/2006/main" name="Executive">
   <a:themeElements>

--- a/PP/PresentationDD.pptx
+++ b/PP/PresentationDD.pptx
@@ -5,7 +5,7 @@
     <p:sldMasterId id="2147483648" r:id="rId1"/>
   </p:sldMasterIdLst>
   <p:notesMasterIdLst>
-    <p:notesMasterId r:id="rId16"/>
+    <p:notesMasterId r:id="rId20"/>
   </p:notesMasterIdLst>
   <p:sldIdLst>
     <p:sldId id="256" r:id="rId2"/>
@@ -22,6 +22,10 @@
     <p:sldId id="268" r:id="rId13"/>
     <p:sldId id="269" r:id="rId14"/>
     <p:sldId id="271" r:id="rId15"/>
+    <p:sldId id="272" r:id="rId16"/>
+    <p:sldId id="273" r:id="rId17"/>
+    <p:sldId id="274" r:id="rId18"/>
+    <p:sldId id="275" r:id="rId19"/>
   </p:sldIdLst>
   <p:sldSz cx="9144000" cy="6858000" type="screen4x3"/>
   <p:notesSz cx="6858000" cy="9144000"/>
@@ -31680,10 +31684,2202 @@
           </a:prstGeom>
         </p:spPr>
       </p:pic>
+      <p:sp>
+        <p:nvSpPr>
+          <p:cNvPr id="3" name="TextBox 2"/>
+          <p:cNvSpPr txBox="1"/>
+          <p:nvPr/>
+        </p:nvSpPr>
+        <p:spPr>
+          <a:xfrm>
+            <a:off x="685800" y="1210122"/>
+            <a:ext cx="7772400" cy="5678477"/>
+          </a:xfrm>
+          <a:prstGeom prst="rect">
+            <a:avLst/>
+          </a:prstGeom>
+          <a:noFill/>
+        </p:spPr>
+        <p:txBody>
+          <a:bodyPr wrap="square" rtlCol="0">
+            <a:spAutoFit/>
+          </a:bodyPr>
+          <a:lstStyle/>
+          <a:p>
+            <a:pPr algn="ctr"/>
+            <a:r>
+              <a:rPr lang="en-US" sz="2200" b="1" u="sng" dirty="0" smtClean="0">
+                <a:solidFill>
+                  <a:srgbClr val="FF6600"/>
+                </a:solidFill>
+              </a:rPr>
+              <a:t>Car Search Algorithm</a:t>
+            </a:r>
+          </a:p>
+          <a:p>
+            <a:pPr algn="ctr"/>
+            <a:endParaRPr lang="en-US" sz="2200" b="1" u="sng" dirty="0" smtClean="0">
+              <a:solidFill>
+                <a:srgbClr val="595959"/>
+              </a:solidFill>
+            </a:endParaRPr>
+          </a:p>
+          <a:p>
+            <a:pPr marL="342900" indent="-342900">
+              <a:buFont typeface="Arial"/>
+              <a:buChar char="•"/>
+            </a:pPr>
+            <a:r>
+              <a:rPr lang="en-US" sz="2200" dirty="0" smtClean="0">
+                <a:solidFill>
+                  <a:srgbClr val="595959"/>
+                </a:solidFill>
+              </a:rPr>
+              <a:t>User sends </a:t>
+            </a:r>
+            <a:r>
+              <a:rPr lang="en-US" sz="2200" b="1" dirty="0" smtClean="0">
+                <a:solidFill>
+                  <a:srgbClr val="595959"/>
+                </a:solidFill>
+              </a:rPr>
+              <a:t>Search Action </a:t>
+            </a:r>
+            <a:r>
+              <a:rPr lang="en-US" sz="2200" dirty="0" smtClean="0">
+                <a:solidFill>
+                  <a:srgbClr val="595959"/>
+                </a:solidFill>
+              </a:rPr>
+              <a:t>with relative </a:t>
+            </a:r>
+            <a:r>
+              <a:rPr lang="en-US" sz="2200" b="1" dirty="0" smtClean="0">
+                <a:solidFill>
+                  <a:srgbClr val="595959"/>
+                </a:solidFill>
+              </a:rPr>
+              <a:t>SearchData </a:t>
+            </a:r>
+            <a:r>
+              <a:rPr lang="en-US" sz="2200" dirty="0" smtClean="0">
+                <a:solidFill>
+                  <a:srgbClr val="595959"/>
+                </a:solidFill>
+              </a:rPr>
+              <a:t>to the Back-End application via </a:t>
+            </a:r>
+            <a:r>
+              <a:rPr lang="en-US" sz="2200" b="1" dirty="0" smtClean="0">
+                <a:solidFill>
+                  <a:srgbClr val="595959"/>
+                </a:solidFill>
+              </a:rPr>
+              <a:t>HTTPS</a:t>
+            </a:r>
+            <a:r>
+              <a:rPr lang="en-US" sz="2200" dirty="0" smtClean="0">
+                <a:solidFill>
+                  <a:srgbClr val="595959"/>
+                </a:solidFill>
+              </a:rPr>
+              <a:t>. As shown , the request is </a:t>
+            </a:r>
+            <a:r>
+              <a:rPr lang="en-US" sz="2200" b="1" dirty="0" smtClean="0">
+                <a:solidFill>
+                  <a:srgbClr val="595959"/>
+                </a:solidFill>
+              </a:rPr>
+              <a:t>encapsulated</a:t>
+            </a:r>
+            <a:r>
+              <a:rPr lang="en-US" sz="2200" dirty="0" smtClean="0">
+                <a:solidFill>
+                  <a:srgbClr val="595959"/>
+                </a:solidFill>
+              </a:rPr>
+              <a:t> and then </a:t>
+            </a:r>
+            <a:r>
+              <a:rPr lang="en-US" sz="2200" b="1" dirty="0" smtClean="0">
+                <a:solidFill>
+                  <a:srgbClr val="595959"/>
+                </a:solidFill>
+              </a:rPr>
+              <a:t>dispatched server side</a:t>
+            </a:r>
+            <a:r>
+              <a:rPr lang="en-US" sz="2200" dirty="0" smtClean="0">
+                <a:solidFill>
+                  <a:srgbClr val="595959"/>
+                </a:solidFill>
+              </a:rPr>
+              <a:t>.</a:t>
+            </a:r>
+          </a:p>
+          <a:p>
+            <a:pPr marL="342900" indent="-342900">
+              <a:lnSpc>
+                <a:spcPct val="50000"/>
+              </a:lnSpc>
+              <a:buFont typeface="Arial"/>
+              <a:buChar char="•"/>
+            </a:pPr>
+            <a:endParaRPr lang="en-US" sz="2200" dirty="0" smtClean="0">
+              <a:solidFill>
+                <a:srgbClr val="595959"/>
+              </a:solidFill>
+            </a:endParaRPr>
+          </a:p>
+          <a:p>
+            <a:pPr marL="342900" indent="-342900">
+              <a:buFont typeface="Arial"/>
+              <a:buChar char="•"/>
+            </a:pPr>
+            <a:r>
+              <a:rPr lang="en-US" sz="2200" dirty="0" smtClean="0">
+                <a:solidFill>
+                  <a:srgbClr val="595959"/>
+                </a:solidFill>
+              </a:rPr>
+              <a:t>The Back-End application’s </a:t>
+            </a:r>
+            <a:r>
+              <a:rPr lang="en-US" sz="2200" b="1" dirty="0" smtClean="0">
+                <a:solidFill>
+                  <a:srgbClr val="595959"/>
+                </a:solidFill>
+              </a:rPr>
+              <a:t>RequestManager </a:t>
+            </a:r>
+            <a:r>
+              <a:rPr lang="en-US" sz="2200" dirty="0" smtClean="0">
+                <a:solidFill>
+                  <a:srgbClr val="595959"/>
+                </a:solidFill>
+              </a:rPr>
+              <a:t>forwards the request to the </a:t>
+            </a:r>
+            <a:r>
+              <a:rPr lang="en-US" sz="2200" b="1" dirty="0" smtClean="0">
+                <a:solidFill>
+                  <a:srgbClr val="595959"/>
+                </a:solidFill>
+              </a:rPr>
+              <a:t>SearchManager </a:t>
+            </a:r>
+            <a:r>
+              <a:rPr lang="en-US" sz="2200" dirty="0" smtClean="0">
+                <a:solidFill>
+                  <a:srgbClr val="595959"/>
+                </a:solidFill>
+              </a:rPr>
+              <a:t>that retrieves relevant data </a:t>
+            </a:r>
+            <a:r>
+              <a:rPr lang="en-US" sz="2200" b="1" dirty="0" smtClean="0">
+                <a:solidFill>
+                  <a:srgbClr val="595959"/>
+                </a:solidFill>
+              </a:rPr>
+              <a:t>according</a:t>
+            </a:r>
+            <a:r>
+              <a:rPr lang="en-US" sz="2200" dirty="0" smtClean="0">
+                <a:solidFill>
+                  <a:srgbClr val="595959"/>
+                </a:solidFill>
+              </a:rPr>
+              <a:t> to the </a:t>
+            </a:r>
+            <a:r>
+              <a:rPr lang="en-US" sz="2200" b="1" dirty="0" smtClean="0">
+                <a:solidFill>
+                  <a:srgbClr val="595959"/>
+                </a:solidFill>
+              </a:rPr>
+              <a:t>SearchData </a:t>
+            </a:r>
+            <a:r>
+              <a:rPr lang="en-US" sz="2200" dirty="0" smtClean="0">
+                <a:solidFill>
+                  <a:srgbClr val="595959"/>
+                </a:solidFill>
+              </a:rPr>
+              <a:t>from the </a:t>
+            </a:r>
+            <a:r>
+              <a:rPr lang="en-US" sz="2200" b="1" dirty="0" smtClean="0">
+                <a:solidFill>
+                  <a:srgbClr val="595959"/>
+                </a:solidFill>
+              </a:rPr>
+              <a:t>PositionManager.</a:t>
+            </a:r>
+          </a:p>
+          <a:p>
+            <a:pPr>
+              <a:lnSpc>
+                <a:spcPct val="50000"/>
+              </a:lnSpc>
+            </a:pPr>
+            <a:endParaRPr lang="en-US" sz="2200" b="1" dirty="0" smtClean="0">
+              <a:solidFill>
+                <a:srgbClr val="595959"/>
+              </a:solidFill>
+            </a:endParaRPr>
+          </a:p>
+          <a:p>
+            <a:pPr marL="342900" indent="-342900">
+              <a:buFont typeface="Arial"/>
+              <a:buChar char="•"/>
+            </a:pPr>
+            <a:r>
+              <a:rPr lang="en-US" sz="2200" dirty="0" smtClean="0">
+                <a:solidFill>
+                  <a:srgbClr val="595959"/>
+                </a:solidFill>
+              </a:rPr>
+              <a:t>The </a:t>
+            </a:r>
+            <a:r>
+              <a:rPr lang="en-US" sz="2200" b="1" dirty="0" smtClean="0">
+                <a:solidFill>
+                  <a:srgbClr val="595959"/>
+                </a:solidFill>
+              </a:rPr>
+              <a:t>NotificationManager</a:t>
+            </a:r>
+            <a:r>
+              <a:rPr lang="en-US" sz="2200" dirty="0" smtClean="0">
+                <a:solidFill>
+                  <a:srgbClr val="595959"/>
+                </a:solidFill>
+              </a:rPr>
+              <a:t>  sends the resulting data to the </a:t>
+            </a:r>
+            <a:r>
+              <a:rPr lang="en-US" sz="2200" b="1" dirty="0" smtClean="0">
+                <a:solidFill>
+                  <a:srgbClr val="595959"/>
+                </a:solidFill>
+              </a:rPr>
+              <a:t>Client device  </a:t>
+            </a:r>
+            <a:r>
+              <a:rPr lang="en-US" sz="2200" dirty="0" smtClean="0">
+                <a:solidFill>
+                  <a:srgbClr val="595959"/>
+                </a:solidFill>
+              </a:rPr>
+              <a:t>which then </a:t>
+            </a:r>
+            <a:r>
+              <a:rPr lang="en-US" sz="2200" b="1" dirty="0" smtClean="0">
+                <a:solidFill>
+                  <a:srgbClr val="595959"/>
+                </a:solidFill>
+              </a:rPr>
+              <a:t>displays</a:t>
+            </a:r>
+            <a:r>
+              <a:rPr lang="en-US" sz="2200" dirty="0" smtClean="0">
+                <a:solidFill>
+                  <a:srgbClr val="595959"/>
+                </a:solidFill>
+              </a:rPr>
+              <a:t> it on screen. </a:t>
+            </a:r>
+          </a:p>
+          <a:p>
+            <a:pPr marL="342900" indent="-342900">
+              <a:buFont typeface="Arial"/>
+              <a:buChar char="•"/>
+            </a:pPr>
+            <a:endParaRPr lang="en-US" sz="2200" b="1" dirty="0" smtClean="0">
+              <a:solidFill>
+                <a:srgbClr val="595959"/>
+              </a:solidFill>
+            </a:endParaRPr>
+          </a:p>
+          <a:p>
+            <a:endParaRPr lang="en-US" sz="2200" b="1" u="sng" dirty="0">
+              <a:solidFill>
+                <a:srgbClr val="595959"/>
+              </a:solidFill>
+            </a:endParaRPr>
+          </a:p>
+          <a:p>
+            <a:endParaRPr lang="en-US" sz="2200" b="1" u="sng" dirty="0">
+              <a:solidFill>
+                <a:srgbClr val="595959"/>
+              </a:solidFill>
+            </a:endParaRPr>
+          </a:p>
+        </p:txBody>
+      </p:sp>
     </p:spTree>
     <p:extLst>
       <p:ext uri="{BB962C8B-B14F-4D97-AF65-F5344CB8AC3E}">
         <p14:creationId xmlns:p14="http://schemas.microsoft.com/office/powerpoint/2010/main" val="2449243911"/>
+      </p:ext>
+    </p:extLst>
+  </p:cSld>
+  <p:clrMapOvr>
+    <a:masterClrMapping/>
+  </p:clrMapOvr>
+  <p:timing>
+    <p:tnLst>
+      <p:par>
+        <p:cTn xmlns:p14="http://schemas.microsoft.com/office/powerpoint/2010/main" id="1" dur="indefinite" restart="never" nodeType="tmRoot"/>
+      </p:par>
+    </p:tnLst>
+  </p:timing>
+</p:sld>
+</file>
+
+<file path=ppt/slides/slide15.xml><?xml version="1.0" encoding="utf-8"?>
+<p:sld xmlns:a="http://schemas.openxmlformats.org/drawingml/2006/main" xmlns:r="http://schemas.openxmlformats.org/officeDocument/2006/relationships" xmlns:p="http://schemas.openxmlformats.org/presentationml/2006/main">
+  <p:cSld>
+    <p:spTree>
+      <p:nvGrpSpPr>
+        <p:cNvPr id="1" name=""/>
+        <p:cNvGrpSpPr/>
+        <p:nvPr/>
+      </p:nvGrpSpPr>
+      <p:grpSpPr>
+        <a:xfrm>
+          <a:off x="0" y="0"/>
+          <a:ext cx="0" cy="0"/>
+          <a:chOff x="0" y="0"/>
+          <a:chExt cx="0" cy="0"/>
+        </a:xfrm>
+      </p:grpSpPr>
+      <p:sp>
+        <p:nvSpPr>
+          <p:cNvPr id="2" name="Title 1"/>
+          <p:cNvSpPr>
+            <a:spLocks noGrp="1"/>
+          </p:cNvSpPr>
+          <p:nvPr>
+            <p:ph type="ctrTitle"/>
+          </p:nvPr>
+        </p:nvSpPr>
+        <p:spPr>
+          <a:xfrm>
+            <a:off x="685800" y="-3210333"/>
+            <a:ext cx="7772400" cy="4267200"/>
+          </a:xfrm>
+        </p:spPr>
+        <p:txBody>
+          <a:bodyPr/>
+          <a:lstStyle/>
+          <a:p>
+            <a:r>
+              <a:rPr lang="en-US" sz="3500" u="sng" dirty="0">
+                <a:solidFill>
+                  <a:schemeClr val="tx1">
+                    <a:lumMod val="65000"/>
+                    <a:lumOff val="35000"/>
+                  </a:schemeClr>
+                </a:solidFill>
+              </a:rPr>
+              <a:t>4</a:t>
+            </a:r>
+            <a:r>
+              <a:rPr lang="en-US" sz="3500" u="sng" dirty="0" smtClean="0">
+                <a:solidFill>
+                  <a:schemeClr val="tx1">
+                    <a:lumMod val="65000"/>
+                    <a:lumOff val="35000"/>
+                  </a:schemeClr>
+                </a:solidFill>
+              </a:rPr>
+              <a:t>.</a:t>
+            </a:r>
+            <a:r>
+              <a:rPr lang="en-US" sz="3500" dirty="0" smtClean="0">
+                <a:solidFill>
+                  <a:schemeClr val="tx1">
+                    <a:lumMod val="65000"/>
+                    <a:lumOff val="35000"/>
+                  </a:schemeClr>
+                </a:solidFill>
+              </a:rPr>
+              <a:t> </a:t>
+            </a:r>
+            <a:r>
+              <a:rPr lang="en-US" sz="3500" u="sng" dirty="0" smtClean="0">
+                <a:solidFill>
+                  <a:schemeClr val="tx1">
+                    <a:lumMod val="65000"/>
+                    <a:lumOff val="35000"/>
+                  </a:schemeClr>
+                </a:solidFill>
+              </a:rPr>
+              <a:t>Algorithm Design</a:t>
+            </a:r>
+            <a:endParaRPr lang="en-US" sz="3500" u="sng" dirty="0">
+              <a:solidFill>
+                <a:schemeClr val="tx1">
+                  <a:lumMod val="65000"/>
+                  <a:lumOff val="35000"/>
+                </a:schemeClr>
+              </a:solidFill>
+            </a:endParaRPr>
+          </a:p>
+        </p:txBody>
+      </p:sp>
+      <p:pic>
+        <p:nvPicPr>
+          <p:cNvPr id="5" name="Picture 4" descr="Logo.png"/>
+          <p:cNvPicPr>
+            <a:picLocks noChangeAspect="1"/>
+          </p:cNvPicPr>
+          <p:nvPr/>
+        </p:nvPicPr>
+        <p:blipFill>
+          <a:blip r:embed="rId2" cstate="print">
+            <a:extLst>
+              <a:ext uri="{28A0092B-C50C-407E-A947-70E740481C1C}">
+                <a14:useLocalDpi xmlns:a14="http://schemas.microsoft.com/office/drawing/2010/main" val="0"/>
+              </a:ext>
+            </a:extLst>
+          </a:blip>
+          <a:stretch>
+            <a:fillRect/>
+          </a:stretch>
+        </p:blipFill>
+        <p:spPr>
+          <a:xfrm>
+            <a:off x="3475205" y="6143475"/>
+            <a:ext cx="2432304" cy="573024"/>
+          </a:xfrm>
+          <a:prstGeom prst="rect">
+            <a:avLst/>
+          </a:prstGeom>
+        </p:spPr>
+      </p:pic>
+      <p:sp>
+        <p:nvSpPr>
+          <p:cNvPr id="3" name="TextBox 2"/>
+          <p:cNvSpPr txBox="1"/>
+          <p:nvPr/>
+        </p:nvSpPr>
+        <p:spPr>
+          <a:xfrm>
+            <a:off x="367213" y="1119527"/>
+            <a:ext cx="8660119" cy="5940087"/>
+          </a:xfrm>
+          <a:prstGeom prst="rect">
+            <a:avLst/>
+          </a:prstGeom>
+          <a:noFill/>
+        </p:spPr>
+        <p:txBody>
+          <a:bodyPr wrap="square" rtlCol="0">
+            <a:spAutoFit/>
+          </a:bodyPr>
+          <a:lstStyle/>
+          <a:p>
+            <a:pPr algn="ctr"/>
+            <a:r>
+              <a:rPr lang="en-US" sz="2200" b="1" u="sng" dirty="0" smtClean="0">
+                <a:solidFill>
+                  <a:srgbClr val="FF6600"/>
+                </a:solidFill>
+              </a:rPr>
+              <a:t>Car Search Algorithm-1</a:t>
+            </a:r>
+          </a:p>
+          <a:p>
+            <a:pPr algn="ctr"/>
+            <a:endParaRPr lang="en-US" sz="2200" b="1" u="sng" dirty="0">
+              <a:solidFill>
+                <a:srgbClr val="FF6600"/>
+              </a:solidFill>
+            </a:endParaRPr>
+          </a:p>
+          <a:p>
+            <a:pPr algn="ctr"/>
+            <a:endParaRPr lang="en-US" sz="2200" b="1" u="sng" dirty="0" smtClean="0">
+              <a:solidFill>
+                <a:srgbClr val="FF6600"/>
+              </a:solidFill>
+            </a:endParaRPr>
+          </a:p>
+          <a:p>
+            <a:r>
+              <a:rPr lang="en-US" sz="2200" dirty="0" smtClean="0">
+                <a:solidFill>
+                  <a:srgbClr val="008000"/>
+                </a:solidFill>
+                <a:latin typeface="Courier New"/>
+                <a:cs typeface="Courier New"/>
+              </a:rPr>
+              <a:t>/* Server-Side in Search Manager */</a:t>
+            </a:r>
+            <a:endParaRPr lang="en-US" sz="2200" dirty="0" smtClean="0">
+              <a:solidFill>
+                <a:schemeClr val="bg2">
+                  <a:lumMod val="50000"/>
+                </a:schemeClr>
+              </a:solidFill>
+              <a:latin typeface="Courier New"/>
+              <a:cs typeface="Courier New"/>
+            </a:endParaRPr>
+          </a:p>
+          <a:p>
+            <a:r>
+              <a:rPr lang="en-US" sz="2200" i="1" u="sng" dirty="0" smtClean="0">
+                <a:solidFill>
+                  <a:schemeClr val="tx1">
+                    <a:lumMod val="95000"/>
+                    <a:lumOff val="5000"/>
+                  </a:schemeClr>
+                </a:solidFill>
+                <a:latin typeface="Courier New"/>
+                <a:cs typeface="Courier New"/>
+              </a:rPr>
+              <a:t>getAvailableCar</a:t>
+            </a:r>
+            <a:r>
+              <a:rPr lang="en-US" sz="2200" dirty="0" smtClean="0">
+                <a:solidFill>
+                  <a:schemeClr val="tx1">
+                    <a:lumMod val="75000"/>
+                    <a:lumOff val="25000"/>
+                  </a:schemeClr>
+                </a:solidFill>
+                <a:latin typeface="Courier New"/>
+                <a:cs typeface="Courier New"/>
+              </a:rPr>
+              <a:t>(SearchData data){</a:t>
+            </a:r>
+          </a:p>
+          <a:p>
+            <a:pPr>
+              <a:lnSpc>
+                <a:spcPct val="50000"/>
+              </a:lnSpc>
+            </a:pPr>
+            <a:endParaRPr lang="en-US" sz="2200" dirty="0" smtClean="0">
+              <a:solidFill>
+                <a:schemeClr val="tx1">
+                  <a:lumMod val="75000"/>
+                  <a:lumOff val="25000"/>
+                </a:schemeClr>
+              </a:solidFill>
+              <a:latin typeface="Courier New"/>
+              <a:cs typeface="Courier New"/>
+            </a:endParaRPr>
+          </a:p>
+          <a:p>
+            <a:r>
+              <a:rPr lang="en-US" sz="2200" dirty="0" smtClean="0">
+                <a:solidFill>
+                  <a:schemeClr val="tx1">
+                    <a:lumMod val="75000"/>
+                    <a:lumOff val="25000"/>
+                  </a:schemeClr>
+                </a:solidFill>
+                <a:latin typeface="Courier New"/>
+                <a:cs typeface="Courier New"/>
+              </a:rPr>
+              <a:t>List&lt;VehicleManager&gt; </a:t>
+            </a:r>
+            <a:r>
+              <a:rPr lang="en-US" sz="2200" dirty="0" smtClean="0">
+                <a:solidFill>
+                  <a:srgbClr val="008000"/>
+                </a:solidFill>
+                <a:latin typeface="Courier New"/>
+                <a:cs typeface="Courier New"/>
+              </a:rPr>
+              <a:t>nearbyCars</a:t>
+            </a:r>
+            <a:r>
+              <a:rPr lang="en-US" sz="2200" dirty="0" smtClean="0">
+                <a:solidFill>
+                  <a:schemeClr val="tx1">
+                    <a:lumMod val="75000"/>
+                    <a:lumOff val="25000"/>
+                  </a:schemeClr>
+                </a:solidFill>
+                <a:latin typeface="Courier New"/>
+                <a:cs typeface="Courier New"/>
+              </a:rPr>
+              <a:t>=</a:t>
+            </a:r>
+            <a:r>
+              <a:rPr lang="en-US" sz="2200" dirty="0" smtClean="0">
+                <a:solidFill>
+                  <a:srgbClr val="FF6600"/>
+                </a:solidFill>
+                <a:latin typeface="Courier New"/>
+                <a:cs typeface="Courier New"/>
+              </a:rPr>
+              <a:t>new</a:t>
+            </a:r>
+            <a:r>
+              <a:rPr lang="en-US" sz="2200" dirty="0" smtClean="0">
+                <a:solidFill>
+                  <a:schemeClr val="tx1">
+                    <a:lumMod val="75000"/>
+                    <a:lumOff val="25000"/>
+                  </a:schemeClr>
+                </a:solidFill>
+                <a:latin typeface="Courier New"/>
+                <a:cs typeface="Courier New"/>
+              </a:rPr>
+              <a:t> ArrayList&lt;&gt;()</a:t>
+            </a:r>
+            <a:r>
+              <a:rPr lang="en-US" sz="2200" dirty="0" smtClean="0">
+                <a:solidFill>
+                  <a:srgbClr val="FF6600"/>
+                </a:solidFill>
+                <a:latin typeface="Courier New"/>
+                <a:cs typeface="Courier New"/>
+              </a:rPr>
+              <a:t>;</a:t>
+            </a:r>
+          </a:p>
+          <a:p>
+            <a:r>
+              <a:rPr lang="en-US" sz="2200" dirty="0" smtClean="0">
+                <a:solidFill>
+                  <a:schemeClr val="tx1">
+                    <a:lumMod val="75000"/>
+                    <a:lumOff val="25000"/>
+                  </a:schemeClr>
+                </a:solidFill>
+                <a:latin typeface="Courier New"/>
+                <a:cs typeface="Courier New"/>
+              </a:rPr>
+              <a:t>Position </a:t>
+            </a:r>
+            <a:r>
+              <a:rPr lang="en-US" sz="2200" dirty="0" smtClean="0">
+                <a:solidFill>
+                  <a:srgbClr val="008000"/>
+                </a:solidFill>
+                <a:latin typeface="Courier New"/>
+                <a:cs typeface="Courier New"/>
+              </a:rPr>
+              <a:t>p</a:t>
+            </a:r>
+            <a:r>
+              <a:rPr lang="en-US" sz="2200" dirty="0" smtClean="0">
+                <a:solidFill>
+                  <a:schemeClr val="tx1">
+                    <a:lumMod val="75000"/>
+                    <a:lumOff val="25000"/>
+                  </a:schemeClr>
+                </a:solidFill>
+                <a:latin typeface="Courier New"/>
+                <a:cs typeface="Courier New"/>
+              </a:rPr>
+              <a:t> = data.getPosition()</a:t>
+            </a:r>
+            <a:r>
+              <a:rPr lang="en-US" sz="2200" dirty="0" smtClean="0">
+                <a:solidFill>
+                  <a:srgbClr val="FF6600"/>
+                </a:solidFill>
+                <a:latin typeface="Courier New"/>
+                <a:cs typeface="Courier New"/>
+              </a:rPr>
+              <a:t>;</a:t>
+            </a:r>
+          </a:p>
+          <a:p>
+            <a:r>
+              <a:rPr lang="en-US" sz="2200" dirty="0" smtClean="0">
+                <a:solidFill>
+                  <a:schemeClr val="tx1">
+                    <a:lumMod val="75000"/>
+                    <a:lumOff val="25000"/>
+                  </a:schemeClr>
+                </a:solidFill>
+                <a:latin typeface="Courier New"/>
+                <a:cs typeface="Courier New"/>
+              </a:rPr>
+              <a:t>Radius </a:t>
+            </a:r>
+            <a:r>
+              <a:rPr lang="en-US" sz="2200" dirty="0" smtClean="0">
+                <a:solidFill>
+                  <a:srgbClr val="008000"/>
+                </a:solidFill>
+                <a:latin typeface="Courier New"/>
+                <a:cs typeface="Courier New"/>
+              </a:rPr>
+              <a:t>r </a:t>
+            </a:r>
+            <a:r>
+              <a:rPr lang="en-US" sz="2200" dirty="0" smtClean="0">
+                <a:solidFill>
+                  <a:schemeClr val="tx1">
+                    <a:lumMod val="75000"/>
+                    <a:lumOff val="25000"/>
+                  </a:schemeClr>
+                </a:solidFill>
+                <a:latin typeface="Courier New"/>
+                <a:cs typeface="Courier New"/>
+              </a:rPr>
+              <a:t>= data.getRadius()</a:t>
+            </a:r>
+            <a:r>
+              <a:rPr lang="en-US" sz="2200" dirty="0" smtClean="0">
+                <a:solidFill>
+                  <a:srgbClr val="FF6600"/>
+                </a:solidFill>
+                <a:latin typeface="Courier New"/>
+                <a:cs typeface="Courier New"/>
+              </a:rPr>
+              <a:t>;</a:t>
+            </a:r>
+          </a:p>
+          <a:p>
+            <a:r>
+              <a:rPr lang="en-US" sz="2200" dirty="0" smtClean="0">
+                <a:solidFill>
+                  <a:schemeClr val="tx1">
+                    <a:lumMod val="75000"/>
+                    <a:lumOff val="25000"/>
+                  </a:schemeClr>
+                </a:solidFill>
+                <a:latin typeface="Courier New"/>
+                <a:cs typeface="Courier New"/>
+              </a:rPr>
+              <a:t>nerabyCars=queryPosManager(p,r)</a:t>
+            </a:r>
+            <a:r>
+              <a:rPr lang="en-US" sz="2200" dirty="0" smtClean="0">
+                <a:solidFill>
+                  <a:srgbClr val="FF6600"/>
+                </a:solidFill>
+                <a:latin typeface="Courier New"/>
+                <a:cs typeface="Courier New"/>
+              </a:rPr>
+              <a:t>;</a:t>
+            </a:r>
+          </a:p>
+          <a:p>
+            <a:r>
+              <a:rPr lang="en-US" sz="1900" dirty="0" smtClean="0">
+                <a:solidFill>
+                  <a:schemeClr val="tx1">
+                    <a:lumMod val="75000"/>
+                    <a:lumOff val="25000"/>
+                  </a:schemeClr>
+                </a:solidFill>
+                <a:latin typeface="Courier New"/>
+                <a:cs typeface="Courier New"/>
+              </a:rPr>
+              <a:t>notificationManager.send(</a:t>
+            </a:r>
+            <a:r>
+              <a:rPr lang="en-US" sz="1900" dirty="0" smtClean="0">
+                <a:solidFill>
+                  <a:schemeClr val="tx2">
+                    <a:lumMod val="60000"/>
+                    <a:lumOff val="40000"/>
+                  </a:schemeClr>
+                </a:solidFill>
+                <a:latin typeface="Courier New"/>
+                <a:cs typeface="Courier New"/>
+              </a:rPr>
+              <a:t>Message,data,data.getUserDevice</a:t>
+            </a:r>
+            <a:r>
+              <a:rPr lang="en-US" sz="1900" dirty="0" smtClean="0">
+                <a:solidFill>
+                  <a:schemeClr val="tx1">
+                    <a:lumMod val="75000"/>
+                    <a:lumOff val="25000"/>
+                  </a:schemeClr>
+                </a:solidFill>
+                <a:latin typeface="Courier New"/>
+                <a:cs typeface="Courier New"/>
+              </a:rPr>
+              <a:t>)</a:t>
+            </a:r>
+            <a:r>
+              <a:rPr lang="en-US" sz="1900" dirty="0" smtClean="0">
+                <a:solidFill>
+                  <a:srgbClr val="FF6600"/>
+                </a:solidFill>
+                <a:latin typeface="Courier New"/>
+                <a:cs typeface="Courier New"/>
+              </a:rPr>
+              <a:t>;</a:t>
+            </a:r>
+          </a:p>
+          <a:p>
+            <a:r>
+              <a:rPr lang="en-US" sz="2200" dirty="0" smtClean="0">
+                <a:solidFill>
+                  <a:schemeClr val="tx1">
+                    <a:lumMod val="75000"/>
+                    <a:lumOff val="25000"/>
+                  </a:schemeClr>
+                </a:solidFill>
+                <a:latin typeface="Courier New"/>
+                <a:cs typeface="Courier New"/>
+              </a:rPr>
+              <a:t>}</a:t>
+            </a:r>
+            <a:endParaRPr lang="en-US" sz="2200" dirty="0">
+              <a:solidFill>
+                <a:schemeClr val="tx1">
+                  <a:lumMod val="75000"/>
+                  <a:lumOff val="25000"/>
+                </a:schemeClr>
+              </a:solidFill>
+              <a:latin typeface="Courier New"/>
+              <a:cs typeface="Courier New"/>
+            </a:endParaRPr>
+          </a:p>
+          <a:p>
+            <a:endParaRPr lang="en-US" sz="2000" dirty="0" smtClean="0">
+              <a:solidFill>
+                <a:schemeClr val="tx1">
+                  <a:lumMod val="75000"/>
+                  <a:lumOff val="25000"/>
+                </a:schemeClr>
+              </a:solidFill>
+              <a:latin typeface="Courier New"/>
+              <a:cs typeface="Courier New"/>
+            </a:endParaRPr>
+          </a:p>
+          <a:p>
+            <a:endParaRPr lang="en-US" sz="2200" b="1" u="sng" dirty="0" smtClean="0">
+              <a:solidFill>
+                <a:srgbClr val="FF6600"/>
+              </a:solidFill>
+            </a:endParaRPr>
+          </a:p>
+          <a:p>
+            <a:pPr algn="ctr"/>
+            <a:endParaRPr lang="en-US" sz="2200" b="1" u="sng" dirty="0" smtClean="0">
+              <a:solidFill>
+                <a:srgbClr val="595959"/>
+              </a:solidFill>
+            </a:endParaRPr>
+          </a:p>
+          <a:p>
+            <a:endParaRPr lang="en-US" sz="2200" b="1" dirty="0" smtClean="0">
+              <a:solidFill>
+                <a:srgbClr val="595959"/>
+              </a:solidFill>
+            </a:endParaRPr>
+          </a:p>
+          <a:p>
+            <a:endParaRPr lang="en-US" sz="2200" b="1" u="sng" dirty="0">
+              <a:solidFill>
+                <a:srgbClr val="595959"/>
+              </a:solidFill>
+            </a:endParaRPr>
+          </a:p>
+          <a:p>
+            <a:endParaRPr lang="en-US" sz="2200" b="1" u="sng" dirty="0">
+              <a:solidFill>
+                <a:srgbClr val="595959"/>
+              </a:solidFill>
+            </a:endParaRPr>
+          </a:p>
+        </p:txBody>
+      </p:sp>
+    </p:spTree>
+    <p:extLst>
+      <p:ext uri="{BB962C8B-B14F-4D97-AF65-F5344CB8AC3E}">
+        <p14:creationId xmlns:p14="http://schemas.microsoft.com/office/powerpoint/2010/main" val="827626067"/>
+      </p:ext>
+    </p:extLst>
+  </p:cSld>
+  <p:clrMapOvr>
+    <a:masterClrMapping/>
+  </p:clrMapOvr>
+  <p:timing>
+    <p:tnLst>
+      <p:par>
+        <p:cTn xmlns:p14="http://schemas.microsoft.com/office/powerpoint/2010/main" id="1" dur="indefinite" restart="never" nodeType="tmRoot"/>
+      </p:par>
+    </p:tnLst>
+  </p:timing>
+</p:sld>
+</file>
+
+<file path=ppt/slides/slide16.xml><?xml version="1.0" encoding="utf-8"?>
+<p:sld xmlns:a="http://schemas.openxmlformats.org/drawingml/2006/main" xmlns:r="http://schemas.openxmlformats.org/officeDocument/2006/relationships" xmlns:p="http://schemas.openxmlformats.org/presentationml/2006/main">
+  <p:cSld>
+    <p:spTree>
+      <p:nvGrpSpPr>
+        <p:cNvPr id="1" name=""/>
+        <p:cNvGrpSpPr/>
+        <p:nvPr/>
+      </p:nvGrpSpPr>
+      <p:grpSpPr>
+        <a:xfrm>
+          <a:off x="0" y="0"/>
+          <a:ext cx="0" cy="0"/>
+          <a:chOff x="0" y="0"/>
+          <a:chExt cx="0" cy="0"/>
+        </a:xfrm>
+      </p:grpSpPr>
+      <p:sp>
+        <p:nvSpPr>
+          <p:cNvPr id="2" name="Title 1"/>
+          <p:cNvSpPr>
+            <a:spLocks noGrp="1"/>
+          </p:cNvSpPr>
+          <p:nvPr>
+            <p:ph type="ctrTitle"/>
+          </p:nvPr>
+        </p:nvSpPr>
+        <p:spPr>
+          <a:xfrm>
+            <a:off x="685800" y="-3210333"/>
+            <a:ext cx="7772400" cy="4267200"/>
+          </a:xfrm>
+        </p:spPr>
+        <p:txBody>
+          <a:bodyPr/>
+          <a:lstStyle/>
+          <a:p>
+            <a:r>
+              <a:rPr lang="en-US" sz="3500" u="sng" dirty="0">
+                <a:solidFill>
+                  <a:schemeClr val="tx1">
+                    <a:lumMod val="65000"/>
+                    <a:lumOff val="35000"/>
+                  </a:schemeClr>
+                </a:solidFill>
+              </a:rPr>
+              <a:t>4</a:t>
+            </a:r>
+            <a:r>
+              <a:rPr lang="en-US" sz="3500" u="sng" dirty="0" smtClean="0">
+                <a:solidFill>
+                  <a:schemeClr val="tx1">
+                    <a:lumMod val="65000"/>
+                    <a:lumOff val="35000"/>
+                  </a:schemeClr>
+                </a:solidFill>
+              </a:rPr>
+              <a:t>.</a:t>
+            </a:r>
+            <a:r>
+              <a:rPr lang="en-US" sz="3500" dirty="0" smtClean="0">
+                <a:solidFill>
+                  <a:schemeClr val="tx1">
+                    <a:lumMod val="65000"/>
+                    <a:lumOff val="35000"/>
+                  </a:schemeClr>
+                </a:solidFill>
+              </a:rPr>
+              <a:t> </a:t>
+            </a:r>
+            <a:r>
+              <a:rPr lang="en-US" sz="3500" u="sng" dirty="0" smtClean="0">
+                <a:solidFill>
+                  <a:schemeClr val="tx1">
+                    <a:lumMod val="65000"/>
+                    <a:lumOff val="35000"/>
+                  </a:schemeClr>
+                </a:solidFill>
+              </a:rPr>
+              <a:t>Algorithm Design</a:t>
+            </a:r>
+            <a:endParaRPr lang="en-US" sz="3500" u="sng" dirty="0">
+              <a:solidFill>
+                <a:schemeClr val="tx1">
+                  <a:lumMod val="65000"/>
+                  <a:lumOff val="35000"/>
+                </a:schemeClr>
+              </a:solidFill>
+            </a:endParaRPr>
+          </a:p>
+        </p:txBody>
+      </p:sp>
+      <p:pic>
+        <p:nvPicPr>
+          <p:cNvPr id="5" name="Picture 4" descr="Logo.png"/>
+          <p:cNvPicPr>
+            <a:picLocks noChangeAspect="1"/>
+          </p:cNvPicPr>
+          <p:nvPr/>
+        </p:nvPicPr>
+        <p:blipFill>
+          <a:blip r:embed="rId2" cstate="print">
+            <a:extLst>
+              <a:ext uri="{28A0092B-C50C-407E-A947-70E740481C1C}">
+                <a14:useLocalDpi xmlns:a14="http://schemas.microsoft.com/office/drawing/2010/main" val="0"/>
+              </a:ext>
+            </a:extLst>
+          </a:blip>
+          <a:stretch>
+            <a:fillRect/>
+          </a:stretch>
+        </p:blipFill>
+        <p:spPr>
+          <a:xfrm>
+            <a:off x="3475205" y="6143475"/>
+            <a:ext cx="2432304" cy="573024"/>
+          </a:xfrm>
+          <a:prstGeom prst="rect">
+            <a:avLst/>
+          </a:prstGeom>
+        </p:spPr>
+      </p:pic>
+      <p:sp>
+        <p:nvSpPr>
+          <p:cNvPr id="3" name="TextBox 2"/>
+          <p:cNvSpPr txBox="1"/>
+          <p:nvPr/>
+        </p:nvSpPr>
+        <p:spPr>
+          <a:xfrm>
+            <a:off x="367213" y="1119527"/>
+            <a:ext cx="8660119" cy="6247864"/>
+          </a:xfrm>
+          <a:prstGeom prst="rect">
+            <a:avLst/>
+          </a:prstGeom>
+          <a:noFill/>
+        </p:spPr>
+        <p:txBody>
+          <a:bodyPr wrap="square" rtlCol="0">
+            <a:spAutoFit/>
+          </a:bodyPr>
+          <a:lstStyle/>
+          <a:p>
+            <a:pPr algn="ctr"/>
+            <a:r>
+              <a:rPr lang="en-US" sz="2200" b="1" u="sng" dirty="0" smtClean="0">
+                <a:solidFill>
+                  <a:srgbClr val="FF6600"/>
+                </a:solidFill>
+              </a:rPr>
+              <a:t>Car Search Algorithm-2</a:t>
+            </a:r>
+          </a:p>
+          <a:p>
+            <a:pPr algn="ctr"/>
+            <a:endParaRPr lang="en-US" sz="2200" b="1" u="sng" dirty="0">
+              <a:solidFill>
+                <a:srgbClr val="FF6600"/>
+              </a:solidFill>
+            </a:endParaRPr>
+          </a:p>
+          <a:p>
+            <a:pPr algn="ctr"/>
+            <a:endParaRPr lang="en-US" sz="2200" b="1" u="sng" dirty="0" smtClean="0">
+              <a:solidFill>
+                <a:srgbClr val="FF6600"/>
+              </a:solidFill>
+            </a:endParaRPr>
+          </a:p>
+          <a:p>
+            <a:r>
+              <a:rPr lang="en-US" sz="2400" dirty="0">
+                <a:solidFill>
+                  <a:srgbClr val="008000"/>
+                </a:solidFill>
+                <a:latin typeface="Courier New"/>
+                <a:cs typeface="Courier New"/>
+              </a:rPr>
+              <a:t>/* Server-Side in Position Manager */</a:t>
+            </a:r>
+          </a:p>
+          <a:p>
+            <a:r>
+              <a:rPr lang="en-US" sz="2400" i="1" u="sng" dirty="0">
+                <a:solidFill>
+                  <a:schemeClr val="tx1">
+                    <a:lumMod val="95000"/>
+                    <a:lumOff val="5000"/>
+                  </a:schemeClr>
+                </a:solidFill>
+                <a:latin typeface="Courier New"/>
+                <a:cs typeface="Courier New"/>
+              </a:rPr>
+              <a:t>getAvailableCarList</a:t>
+            </a:r>
+            <a:r>
+              <a:rPr lang="en-US" sz="2400" dirty="0">
+                <a:solidFill>
+                  <a:srgbClr val="595959"/>
+                </a:solidFill>
+                <a:latin typeface="Courier New"/>
+                <a:cs typeface="Courier New"/>
+              </a:rPr>
+              <a:t>(Position p , Radius r){</a:t>
+            </a:r>
+          </a:p>
+          <a:p>
+            <a:pPr>
+              <a:lnSpc>
+                <a:spcPct val="50000"/>
+              </a:lnSpc>
+            </a:pPr>
+            <a:endParaRPr lang="en-US" sz="2400" dirty="0">
+              <a:solidFill>
+                <a:schemeClr val="tx1">
+                  <a:lumMod val="75000"/>
+                  <a:lumOff val="25000"/>
+                </a:schemeClr>
+              </a:solidFill>
+              <a:latin typeface="Courier New"/>
+              <a:cs typeface="Courier New"/>
+            </a:endParaRPr>
+          </a:p>
+          <a:p>
+            <a:r>
+              <a:rPr lang="en-US" sz="2400" dirty="0">
+                <a:solidFill>
+                  <a:schemeClr val="tx1">
+                    <a:lumMod val="65000"/>
+                    <a:lumOff val="35000"/>
+                  </a:schemeClr>
+                </a:solidFill>
+                <a:latin typeface="Courier New"/>
+                <a:cs typeface="Courier New"/>
+              </a:rPr>
+              <a:t>List&lt;VehicleManager&gt; </a:t>
+            </a:r>
+            <a:r>
+              <a:rPr lang="en-US" sz="2400" dirty="0">
+                <a:solidFill>
+                  <a:srgbClr val="008000"/>
+                </a:solidFill>
+                <a:latin typeface="Courier New"/>
+                <a:cs typeface="Courier New"/>
+              </a:rPr>
+              <a:t>cars</a:t>
+            </a:r>
+            <a:r>
+              <a:rPr lang="en-US" sz="2400" dirty="0">
+                <a:solidFill>
+                  <a:srgbClr val="595959"/>
+                </a:solidFill>
+                <a:latin typeface="Courier New"/>
+                <a:cs typeface="Courier New"/>
+              </a:rPr>
+              <a:t> </a:t>
+            </a:r>
+            <a:r>
+              <a:rPr lang="en-US" sz="2400" dirty="0">
+                <a:solidFill>
+                  <a:schemeClr val="tx1">
+                    <a:lumMod val="65000"/>
+                    <a:lumOff val="35000"/>
+                  </a:schemeClr>
+                </a:solidFill>
+                <a:latin typeface="Courier New"/>
+                <a:cs typeface="Courier New"/>
+              </a:rPr>
+              <a:t>= </a:t>
+            </a:r>
+            <a:r>
+              <a:rPr lang="en-US" sz="2400" dirty="0">
+                <a:solidFill>
+                  <a:srgbClr val="FF6600"/>
+                </a:solidFill>
+                <a:latin typeface="Courier New"/>
+                <a:cs typeface="Courier New"/>
+              </a:rPr>
+              <a:t>new</a:t>
+            </a:r>
+            <a:r>
+              <a:rPr lang="en-US" sz="2400" dirty="0">
+                <a:solidFill>
+                  <a:schemeClr val="tx1">
+                    <a:lumMod val="65000"/>
+                    <a:lumOff val="35000"/>
+                  </a:schemeClr>
+                </a:solidFill>
+                <a:latin typeface="Courier New"/>
+                <a:cs typeface="Courier New"/>
+              </a:rPr>
+              <a:t> ArrayList&lt;&gt;();</a:t>
+            </a:r>
+          </a:p>
+          <a:p>
+            <a:r>
+              <a:rPr lang="en-US" sz="2400" dirty="0">
+                <a:solidFill>
+                  <a:srgbClr val="FF6600"/>
+                </a:solidFill>
+                <a:latin typeface="Courier New"/>
+                <a:cs typeface="Courier New"/>
+              </a:rPr>
+              <a:t>for</a:t>
+            </a:r>
+            <a:r>
+              <a:rPr lang="en-US" sz="2400" dirty="0">
+                <a:solidFill>
+                  <a:schemeClr val="tx1">
+                    <a:lumMod val="65000"/>
+                    <a:lumOff val="35000"/>
+                  </a:schemeClr>
+                </a:solidFill>
+                <a:latin typeface="Courier New"/>
+                <a:cs typeface="Courier New"/>
+              </a:rPr>
+              <a:t>(VehicleManager </a:t>
+            </a:r>
+            <a:r>
+              <a:rPr lang="en-US" sz="2400" dirty="0">
+                <a:solidFill>
+                  <a:srgbClr val="008000"/>
+                </a:solidFill>
+                <a:latin typeface="Courier New"/>
+                <a:cs typeface="Courier New"/>
+              </a:rPr>
+              <a:t>v</a:t>
+            </a:r>
+            <a:r>
+              <a:rPr lang="en-US" sz="2400" dirty="0">
+                <a:solidFill>
+                  <a:schemeClr val="tx1">
+                    <a:lumMod val="65000"/>
+                    <a:lumOff val="35000"/>
+                  </a:schemeClr>
+                </a:solidFill>
+                <a:latin typeface="Courier New"/>
+                <a:cs typeface="Courier New"/>
+              </a:rPr>
+              <a:t> : Vehicles){</a:t>
+            </a:r>
+          </a:p>
+          <a:p>
+            <a:r>
+              <a:rPr lang="en-US" sz="2400" dirty="0">
+                <a:solidFill>
+                  <a:schemeClr val="tx1">
+                    <a:lumMod val="65000"/>
+                    <a:lumOff val="35000"/>
+                  </a:schemeClr>
+                </a:solidFill>
+                <a:latin typeface="Courier New"/>
+                <a:cs typeface="Courier New"/>
+              </a:rPr>
+              <a:t>	</a:t>
+            </a:r>
+            <a:r>
+              <a:rPr lang="en-US" sz="2400" dirty="0">
+                <a:solidFill>
+                  <a:srgbClr val="FF6600"/>
+                </a:solidFill>
+                <a:latin typeface="Courier New"/>
+                <a:cs typeface="Courier New"/>
+              </a:rPr>
+              <a:t>if</a:t>
+            </a:r>
+            <a:r>
+              <a:rPr lang="en-US" sz="2400" dirty="0">
+                <a:solidFill>
+                  <a:schemeClr val="tx1">
+                    <a:lumMod val="65000"/>
+                    <a:lumOff val="35000"/>
+                  </a:schemeClr>
+                </a:solidFill>
+                <a:latin typeface="Courier New"/>
+                <a:cs typeface="Courier New"/>
+              </a:rPr>
+              <a:t>(distance(</a:t>
+            </a:r>
+            <a:r>
+              <a:rPr lang="en-US" sz="2400" dirty="0">
+                <a:solidFill>
+                  <a:schemeClr val="tx2">
+                    <a:lumMod val="60000"/>
+                    <a:lumOff val="40000"/>
+                  </a:schemeClr>
+                </a:solidFill>
+                <a:latin typeface="Courier New"/>
+                <a:cs typeface="Courier New"/>
+              </a:rPr>
+              <a:t>v.position(),p</a:t>
+            </a:r>
+            <a:r>
+              <a:rPr lang="en-US" sz="2400" dirty="0">
+                <a:solidFill>
+                  <a:schemeClr val="tx1">
+                    <a:lumMod val="65000"/>
+                    <a:lumOff val="35000"/>
+                  </a:schemeClr>
+                </a:solidFill>
+                <a:latin typeface="Courier New"/>
+                <a:cs typeface="Courier New"/>
+              </a:rPr>
+              <a:t>)&lt;r)</a:t>
+            </a:r>
+          </a:p>
+          <a:p>
+            <a:r>
+              <a:rPr lang="en-US" sz="2400" dirty="0">
+                <a:solidFill>
+                  <a:schemeClr val="tx1">
+                    <a:lumMod val="65000"/>
+                    <a:lumOff val="35000"/>
+                  </a:schemeClr>
+                </a:solidFill>
+                <a:latin typeface="Courier New"/>
+                <a:cs typeface="Courier New"/>
+              </a:rPr>
+              <a:t>		cars.add(v);</a:t>
+            </a:r>
+          </a:p>
+          <a:p>
+            <a:r>
+              <a:rPr lang="en-US" sz="2400" dirty="0">
+                <a:solidFill>
+                  <a:schemeClr val="tx1">
+                    <a:lumMod val="65000"/>
+                    <a:lumOff val="35000"/>
+                  </a:schemeClr>
+                </a:solidFill>
+                <a:latin typeface="Courier New"/>
+                <a:cs typeface="Courier New"/>
+              </a:rPr>
+              <a:t>}</a:t>
+            </a:r>
+          </a:p>
+          <a:p>
+            <a:r>
+              <a:rPr lang="en-US" sz="2400" dirty="0" smtClean="0">
+                <a:solidFill>
+                  <a:srgbClr val="FF6600"/>
+                </a:solidFill>
+                <a:latin typeface="Courier New"/>
+                <a:cs typeface="Courier New"/>
+              </a:rPr>
+              <a:t>return</a:t>
+            </a:r>
+            <a:r>
+              <a:rPr lang="en-US" sz="2400" dirty="0" smtClean="0">
+                <a:solidFill>
+                  <a:schemeClr val="tx1">
+                    <a:lumMod val="65000"/>
+                    <a:lumOff val="35000"/>
+                  </a:schemeClr>
+                </a:solidFill>
+                <a:latin typeface="Courier New"/>
+                <a:cs typeface="Courier New"/>
+              </a:rPr>
+              <a:t> </a:t>
+            </a:r>
+            <a:r>
+              <a:rPr lang="en-US" sz="2400" dirty="0">
+                <a:solidFill>
+                  <a:srgbClr val="008000"/>
+                </a:solidFill>
+                <a:latin typeface="Courier New"/>
+                <a:cs typeface="Courier New"/>
+              </a:rPr>
+              <a:t>cars</a:t>
+            </a:r>
+            <a:r>
+              <a:rPr lang="en-US" sz="2400" dirty="0">
+                <a:solidFill>
+                  <a:schemeClr val="tx1">
+                    <a:lumMod val="65000"/>
+                    <a:lumOff val="35000"/>
+                  </a:schemeClr>
+                </a:solidFill>
+                <a:latin typeface="Courier New"/>
+                <a:cs typeface="Courier New"/>
+              </a:rPr>
+              <a:t>;</a:t>
+            </a:r>
+          </a:p>
+          <a:p>
+            <a:endParaRPr lang="en-US" sz="2000" dirty="0" smtClean="0">
+              <a:solidFill>
+                <a:schemeClr val="tx1">
+                  <a:lumMod val="75000"/>
+                  <a:lumOff val="25000"/>
+                </a:schemeClr>
+              </a:solidFill>
+              <a:latin typeface="Courier New"/>
+              <a:cs typeface="Courier New"/>
+            </a:endParaRPr>
+          </a:p>
+          <a:p>
+            <a:endParaRPr lang="en-US" sz="2200" b="1" u="sng" dirty="0" smtClean="0">
+              <a:solidFill>
+                <a:srgbClr val="FF6600"/>
+              </a:solidFill>
+            </a:endParaRPr>
+          </a:p>
+          <a:p>
+            <a:pPr algn="ctr"/>
+            <a:endParaRPr lang="en-US" sz="2200" b="1" u="sng" dirty="0" smtClean="0">
+              <a:solidFill>
+                <a:srgbClr val="595959"/>
+              </a:solidFill>
+            </a:endParaRPr>
+          </a:p>
+          <a:p>
+            <a:endParaRPr lang="en-US" sz="2200" b="1" dirty="0" smtClean="0">
+              <a:solidFill>
+                <a:srgbClr val="595959"/>
+              </a:solidFill>
+            </a:endParaRPr>
+          </a:p>
+          <a:p>
+            <a:endParaRPr lang="en-US" sz="2200" b="1" u="sng" dirty="0">
+              <a:solidFill>
+                <a:srgbClr val="595959"/>
+              </a:solidFill>
+            </a:endParaRPr>
+          </a:p>
+          <a:p>
+            <a:endParaRPr lang="en-US" sz="2200" b="1" u="sng" dirty="0">
+              <a:solidFill>
+                <a:srgbClr val="595959"/>
+              </a:solidFill>
+            </a:endParaRPr>
+          </a:p>
+        </p:txBody>
+      </p:sp>
+    </p:spTree>
+    <p:extLst>
+      <p:ext uri="{BB962C8B-B14F-4D97-AF65-F5344CB8AC3E}">
+        <p14:creationId xmlns:p14="http://schemas.microsoft.com/office/powerpoint/2010/main" val="4265807676"/>
+      </p:ext>
+    </p:extLst>
+  </p:cSld>
+  <p:clrMapOvr>
+    <a:masterClrMapping/>
+  </p:clrMapOvr>
+  <p:timing>
+    <p:tnLst>
+      <p:par>
+        <p:cTn xmlns:p14="http://schemas.microsoft.com/office/powerpoint/2010/main" id="1" dur="indefinite" restart="never" nodeType="tmRoot"/>
+      </p:par>
+    </p:tnLst>
+  </p:timing>
+</p:sld>
+</file>
+
+<file path=ppt/slides/slide17.xml><?xml version="1.0" encoding="utf-8"?>
+<p:sld xmlns:a="http://schemas.openxmlformats.org/drawingml/2006/main" xmlns:r="http://schemas.openxmlformats.org/officeDocument/2006/relationships" xmlns:p="http://schemas.openxmlformats.org/presentationml/2006/main">
+  <p:cSld>
+    <p:spTree>
+      <p:nvGrpSpPr>
+        <p:cNvPr id="1" name=""/>
+        <p:cNvGrpSpPr/>
+        <p:nvPr/>
+      </p:nvGrpSpPr>
+      <p:grpSpPr>
+        <a:xfrm>
+          <a:off x="0" y="0"/>
+          <a:ext cx="0" cy="0"/>
+          <a:chOff x="0" y="0"/>
+          <a:chExt cx="0" cy="0"/>
+        </a:xfrm>
+      </p:grpSpPr>
+      <p:sp>
+        <p:nvSpPr>
+          <p:cNvPr id="2" name="Title 1"/>
+          <p:cNvSpPr>
+            <a:spLocks noGrp="1"/>
+          </p:cNvSpPr>
+          <p:nvPr>
+            <p:ph type="ctrTitle"/>
+          </p:nvPr>
+        </p:nvSpPr>
+        <p:spPr>
+          <a:xfrm>
+            <a:off x="685800" y="-3210333"/>
+            <a:ext cx="7772400" cy="4267200"/>
+          </a:xfrm>
+        </p:spPr>
+        <p:txBody>
+          <a:bodyPr/>
+          <a:lstStyle/>
+          <a:p>
+            <a:r>
+              <a:rPr lang="en-US" sz="3500" u="sng" dirty="0">
+                <a:solidFill>
+                  <a:schemeClr val="tx1">
+                    <a:lumMod val="65000"/>
+                    <a:lumOff val="35000"/>
+                  </a:schemeClr>
+                </a:solidFill>
+              </a:rPr>
+              <a:t>4</a:t>
+            </a:r>
+            <a:r>
+              <a:rPr lang="en-US" sz="3500" u="sng" dirty="0" smtClean="0">
+                <a:solidFill>
+                  <a:schemeClr val="tx1">
+                    <a:lumMod val="65000"/>
+                    <a:lumOff val="35000"/>
+                  </a:schemeClr>
+                </a:solidFill>
+              </a:rPr>
+              <a:t>.</a:t>
+            </a:r>
+            <a:r>
+              <a:rPr lang="en-US" sz="3500" dirty="0" smtClean="0">
+                <a:solidFill>
+                  <a:schemeClr val="tx1">
+                    <a:lumMod val="65000"/>
+                    <a:lumOff val="35000"/>
+                  </a:schemeClr>
+                </a:solidFill>
+              </a:rPr>
+              <a:t> </a:t>
+            </a:r>
+            <a:r>
+              <a:rPr lang="en-US" sz="3500" u="sng" dirty="0" smtClean="0">
+                <a:solidFill>
+                  <a:schemeClr val="tx1">
+                    <a:lumMod val="65000"/>
+                    <a:lumOff val="35000"/>
+                  </a:schemeClr>
+                </a:solidFill>
+              </a:rPr>
+              <a:t>Algorithm Design</a:t>
+            </a:r>
+            <a:endParaRPr lang="en-US" sz="3500" u="sng" dirty="0">
+              <a:solidFill>
+                <a:schemeClr val="tx1">
+                  <a:lumMod val="65000"/>
+                  <a:lumOff val="35000"/>
+                </a:schemeClr>
+              </a:solidFill>
+            </a:endParaRPr>
+          </a:p>
+        </p:txBody>
+      </p:sp>
+      <p:pic>
+        <p:nvPicPr>
+          <p:cNvPr id="5" name="Picture 4" descr="Logo.png"/>
+          <p:cNvPicPr>
+            <a:picLocks noChangeAspect="1"/>
+          </p:cNvPicPr>
+          <p:nvPr/>
+        </p:nvPicPr>
+        <p:blipFill>
+          <a:blip r:embed="rId2" cstate="print">
+            <a:extLst>
+              <a:ext uri="{28A0092B-C50C-407E-A947-70E740481C1C}">
+                <a14:useLocalDpi xmlns:a14="http://schemas.microsoft.com/office/drawing/2010/main" val="0"/>
+              </a:ext>
+            </a:extLst>
+          </a:blip>
+          <a:stretch>
+            <a:fillRect/>
+          </a:stretch>
+        </p:blipFill>
+        <p:spPr>
+          <a:xfrm>
+            <a:off x="3475205" y="6143475"/>
+            <a:ext cx="2432304" cy="573024"/>
+          </a:xfrm>
+          <a:prstGeom prst="rect">
+            <a:avLst/>
+          </a:prstGeom>
+        </p:spPr>
+      </p:pic>
+      <p:sp>
+        <p:nvSpPr>
+          <p:cNvPr id="3" name="TextBox 2"/>
+          <p:cNvSpPr txBox="1"/>
+          <p:nvPr/>
+        </p:nvSpPr>
+        <p:spPr>
+          <a:xfrm>
+            <a:off x="367213" y="1119527"/>
+            <a:ext cx="8660119" cy="6924972"/>
+          </a:xfrm>
+          <a:prstGeom prst="rect">
+            <a:avLst/>
+          </a:prstGeom>
+          <a:noFill/>
+        </p:spPr>
+        <p:txBody>
+          <a:bodyPr wrap="square" rtlCol="0">
+            <a:spAutoFit/>
+          </a:bodyPr>
+          <a:lstStyle/>
+          <a:p>
+            <a:pPr algn="ctr"/>
+            <a:r>
+              <a:rPr lang="en-US" sz="2200" b="1" u="sng" dirty="0" smtClean="0">
+                <a:solidFill>
+                  <a:srgbClr val="FF6600"/>
+                </a:solidFill>
+              </a:rPr>
+              <a:t>Car Search Algorithm-3</a:t>
+            </a:r>
+          </a:p>
+          <a:p>
+            <a:r>
+              <a:rPr lang="en-US" sz="2400" dirty="0">
+                <a:solidFill>
+                  <a:srgbClr val="008000"/>
+                </a:solidFill>
+                <a:latin typeface="Courier New"/>
+                <a:cs typeface="Courier New"/>
+              </a:rPr>
+              <a:t>/* </a:t>
+            </a:r>
+            <a:r>
+              <a:rPr lang="en-US" sz="2400" dirty="0" smtClean="0">
+                <a:solidFill>
+                  <a:srgbClr val="008000"/>
+                </a:solidFill>
+                <a:latin typeface="Courier New"/>
+                <a:cs typeface="Courier New"/>
+              </a:rPr>
+              <a:t>Client-Side*/</a:t>
+            </a:r>
+          </a:p>
+          <a:p>
+            <a:r>
+              <a:rPr lang="en-US" sz="2400" dirty="0" smtClean="0">
+                <a:solidFill>
+                  <a:srgbClr val="595959"/>
+                </a:solidFill>
+                <a:latin typeface="Courier New"/>
+                <a:cs typeface="Courier New"/>
+              </a:rPr>
+              <a:t>...</a:t>
+            </a:r>
+            <a:endParaRPr lang="en-US" sz="2400" dirty="0">
+              <a:solidFill>
+                <a:srgbClr val="595959"/>
+              </a:solidFill>
+              <a:latin typeface="Courier New"/>
+              <a:cs typeface="Courier New"/>
+            </a:endParaRPr>
+          </a:p>
+          <a:p>
+            <a:r>
+              <a:rPr lang="en-US" sz="2200" dirty="0" smtClean="0">
+                <a:solidFill>
+                  <a:srgbClr val="595959"/>
+                </a:solidFill>
+                <a:latin typeface="Courier New"/>
+                <a:cs typeface="Courier New"/>
+              </a:rPr>
+              <a:t>mainAction.displayMap(</a:t>
+            </a:r>
+            <a:r>
+              <a:rPr lang="en-US" sz="2200" dirty="0" smtClean="0">
+                <a:solidFill>
+                  <a:schemeClr val="tx2">
+                    <a:lumMod val="60000"/>
+                    <a:lumOff val="40000"/>
+                  </a:schemeClr>
+                </a:solidFill>
+                <a:latin typeface="Courier New"/>
+                <a:cs typeface="Courier New"/>
+              </a:rPr>
+              <a:t>cars</a:t>
+            </a:r>
+            <a:r>
+              <a:rPr lang="en-US" sz="2200" dirty="0" smtClean="0">
+                <a:solidFill>
+                  <a:srgbClr val="595959"/>
+                </a:solidFill>
+                <a:latin typeface="Courier New"/>
+                <a:cs typeface="Courier New"/>
+              </a:rPr>
+              <a:t>);</a:t>
+            </a:r>
+          </a:p>
+          <a:p>
+            <a:r>
+              <a:rPr lang="en-US" sz="2200" dirty="0" smtClean="0">
+                <a:solidFill>
+                  <a:srgbClr val="595959"/>
+                </a:solidFill>
+                <a:latin typeface="Courier New"/>
+                <a:cs typeface="Courier New"/>
+              </a:rPr>
+              <a:t>...</a:t>
+            </a:r>
+          </a:p>
+          <a:p>
+            <a:endParaRPr lang="en-US" sz="2200" dirty="0">
+              <a:solidFill>
+                <a:srgbClr val="595959"/>
+              </a:solidFill>
+              <a:latin typeface="Courier New"/>
+              <a:cs typeface="Courier New"/>
+            </a:endParaRPr>
+          </a:p>
+          <a:p>
+            <a:r>
+              <a:rPr lang="en-US" sz="2200" i="1" u="sng" dirty="0" smtClean="0">
+                <a:solidFill>
+                  <a:schemeClr val="tx1">
+                    <a:lumMod val="85000"/>
+                    <a:lumOff val="15000"/>
+                  </a:schemeClr>
+                </a:solidFill>
+                <a:latin typeface="Courier New"/>
+                <a:cs typeface="Courier New"/>
+              </a:rPr>
+              <a:t>displayMaps</a:t>
+            </a:r>
+            <a:r>
+              <a:rPr lang="en-US" sz="2200" dirty="0" smtClean="0">
+                <a:solidFill>
+                  <a:srgbClr val="595959"/>
+                </a:solidFill>
+                <a:latin typeface="Courier New"/>
+                <a:cs typeface="Courier New"/>
+              </a:rPr>
+              <a:t>(List&lt;VehicleManager&gt; cars){</a:t>
+            </a:r>
+          </a:p>
+          <a:p>
+            <a:r>
+              <a:rPr lang="en-US" sz="2200" dirty="0" smtClean="0">
+                <a:solidFill>
+                  <a:srgbClr val="595959"/>
+                </a:solidFill>
+                <a:latin typeface="Courier New"/>
+                <a:cs typeface="Courier New"/>
+              </a:rPr>
+              <a:t>	Map </a:t>
+            </a:r>
+            <a:r>
+              <a:rPr lang="en-US" sz="2200" dirty="0" smtClean="0">
+                <a:solidFill>
+                  <a:srgbClr val="008000"/>
+                </a:solidFill>
+                <a:latin typeface="Courier New"/>
+                <a:cs typeface="Courier New"/>
+              </a:rPr>
+              <a:t>map</a:t>
+            </a:r>
+            <a:r>
+              <a:rPr lang="en-US" sz="2200" dirty="0" smtClean="0">
+                <a:solidFill>
+                  <a:srgbClr val="595959"/>
+                </a:solidFill>
+                <a:latin typeface="Courier New"/>
+                <a:cs typeface="Courier New"/>
+              </a:rPr>
+              <a:t> = GoogleMaps.getMap();</a:t>
+            </a:r>
+          </a:p>
+          <a:p>
+            <a:r>
+              <a:rPr lang="en-US" sz="2200" dirty="0">
+                <a:solidFill>
+                  <a:srgbClr val="595959"/>
+                </a:solidFill>
+                <a:latin typeface="Courier New"/>
+                <a:cs typeface="Courier New"/>
+              </a:rPr>
+              <a:t>	</a:t>
+            </a:r>
+            <a:r>
+              <a:rPr lang="en-US" sz="2200" dirty="0" smtClean="0">
+                <a:solidFill>
+                  <a:srgbClr val="008000"/>
+                </a:solidFill>
+                <a:latin typeface="Courier New"/>
+                <a:cs typeface="Courier New"/>
+              </a:rPr>
+              <a:t>map</a:t>
+            </a:r>
+            <a:r>
+              <a:rPr lang="en-US" sz="2200" dirty="0" smtClean="0">
+                <a:solidFill>
+                  <a:srgbClr val="595959"/>
+                </a:solidFill>
+                <a:latin typeface="Courier New"/>
+                <a:cs typeface="Courier New"/>
+              </a:rPr>
+              <a:t>.render();</a:t>
+            </a:r>
+          </a:p>
+          <a:p>
+            <a:r>
+              <a:rPr lang="en-US" sz="2200" dirty="0">
+                <a:solidFill>
+                  <a:srgbClr val="595959"/>
+                </a:solidFill>
+                <a:latin typeface="Courier New"/>
+                <a:cs typeface="Courier New"/>
+              </a:rPr>
+              <a:t>	</a:t>
+            </a:r>
+            <a:r>
+              <a:rPr lang="en-US" sz="2200" dirty="0" smtClean="0">
+                <a:solidFill>
+                  <a:srgbClr val="FF6600"/>
+                </a:solidFill>
+                <a:latin typeface="Courier New"/>
+                <a:cs typeface="Courier New"/>
+              </a:rPr>
+              <a:t>for</a:t>
+            </a:r>
+            <a:r>
+              <a:rPr lang="en-US" sz="2200" dirty="0" smtClean="0">
+                <a:solidFill>
+                  <a:srgbClr val="595959"/>
+                </a:solidFill>
+                <a:latin typeface="Courier New"/>
+                <a:cs typeface="Courier New"/>
+              </a:rPr>
+              <a:t>(VehicleManager </a:t>
+            </a:r>
+            <a:r>
+              <a:rPr lang="en-US" sz="2200" dirty="0" smtClean="0">
+                <a:solidFill>
+                  <a:srgbClr val="008000"/>
+                </a:solidFill>
+                <a:latin typeface="Courier New"/>
+                <a:cs typeface="Courier New"/>
+              </a:rPr>
+              <a:t>v</a:t>
+            </a:r>
+            <a:r>
+              <a:rPr lang="en-US" sz="2200" dirty="0" smtClean="0">
+                <a:solidFill>
+                  <a:srgbClr val="595959"/>
+                </a:solidFill>
+                <a:latin typeface="Courier New"/>
+                <a:cs typeface="Courier New"/>
+              </a:rPr>
+              <a:t>: cars){</a:t>
+            </a:r>
+          </a:p>
+          <a:p>
+            <a:r>
+              <a:rPr lang="en-US" sz="2200" dirty="0" smtClean="0">
+                <a:solidFill>
+                  <a:srgbClr val="595959"/>
+                </a:solidFill>
+                <a:latin typeface="Courier New"/>
+                <a:cs typeface="Courier New"/>
+              </a:rPr>
+              <a:t>		Position </a:t>
+            </a:r>
+            <a:r>
+              <a:rPr lang="en-US" sz="2200" dirty="0" smtClean="0">
+                <a:solidFill>
+                  <a:srgbClr val="008000"/>
+                </a:solidFill>
+                <a:latin typeface="Courier New"/>
+                <a:cs typeface="Courier New"/>
+              </a:rPr>
+              <a:t>p</a:t>
+            </a:r>
+            <a:r>
+              <a:rPr lang="en-US" sz="2200" dirty="0" smtClean="0">
+                <a:solidFill>
+                  <a:srgbClr val="595959"/>
+                </a:solidFill>
+                <a:latin typeface="Courier New"/>
+                <a:cs typeface="Courier New"/>
+              </a:rPr>
+              <a:t>= v.getPosition();</a:t>
+            </a:r>
+          </a:p>
+          <a:p>
+            <a:r>
+              <a:rPr lang="en-US" sz="2200" dirty="0">
+                <a:solidFill>
+                  <a:srgbClr val="595959"/>
+                </a:solidFill>
+                <a:latin typeface="Courier New"/>
+                <a:cs typeface="Courier New"/>
+              </a:rPr>
+              <a:t>	</a:t>
+            </a:r>
+            <a:r>
+              <a:rPr lang="en-US" sz="2200" dirty="0" smtClean="0">
+                <a:solidFill>
+                  <a:srgbClr val="595959"/>
+                </a:solidFill>
+                <a:latin typeface="Courier New"/>
+                <a:cs typeface="Courier New"/>
+              </a:rPr>
+              <a:t>	</a:t>
+            </a:r>
+            <a:r>
+              <a:rPr lang="en-US" sz="2200" dirty="0" smtClean="0">
+                <a:solidFill>
+                  <a:srgbClr val="008000"/>
+                </a:solidFill>
+                <a:latin typeface="Courier New"/>
+                <a:cs typeface="Courier New"/>
+              </a:rPr>
+              <a:t>mapIndicator</a:t>
+            </a:r>
+            <a:r>
+              <a:rPr lang="en-US" sz="2200" dirty="0" smtClean="0">
+                <a:solidFill>
+                  <a:srgbClr val="595959"/>
+                </a:solidFill>
+                <a:latin typeface="Courier New"/>
+                <a:cs typeface="Courier New"/>
+              </a:rPr>
+              <a:t>= new MapIndicator(</a:t>
+            </a:r>
+            <a:r>
+              <a:rPr lang="en-US" sz="2200" dirty="0" smtClean="0">
+                <a:solidFill>
+                  <a:srgbClr val="008000"/>
+                </a:solidFill>
+                <a:latin typeface="Courier New"/>
+                <a:cs typeface="Courier New"/>
+              </a:rPr>
+              <a:t>p</a:t>
+            </a:r>
+            <a:r>
+              <a:rPr lang="en-US" sz="2200" dirty="0" smtClean="0">
+                <a:solidFill>
+                  <a:srgbClr val="595959"/>
+                </a:solidFill>
+                <a:latin typeface="Courier New"/>
+                <a:cs typeface="Courier New"/>
+              </a:rPr>
+              <a:t>);</a:t>
+            </a:r>
+          </a:p>
+          <a:p>
+            <a:r>
+              <a:rPr lang="en-US" sz="2200" dirty="0" smtClean="0">
+                <a:solidFill>
+                  <a:srgbClr val="595959"/>
+                </a:solidFill>
+                <a:latin typeface="Courier New"/>
+                <a:cs typeface="Courier New"/>
+              </a:rPr>
+              <a:t>		</a:t>
+            </a:r>
+            <a:r>
+              <a:rPr lang="en-US" sz="2200" dirty="0" smtClean="0">
+                <a:solidFill>
+                  <a:srgbClr val="008000"/>
+                </a:solidFill>
+                <a:latin typeface="Courier New"/>
+                <a:cs typeface="Courier New"/>
+              </a:rPr>
+              <a:t>mapIndicator</a:t>
+            </a:r>
+            <a:r>
+              <a:rPr lang="en-US" sz="2200" dirty="0" smtClean="0">
+                <a:solidFill>
+                  <a:srgbClr val="595959"/>
+                </a:solidFill>
+                <a:latin typeface="Courier New"/>
+                <a:cs typeface="Courier New"/>
+              </a:rPr>
+              <a:t>.render();</a:t>
+            </a:r>
+          </a:p>
+          <a:p>
+            <a:r>
+              <a:rPr lang="en-US" sz="2200" dirty="0">
+                <a:solidFill>
+                  <a:srgbClr val="595959"/>
+                </a:solidFill>
+                <a:latin typeface="Courier New"/>
+                <a:cs typeface="Courier New"/>
+              </a:rPr>
+              <a:t>	</a:t>
+            </a:r>
+            <a:r>
+              <a:rPr lang="en-US" sz="2200" dirty="0" smtClean="0">
+                <a:solidFill>
+                  <a:srgbClr val="595959"/>
+                </a:solidFill>
+                <a:latin typeface="Courier New"/>
+                <a:cs typeface="Courier New"/>
+              </a:rPr>
+              <a:t>}</a:t>
+            </a:r>
+            <a:endParaRPr lang="en-US" sz="2200" dirty="0">
+              <a:solidFill>
+                <a:srgbClr val="595959"/>
+              </a:solidFill>
+              <a:latin typeface="Courier New"/>
+              <a:cs typeface="Courier New"/>
+            </a:endParaRPr>
+          </a:p>
+          <a:p>
+            <a:r>
+              <a:rPr lang="en-US" sz="2200" dirty="0" smtClean="0">
+                <a:solidFill>
+                  <a:srgbClr val="595959"/>
+                </a:solidFill>
+                <a:latin typeface="Courier New"/>
+                <a:cs typeface="Courier New"/>
+              </a:rPr>
+              <a:t>}</a:t>
+            </a:r>
+          </a:p>
+          <a:p>
+            <a:endParaRPr lang="en-US" sz="2200" dirty="0" smtClean="0">
+              <a:solidFill>
+                <a:srgbClr val="595959"/>
+              </a:solidFill>
+              <a:latin typeface="Courier New"/>
+              <a:cs typeface="Courier New"/>
+            </a:endParaRPr>
+          </a:p>
+          <a:p>
+            <a:pPr algn="ctr"/>
+            <a:endParaRPr lang="en-US" sz="2200" b="1" u="sng" dirty="0" smtClean="0">
+              <a:solidFill>
+                <a:srgbClr val="595959"/>
+              </a:solidFill>
+            </a:endParaRPr>
+          </a:p>
+          <a:p>
+            <a:endParaRPr lang="en-US" sz="2200" b="1" dirty="0" smtClean="0">
+              <a:solidFill>
+                <a:srgbClr val="595959"/>
+              </a:solidFill>
+            </a:endParaRPr>
+          </a:p>
+          <a:p>
+            <a:endParaRPr lang="en-US" sz="2200" b="1" u="sng" dirty="0">
+              <a:solidFill>
+                <a:srgbClr val="595959"/>
+              </a:solidFill>
+            </a:endParaRPr>
+          </a:p>
+          <a:p>
+            <a:endParaRPr lang="en-US" sz="2200" b="1" u="sng" dirty="0">
+              <a:solidFill>
+                <a:srgbClr val="595959"/>
+              </a:solidFill>
+            </a:endParaRPr>
+          </a:p>
+        </p:txBody>
+      </p:sp>
+    </p:spTree>
+    <p:extLst>
+      <p:ext uri="{BB962C8B-B14F-4D97-AF65-F5344CB8AC3E}">
+        <p14:creationId xmlns:p14="http://schemas.microsoft.com/office/powerpoint/2010/main" val="1064512291"/>
+      </p:ext>
+    </p:extLst>
+  </p:cSld>
+  <p:clrMapOvr>
+    <a:masterClrMapping/>
+  </p:clrMapOvr>
+  <p:timing>
+    <p:tnLst>
+      <p:par>
+        <p:cTn xmlns:p14="http://schemas.microsoft.com/office/powerpoint/2010/main" id="1" dur="indefinite" restart="never" nodeType="tmRoot"/>
+      </p:par>
+    </p:tnLst>
+  </p:timing>
+</p:sld>
+</file>
+
+<file path=ppt/slides/slide18.xml><?xml version="1.0" encoding="utf-8"?>
+<p:sld xmlns:a="http://schemas.openxmlformats.org/drawingml/2006/main" xmlns:r="http://schemas.openxmlformats.org/officeDocument/2006/relationships" xmlns:p="http://schemas.openxmlformats.org/presentationml/2006/main">
+  <p:cSld>
+    <p:spTree>
+      <p:nvGrpSpPr>
+        <p:cNvPr id="1" name=""/>
+        <p:cNvGrpSpPr/>
+        <p:nvPr/>
+      </p:nvGrpSpPr>
+      <p:grpSpPr>
+        <a:xfrm>
+          <a:off x="0" y="0"/>
+          <a:ext cx="0" cy="0"/>
+          <a:chOff x="0" y="0"/>
+          <a:chExt cx="0" cy="0"/>
+        </a:xfrm>
+      </p:grpSpPr>
+      <p:sp>
+        <p:nvSpPr>
+          <p:cNvPr id="2" name="Title 1"/>
+          <p:cNvSpPr>
+            <a:spLocks noGrp="1"/>
+          </p:cNvSpPr>
+          <p:nvPr>
+            <p:ph type="ctrTitle"/>
+          </p:nvPr>
+        </p:nvSpPr>
+        <p:spPr>
+          <a:xfrm>
+            <a:off x="685800" y="-701215"/>
+            <a:ext cx="7772400" cy="4267200"/>
+          </a:xfrm>
+        </p:spPr>
+        <p:txBody>
+          <a:bodyPr/>
+          <a:lstStyle/>
+          <a:p>
+            <a:r>
+              <a:rPr lang="en-US" sz="3500" u="sng" dirty="0" smtClean="0">
+                <a:solidFill>
+                  <a:schemeClr val="tx1">
+                    <a:lumMod val="65000"/>
+                    <a:lumOff val="35000"/>
+                  </a:schemeClr>
+                </a:solidFill>
+              </a:rPr>
+              <a:t>QUESTIONS?</a:t>
+            </a:r>
+            <a:endParaRPr lang="en-US" sz="3500" u="sng" dirty="0">
+              <a:solidFill>
+                <a:schemeClr val="tx1">
+                  <a:lumMod val="65000"/>
+                  <a:lumOff val="35000"/>
+                </a:schemeClr>
+              </a:solidFill>
+            </a:endParaRPr>
+          </a:p>
+        </p:txBody>
+      </p:sp>
+      <p:pic>
+        <p:nvPicPr>
+          <p:cNvPr id="5" name="Picture 4" descr="Logo.png"/>
+          <p:cNvPicPr>
+            <a:picLocks noChangeAspect="1"/>
+          </p:cNvPicPr>
+          <p:nvPr/>
+        </p:nvPicPr>
+        <p:blipFill>
+          <a:blip r:embed="rId2" cstate="print">
+            <a:extLst>
+              <a:ext uri="{28A0092B-C50C-407E-A947-70E740481C1C}">
+                <a14:useLocalDpi xmlns:a14="http://schemas.microsoft.com/office/drawing/2010/main" val="0"/>
+              </a:ext>
+            </a:extLst>
+          </a:blip>
+          <a:stretch>
+            <a:fillRect/>
+          </a:stretch>
+        </p:blipFill>
+        <p:spPr>
+          <a:xfrm>
+            <a:off x="3475205" y="6143475"/>
+            <a:ext cx="2432304" cy="573024"/>
+          </a:xfrm>
+          <a:prstGeom prst="rect">
+            <a:avLst/>
+          </a:prstGeom>
+        </p:spPr>
+      </p:pic>
+    </p:spTree>
+    <p:extLst>
+      <p:ext uri="{BB962C8B-B14F-4D97-AF65-F5344CB8AC3E}">
+        <p14:creationId xmlns:p14="http://schemas.microsoft.com/office/powerpoint/2010/main" val="4272725651"/>
       </p:ext>
     </p:extLst>
   </p:cSld>
